--- a/lecture_notes/chapter2/chapter2.pptx
+++ b/lecture_notes/chapter2/chapter2.pptx
@@ -5,7 +5,7 @@
     <p:sldMasterId id="2147483648" r:id="rId1"/>
   </p:sldMasterIdLst>
   <p:notesMasterIdLst>
-    <p:notesMasterId r:id="rId69"/>
+    <p:notesMasterId r:id="rId70"/>
   </p:notesMasterIdLst>
   <p:sldIdLst>
     <p:sldId id="256" r:id="rId2"/>
@@ -66,15 +66,16 @@
     <p:sldId id="302" r:id="rId57"/>
     <p:sldId id="304" r:id="rId58"/>
     <p:sldId id="305" r:id="rId59"/>
-    <p:sldId id="306" r:id="rId60"/>
-    <p:sldId id="307" r:id="rId61"/>
-    <p:sldId id="308" r:id="rId62"/>
-    <p:sldId id="310" r:id="rId63"/>
+    <p:sldId id="337" r:id="rId60"/>
+    <p:sldId id="338" r:id="rId61"/>
+    <p:sldId id="310" r:id="rId62"/>
+    <p:sldId id="341" r:id="rId63"/>
     <p:sldId id="317" r:id="rId64"/>
-    <p:sldId id="319" r:id="rId65"/>
-    <p:sldId id="318" r:id="rId66"/>
+    <p:sldId id="342" r:id="rId65"/>
+    <p:sldId id="319" r:id="rId66"/>
     <p:sldId id="329" r:id="rId67"/>
     <p:sldId id="320" r:id="rId68"/>
+    <p:sldId id="340" r:id="rId69"/>
   </p:sldIdLst>
   <p:sldSz cx="12192000" cy="6858000"/>
   <p:notesSz cx="6858000" cy="9144000"/>
@@ -256,15 +257,20 @@
           <p14:sldIdLst>
             <p14:sldId id="304"/>
             <p14:sldId id="305"/>
-            <p14:sldId id="306"/>
-            <p14:sldId id="307"/>
-            <p14:sldId id="308"/>
+            <p14:sldId id="337"/>
+            <p14:sldId id="338"/>
             <p14:sldId id="310"/>
+            <p14:sldId id="341"/>
+          </p14:sldIdLst>
+        </p14:section>
+        <p14:section name="Pseudocode" id="{59A7798E-8F85-324A-A715-F3CA3B50392B}">
+          <p14:sldIdLst>
             <p14:sldId id="317"/>
+            <p14:sldId id="342"/>
             <p14:sldId id="319"/>
-            <p14:sldId id="318"/>
             <p14:sldId id="329"/>
             <p14:sldId id="320"/>
+            <p14:sldId id="340"/>
           </p14:sldIdLst>
         </p14:section>
       </p14:sectionLst>
@@ -276,7 +282,7 @@
 <file path=ppt/revisionInfo.xml><?xml version="1.0" encoding="utf-8"?>
 <p1510:revInfo xmlns:a="http://schemas.openxmlformats.org/drawingml/2006/main" xmlns:r="http://schemas.openxmlformats.org/officeDocument/2006/relationships" xmlns:p1510="http://schemas.microsoft.com/office/powerpoint/2015/10/main">
   <p1510:revLst>
-    <p1510:client id="{B5501D53-1BD3-244F-9534-60919D93D015}" v="591" dt="2026-01-21T23:13:14.724"/>
+    <p1510:client id="{B5501D53-1BD3-244F-9534-60919D93D015}" v="607" dt="2026-01-23T02:55:32.336"/>
   </p1510:revLst>
 </p1510:revInfo>
 </file>
@@ -285,33 +291,246 @@
 <pc:chgInfo xmlns:a="http://schemas.openxmlformats.org/drawingml/2006/main" xmlns:r="http://schemas.openxmlformats.org/officeDocument/2006/relationships" xmlns:ac="http://schemas.microsoft.com/office/drawing/2013/main/command" xmlns:pc="http://schemas.microsoft.com/office/powerpoint/2013/main/command">
   <pc:docChgLst>
     <pc:chgData name="Toby Donaldson" userId="2e6e5431-bb17-4c41-9985-d39c50d83c73" providerId="ADAL" clId="{7F9681A8-EEE2-56F4-9B39-ECCBEE0471AC}"/>
-    <pc:docChg chg="undo custSel addSld modSld modSection">
-      <pc:chgData name="Toby Donaldson" userId="2e6e5431-bb17-4c41-9985-d39c50d83c73" providerId="ADAL" clId="{7F9681A8-EEE2-56F4-9B39-ECCBEE0471AC}" dt="2026-01-21T23:13:14.724" v="590" actId="1076"/>
+    <pc:docChg chg="undo custSel addSld delSld modSld sldOrd addSection modSection">
+      <pc:chgData name="Toby Donaldson" userId="2e6e5431-bb17-4c41-9985-d39c50d83c73" providerId="ADAL" clId="{7F9681A8-EEE2-56F4-9B39-ECCBEE0471AC}" dt="2026-01-23T03:03:10.758" v="1335" actId="20577"/>
       <pc:docMkLst>
         <pc:docMk/>
       </pc:docMkLst>
+      <pc:sldChg chg="modSp mod">
+        <pc:chgData name="Toby Donaldson" userId="2e6e5431-bb17-4c41-9985-d39c50d83c73" providerId="ADAL" clId="{7F9681A8-EEE2-56F4-9B39-ECCBEE0471AC}" dt="2026-01-23T02:39:04.659" v="607" actId="20577"/>
+        <pc:sldMkLst>
+          <pc:docMk/>
+          <pc:sldMk cId="3762144442" sldId="304"/>
+        </pc:sldMkLst>
+        <pc:spChg chg="mod">
+          <ac:chgData name="Toby Donaldson" userId="2e6e5431-bb17-4c41-9985-d39c50d83c73" providerId="ADAL" clId="{7F9681A8-EEE2-56F4-9B39-ECCBEE0471AC}" dt="2026-01-23T02:39:04.659" v="607" actId="20577"/>
+          <ac:spMkLst>
+            <pc:docMk/>
+            <pc:sldMk cId="3762144442" sldId="304"/>
+            <ac:spMk id="13" creationId="{5C3CB041-437A-DDC4-FD22-B5E3515334BD}"/>
+          </ac:spMkLst>
+        </pc:spChg>
+      </pc:sldChg>
+      <pc:sldChg chg="addSp delSp modSp mod">
+        <pc:chgData name="Toby Donaldson" userId="2e6e5431-bb17-4c41-9985-d39c50d83c73" providerId="ADAL" clId="{7F9681A8-EEE2-56F4-9B39-ECCBEE0471AC}" dt="2026-01-23T02:40:00.725" v="614" actId="21"/>
+        <pc:sldMkLst>
+          <pc:docMk/>
+          <pc:sldMk cId="3098928990" sldId="305"/>
+        </pc:sldMkLst>
+        <pc:spChg chg="add mod">
+          <ac:chgData name="Toby Donaldson" userId="2e6e5431-bb17-4c41-9985-d39c50d83c73" providerId="ADAL" clId="{7F9681A8-EEE2-56F4-9B39-ECCBEE0471AC}" dt="2026-01-23T02:39:40.036" v="610" actId="167"/>
+          <ac:spMkLst>
+            <pc:docMk/>
+            <pc:sldMk cId="3098928990" sldId="305"/>
+            <ac:spMk id="5" creationId="{D31B598F-3A54-9082-1C7D-954BF6AD6E07}"/>
+          </ac:spMkLst>
+        </pc:spChg>
+        <pc:spChg chg="mod">
+          <ac:chgData name="Toby Donaldson" userId="2e6e5431-bb17-4c41-9985-d39c50d83c73" providerId="ADAL" clId="{7F9681A8-EEE2-56F4-9B39-ECCBEE0471AC}" dt="2026-01-23T02:39:46.041" v="611" actId="1076"/>
+          <ac:spMkLst>
+            <pc:docMk/>
+            <pc:sldMk cId="3098928990" sldId="305"/>
+            <ac:spMk id="9" creationId="{6293C046-2D75-7FE3-9E50-29B3A64E49E9}"/>
+          </ac:spMkLst>
+        </pc:spChg>
+        <pc:spChg chg="mod">
+          <ac:chgData name="Toby Donaldson" userId="2e6e5431-bb17-4c41-9985-d39c50d83c73" providerId="ADAL" clId="{7F9681A8-EEE2-56F4-9B39-ECCBEE0471AC}" dt="2026-01-23T02:39:56.691" v="613" actId="1076"/>
+          <ac:spMkLst>
+            <pc:docMk/>
+            <pc:sldMk cId="3098928990" sldId="305"/>
+            <ac:spMk id="10" creationId="{0794CACD-4DEF-540D-8F5F-500376C6830C}"/>
+          </ac:spMkLst>
+        </pc:spChg>
+        <pc:spChg chg="del">
+          <ac:chgData name="Toby Donaldson" userId="2e6e5431-bb17-4c41-9985-d39c50d83c73" providerId="ADAL" clId="{7F9681A8-EEE2-56F4-9B39-ECCBEE0471AC}" dt="2026-01-23T02:40:00.725" v="614" actId="21"/>
+          <ac:spMkLst>
+            <pc:docMk/>
+            <pc:sldMk cId="3098928990" sldId="305"/>
+            <ac:spMk id="11" creationId="{84A3CD62-4B4E-ACDB-6FEA-EAA4001655F7}"/>
+          </ac:spMkLst>
+        </pc:spChg>
+        <pc:spChg chg="del">
+          <ac:chgData name="Toby Donaldson" userId="2e6e5431-bb17-4c41-9985-d39c50d83c73" providerId="ADAL" clId="{7F9681A8-EEE2-56F4-9B39-ECCBEE0471AC}" dt="2026-01-23T02:39:19.823" v="608" actId="21"/>
+          <ac:spMkLst>
+            <pc:docMk/>
+            <pc:sldMk cId="3098928990" sldId="305"/>
+            <ac:spMk id="13" creationId="{5C3CB041-437A-DDC4-FD22-B5E3515334BD}"/>
+          </ac:spMkLst>
+        </pc:spChg>
+        <pc:cxnChg chg="mod">
+          <ac:chgData name="Toby Donaldson" userId="2e6e5431-bb17-4c41-9985-d39c50d83c73" providerId="ADAL" clId="{7F9681A8-EEE2-56F4-9B39-ECCBEE0471AC}" dt="2026-01-23T02:39:49.369" v="612" actId="14100"/>
+          <ac:cxnSpMkLst>
+            <pc:docMk/>
+            <pc:sldMk cId="3098928990" sldId="305"/>
+            <ac:cxnSpMk id="16" creationId="{254A7D66-1489-634B-A237-D1F984E45AA2}"/>
+          </ac:cxnSpMkLst>
+        </pc:cxnChg>
+        <pc:cxnChg chg="mod">
+          <ac:chgData name="Toby Donaldson" userId="2e6e5431-bb17-4c41-9985-d39c50d83c73" providerId="ADAL" clId="{7F9681A8-EEE2-56F4-9B39-ECCBEE0471AC}" dt="2026-01-23T02:39:56.691" v="613" actId="1076"/>
+          <ac:cxnSpMkLst>
+            <pc:docMk/>
+            <pc:sldMk cId="3098928990" sldId="305"/>
+            <ac:cxnSpMk id="18" creationId="{6C740A70-9DFE-4149-A53D-FE0C0CA96BBF}"/>
+          </ac:cxnSpMkLst>
+        </pc:cxnChg>
+        <pc:cxnChg chg="del mod">
+          <ac:chgData name="Toby Donaldson" userId="2e6e5431-bb17-4c41-9985-d39c50d83c73" providerId="ADAL" clId="{7F9681A8-EEE2-56F4-9B39-ECCBEE0471AC}" dt="2026-01-23T02:40:00.725" v="614" actId="21"/>
+          <ac:cxnSpMkLst>
+            <pc:docMk/>
+            <pc:sldMk cId="3098928990" sldId="305"/>
+            <ac:cxnSpMk id="20" creationId="{9BBDF08C-B6B7-4CD9-7732-FF7548B3F4C0}"/>
+          </ac:cxnSpMkLst>
+        </pc:cxnChg>
+      </pc:sldChg>
+      <pc:sldChg chg="del">
+        <pc:chgData name="Toby Donaldson" userId="2e6e5431-bb17-4c41-9985-d39c50d83c73" providerId="ADAL" clId="{7F9681A8-EEE2-56F4-9B39-ECCBEE0471AC}" dt="2026-01-23T02:40:58.604" v="617" actId="2696"/>
+        <pc:sldMkLst>
+          <pc:docMk/>
+          <pc:sldMk cId="2186739661" sldId="306"/>
+        </pc:sldMkLst>
+      </pc:sldChg>
+      <pc:sldChg chg="del">
+        <pc:chgData name="Toby Donaldson" userId="2e6e5431-bb17-4c41-9985-d39c50d83c73" providerId="ADAL" clId="{7F9681A8-EEE2-56F4-9B39-ECCBEE0471AC}" dt="2026-01-23T02:43:51.905" v="714" actId="2696"/>
+        <pc:sldMkLst>
+          <pc:docMk/>
+          <pc:sldMk cId="711128939" sldId="307"/>
+        </pc:sldMkLst>
+      </pc:sldChg>
+      <pc:sldChg chg="del">
+        <pc:chgData name="Toby Donaldson" userId="2e6e5431-bb17-4c41-9985-d39c50d83c73" providerId="ADAL" clId="{7F9681A8-EEE2-56F4-9B39-ECCBEE0471AC}" dt="2026-01-23T02:44:04.320" v="716" actId="2696"/>
+        <pc:sldMkLst>
+          <pc:docMk/>
+          <pc:sldMk cId="3381048815" sldId="308"/>
+        </pc:sldMkLst>
+      </pc:sldChg>
+      <pc:sldChg chg="modSp mod">
+        <pc:chgData name="Toby Donaldson" userId="2e6e5431-bb17-4c41-9985-d39c50d83c73" providerId="ADAL" clId="{7F9681A8-EEE2-56F4-9B39-ECCBEE0471AC}" dt="2026-01-23T02:44:52.919" v="743" actId="1076"/>
+        <pc:sldMkLst>
+          <pc:docMk/>
+          <pc:sldMk cId="2722314743" sldId="310"/>
+        </pc:sldMkLst>
+        <pc:spChg chg="mod">
+          <ac:chgData name="Toby Donaldson" userId="2e6e5431-bb17-4c41-9985-d39c50d83c73" providerId="ADAL" clId="{7F9681A8-EEE2-56F4-9B39-ECCBEE0471AC}" dt="2026-01-23T02:44:40.199" v="741" actId="20577"/>
+          <ac:spMkLst>
+            <pc:docMk/>
+            <pc:sldMk cId="2722314743" sldId="310"/>
+            <ac:spMk id="11" creationId="{9B2C2A61-4298-4DD1-294E-B1B3004D90FF}"/>
+          </ac:spMkLst>
+        </pc:spChg>
+        <pc:spChg chg="mod">
+          <ac:chgData name="Toby Donaldson" userId="2e6e5431-bb17-4c41-9985-d39c50d83c73" providerId="ADAL" clId="{7F9681A8-EEE2-56F4-9B39-ECCBEE0471AC}" dt="2026-01-23T02:44:28.634" v="727" actId="20577"/>
+          <ac:spMkLst>
+            <pc:docMk/>
+            <pc:sldMk cId="2722314743" sldId="310"/>
+            <ac:spMk id="13" creationId="{5C3CB041-437A-DDC4-FD22-B5E3515334BD}"/>
+          </ac:spMkLst>
+        </pc:spChg>
+        <pc:spChg chg="mod">
+          <ac:chgData name="Toby Donaldson" userId="2e6e5431-bb17-4c41-9985-d39c50d83c73" providerId="ADAL" clId="{7F9681A8-EEE2-56F4-9B39-ECCBEE0471AC}" dt="2026-01-23T02:44:52.919" v="743" actId="1076"/>
+          <ac:spMkLst>
+            <pc:docMk/>
+            <pc:sldMk cId="2722314743" sldId="310"/>
+            <ac:spMk id="19" creationId="{083497FF-725C-07A4-B731-4337A7DCB4FE}"/>
+          </ac:spMkLst>
+        </pc:spChg>
+      </pc:sldChg>
+      <pc:sldChg chg="modSp mod">
+        <pc:chgData name="Toby Donaldson" userId="2e6e5431-bb17-4c41-9985-d39c50d83c73" providerId="ADAL" clId="{7F9681A8-EEE2-56F4-9B39-ECCBEE0471AC}" dt="2026-01-23T03:02:42.561" v="1324" actId="20577"/>
+        <pc:sldMkLst>
+          <pc:docMk/>
+          <pc:sldMk cId="1963568937" sldId="317"/>
+        </pc:sldMkLst>
+        <pc:spChg chg="mod">
+          <ac:chgData name="Toby Donaldson" userId="2e6e5431-bb17-4c41-9985-d39c50d83c73" providerId="ADAL" clId="{7F9681A8-EEE2-56F4-9B39-ECCBEE0471AC}" dt="2026-01-23T02:46:49.458" v="762" actId="1076"/>
+          <ac:spMkLst>
+            <pc:docMk/>
+            <pc:sldMk cId="1963568937" sldId="317"/>
+            <ac:spMk id="3" creationId="{4079A83F-EC68-AFF0-6B91-95901D869450}"/>
+          </ac:spMkLst>
+        </pc:spChg>
+        <pc:spChg chg="mod">
+          <ac:chgData name="Toby Donaldson" userId="2e6e5431-bb17-4c41-9985-d39c50d83c73" providerId="ADAL" clId="{7F9681A8-EEE2-56F4-9B39-ECCBEE0471AC}" dt="2026-01-23T03:02:42.561" v="1324" actId="20577"/>
+          <ac:spMkLst>
+            <pc:docMk/>
+            <pc:sldMk cId="1963568937" sldId="317"/>
+            <ac:spMk id="5" creationId="{E44F6A4F-48D2-9A0B-B9D7-889B8BBBF9EB}"/>
+          </ac:spMkLst>
+        </pc:spChg>
+        <pc:spChg chg="mod">
+          <ac:chgData name="Toby Donaldson" userId="2e6e5431-bb17-4c41-9985-d39c50d83c73" providerId="ADAL" clId="{7F9681A8-EEE2-56F4-9B39-ECCBEE0471AC}" dt="2026-01-23T02:46:42.767" v="761" actId="20577"/>
+          <ac:spMkLst>
+            <pc:docMk/>
+            <pc:sldMk cId="1963568937" sldId="317"/>
+            <ac:spMk id="13" creationId="{5C3CB041-437A-DDC4-FD22-B5E3515334BD}"/>
+          </ac:spMkLst>
+        </pc:spChg>
+      </pc:sldChg>
+      <pc:sldChg chg="modSp del mod">
+        <pc:chgData name="Toby Donaldson" userId="2e6e5431-bb17-4c41-9985-d39c50d83c73" providerId="ADAL" clId="{7F9681A8-EEE2-56F4-9B39-ECCBEE0471AC}" dt="2026-01-23T02:48:09.851" v="814" actId="2696"/>
+        <pc:sldMkLst>
+          <pc:docMk/>
+          <pc:sldMk cId="3184009082" sldId="318"/>
+        </pc:sldMkLst>
+        <pc:spChg chg="mod">
+          <ac:chgData name="Toby Donaldson" userId="2e6e5431-bb17-4c41-9985-d39c50d83c73" providerId="ADAL" clId="{7F9681A8-EEE2-56F4-9B39-ECCBEE0471AC}" dt="2026-01-23T02:47:52.677" v="811" actId="20577"/>
+          <ac:spMkLst>
+            <pc:docMk/>
+            <pc:sldMk cId="3184009082" sldId="318"/>
+            <ac:spMk id="13" creationId="{5C3CB041-437A-DDC4-FD22-B5E3515334BD}"/>
+          </ac:spMkLst>
+        </pc:spChg>
+      </pc:sldChg>
+      <pc:sldChg chg="modSp mod">
+        <pc:chgData name="Toby Donaldson" userId="2e6e5431-bb17-4c41-9985-d39c50d83c73" providerId="ADAL" clId="{7F9681A8-EEE2-56F4-9B39-ECCBEE0471AC}" dt="2026-01-23T02:47:43.355" v="800" actId="14100"/>
+        <pc:sldMkLst>
+          <pc:docMk/>
+          <pc:sldMk cId="155828000" sldId="319"/>
+        </pc:sldMkLst>
+        <pc:spChg chg="mod">
+          <ac:chgData name="Toby Donaldson" userId="2e6e5431-bb17-4c41-9985-d39c50d83c73" providerId="ADAL" clId="{7F9681A8-EEE2-56F4-9B39-ECCBEE0471AC}" dt="2026-01-23T02:47:43.355" v="800" actId="14100"/>
+          <ac:spMkLst>
+            <pc:docMk/>
+            <pc:sldMk cId="155828000" sldId="319"/>
+            <ac:spMk id="13" creationId="{5C3CB041-437A-DDC4-FD22-B5E3515334BD}"/>
+          </ac:spMkLst>
+        </pc:spChg>
+      </pc:sldChg>
+      <pc:sldChg chg="modSp mod">
+        <pc:chgData name="Toby Donaldson" userId="2e6e5431-bb17-4c41-9985-d39c50d83c73" providerId="ADAL" clId="{7F9681A8-EEE2-56F4-9B39-ECCBEE0471AC}" dt="2026-01-23T02:48:40.311" v="825" actId="20577"/>
+        <pc:sldMkLst>
+          <pc:docMk/>
+          <pc:sldMk cId="3885649669" sldId="320"/>
+        </pc:sldMkLst>
+        <pc:spChg chg="mod">
+          <ac:chgData name="Toby Donaldson" userId="2e6e5431-bb17-4c41-9985-d39c50d83c73" providerId="ADAL" clId="{7F9681A8-EEE2-56F4-9B39-ECCBEE0471AC}" dt="2026-01-23T02:48:40.311" v="825" actId="20577"/>
+          <ac:spMkLst>
+            <pc:docMk/>
+            <pc:sldMk cId="3885649669" sldId="320"/>
+            <ac:spMk id="13" creationId="{5C3CB041-437A-DDC4-FD22-B5E3515334BD}"/>
+          </ac:spMkLst>
+        </pc:spChg>
+      </pc:sldChg>
+      <pc:sldChg chg="modSp mod">
+        <pc:chgData name="Toby Donaldson" userId="2e6e5431-bb17-4c41-9985-d39c50d83c73" providerId="ADAL" clId="{7F9681A8-EEE2-56F4-9B39-ECCBEE0471AC}" dt="2026-01-23T02:48:51.664" v="834" actId="20577"/>
+        <pc:sldMkLst>
+          <pc:docMk/>
+          <pc:sldMk cId="1366873917" sldId="329"/>
+        </pc:sldMkLst>
+        <pc:spChg chg="mod">
+          <ac:chgData name="Toby Donaldson" userId="2e6e5431-bb17-4c41-9985-d39c50d83c73" providerId="ADAL" clId="{7F9681A8-EEE2-56F4-9B39-ECCBEE0471AC}" dt="2026-01-23T02:48:51.664" v="834" actId="20577"/>
+          <ac:spMkLst>
+            <pc:docMk/>
+            <pc:sldMk cId="1366873917" sldId="329"/>
+            <ac:spMk id="13" creationId="{36FBD463-50B6-18AB-695E-C941FF1093FF}"/>
+          </ac:spMkLst>
+        </pc:spChg>
+      </pc:sldChg>
       <pc:sldChg chg="addSp delSp modSp add mod">
         <pc:chgData name="Toby Donaldson" userId="2e6e5431-bb17-4c41-9985-d39c50d83c73" providerId="ADAL" clId="{7F9681A8-EEE2-56F4-9B39-ECCBEE0471AC}" dt="2026-01-21T23:05:54.087" v="152" actId="21"/>
         <pc:sldMkLst>
           <pc:docMk/>
           <pc:sldMk cId="2305921841" sldId="333"/>
         </pc:sldMkLst>
-        <pc:spChg chg="del">
-          <ac:chgData name="Toby Donaldson" userId="2e6e5431-bb17-4c41-9985-d39c50d83c73" providerId="ADAL" clId="{7F9681A8-EEE2-56F4-9B39-ECCBEE0471AC}" dt="2026-01-21T23:03:37.652" v="1" actId="21"/>
-          <ac:spMkLst>
-            <pc:docMk/>
-            <pc:sldMk cId="2305921841" sldId="333"/>
-            <ac:spMk id="3" creationId="{7FF28392-3907-4D62-9123-FBCE276A55F4}"/>
-          </ac:spMkLst>
-        </pc:spChg>
-        <pc:spChg chg="del mod">
-          <ac:chgData name="Toby Donaldson" userId="2e6e5431-bb17-4c41-9985-d39c50d83c73" providerId="ADAL" clId="{7F9681A8-EEE2-56F4-9B39-ECCBEE0471AC}" dt="2026-01-21T23:05:54.087" v="152" actId="21"/>
-          <ac:spMkLst>
-            <pc:docMk/>
-            <pc:sldMk cId="2305921841" sldId="333"/>
-            <ac:spMk id="6" creationId="{388B9B1E-7385-EB29-3353-69F9FB7459BF}"/>
-          </ac:spMkLst>
-        </pc:spChg>
         <pc:spChg chg="add mod">
           <ac:chgData name="Toby Donaldson" userId="2e6e5431-bb17-4c41-9985-d39c50d83c73" providerId="ADAL" clId="{7F9681A8-EEE2-56F4-9B39-ECCBEE0471AC}" dt="2026-01-21T23:05:02.713" v="91" actId="12789"/>
           <ac:spMkLst>
@@ -328,14 +547,6 @@
             <ac:spMk id="13" creationId="{D8039D06-A194-389D-131E-391ED2CE44D6}"/>
           </ac:spMkLst>
         </pc:spChg>
-        <pc:spChg chg="del">
-          <ac:chgData name="Toby Donaldson" userId="2e6e5431-bb17-4c41-9985-d39c50d83c73" providerId="ADAL" clId="{7F9681A8-EEE2-56F4-9B39-ECCBEE0471AC}" dt="2026-01-21T23:03:37.652" v="1" actId="21"/>
-          <ac:spMkLst>
-            <pc:docMk/>
-            <pc:sldMk cId="2305921841" sldId="333"/>
-            <ac:spMk id="14" creationId="{6F5273D4-95B5-9DAE-5480-48F3CFDC01E3}"/>
-          </ac:spMkLst>
-        </pc:spChg>
         <pc:spChg chg="mod">
           <ac:chgData name="Toby Donaldson" userId="2e6e5431-bb17-4c41-9985-d39c50d83c73" providerId="ADAL" clId="{7F9681A8-EEE2-56F4-9B39-ECCBEE0471AC}" dt="2026-01-21T23:05:38.361" v="146" actId="1076"/>
           <ac:spMkLst>
@@ -344,28 +555,12 @@
             <ac:spMk id="34" creationId="{E24014A3-555C-544B-DF71-11032CCBA0B9}"/>
           </ac:spMkLst>
         </pc:spChg>
-        <pc:inkChg chg="del">
-          <ac:chgData name="Toby Donaldson" userId="2e6e5431-bb17-4c41-9985-d39c50d83c73" providerId="ADAL" clId="{7F9681A8-EEE2-56F4-9B39-ECCBEE0471AC}" dt="2026-01-21T23:03:40.501" v="2" actId="21"/>
-          <ac:inkMkLst>
-            <pc:docMk/>
-            <pc:sldMk cId="2305921841" sldId="333"/>
-            <ac:inkMk id="9" creationId="{16762BD1-66FF-48A7-C61A-0BCFFC76293D}"/>
-          </ac:inkMkLst>
-        </pc:inkChg>
         <pc:cxnChg chg="mod">
           <ac:chgData name="Toby Donaldson" userId="2e6e5431-bb17-4c41-9985-d39c50d83c73" providerId="ADAL" clId="{7F9681A8-EEE2-56F4-9B39-ECCBEE0471AC}" dt="2026-01-21T23:05:43.396" v="148" actId="14100"/>
           <ac:cxnSpMkLst>
             <pc:docMk/>
             <pc:sldMk cId="2305921841" sldId="333"/>
             <ac:cxnSpMk id="10" creationId="{7512562F-8392-4FC9-B24A-2A3A7C224B48}"/>
-          </ac:cxnSpMkLst>
-        </pc:cxnChg>
-        <pc:cxnChg chg="del mod">
-          <ac:chgData name="Toby Donaldson" userId="2e6e5431-bb17-4c41-9985-d39c50d83c73" providerId="ADAL" clId="{7F9681A8-EEE2-56F4-9B39-ECCBEE0471AC}" dt="2026-01-21T23:03:37.652" v="1" actId="21"/>
-          <ac:cxnSpMkLst>
-            <pc:docMk/>
-            <pc:sldMk cId="2305921841" sldId="333"/>
-            <ac:cxnSpMk id="15" creationId="{F8A7F753-EA01-95F0-E59F-3154AEB0AF60}"/>
           </ac:cxnSpMkLst>
         </pc:cxnChg>
         <pc:cxnChg chg="add mod">
@@ -398,22 +593,6 @@
           <pc:docMk/>
           <pc:sldMk cId="3661203246" sldId="335"/>
         </pc:sldMkLst>
-        <pc:spChg chg="del">
-          <ac:chgData name="Toby Donaldson" userId="2e6e5431-bb17-4c41-9985-d39c50d83c73" providerId="ADAL" clId="{7F9681A8-EEE2-56F4-9B39-ECCBEE0471AC}" dt="2026-01-21T23:09:41.357" v="266" actId="21"/>
-          <ac:spMkLst>
-            <pc:docMk/>
-            <pc:sldMk cId="3661203246" sldId="335"/>
-            <ac:spMk id="3" creationId="{9CEE3586-537C-5A14-4E82-DF8B1EE6AE6D}"/>
-          </ac:spMkLst>
-        </pc:spChg>
-        <pc:spChg chg="del">
-          <ac:chgData name="Toby Donaldson" userId="2e6e5431-bb17-4c41-9985-d39c50d83c73" providerId="ADAL" clId="{7F9681A8-EEE2-56F4-9B39-ECCBEE0471AC}" dt="2026-01-21T23:09:41.357" v="266" actId="21"/>
-          <ac:spMkLst>
-            <pc:docMk/>
-            <pc:sldMk cId="3661203246" sldId="335"/>
-            <ac:spMk id="8" creationId="{B4C4ECBE-7492-975B-2828-88D2F6676F8E}"/>
-          </ac:spMkLst>
-        </pc:spChg>
         <pc:spChg chg="mod">
           <ac:chgData name="Toby Donaldson" userId="2e6e5431-bb17-4c41-9985-d39c50d83c73" providerId="ADAL" clId="{7F9681A8-EEE2-56F4-9B39-ECCBEE0471AC}" dt="2026-01-21T23:11:28.160" v="435" actId="207"/>
           <ac:spMkLst>
@@ -436,14 +615,6 @@
             <pc:docMk/>
             <pc:sldMk cId="3661203246" sldId="335"/>
             <ac:cxnSpMk id="10" creationId="{9DDDE3A9-C12A-5576-6FED-A9A2293DDF53}"/>
-          </ac:cxnSpMkLst>
-        </pc:cxnChg>
-        <pc:cxnChg chg="del">
-          <ac:chgData name="Toby Donaldson" userId="2e6e5431-bb17-4c41-9985-d39c50d83c73" providerId="ADAL" clId="{7F9681A8-EEE2-56F4-9B39-ECCBEE0471AC}" dt="2026-01-21T23:09:41.357" v="266" actId="21"/>
-          <ac:cxnSpMkLst>
-            <pc:docMk/>
-            <pc:sldMk cId="3661203246" sldId="335"/>
-            <ac:cxnSpMk id="17" creationId="{CD797E92-5357-E844-933A-1D93206C1520}"/>
           </ac:cxnSpMkLst>
         </pc:cxnChg>
       </pc:sldChg>
@@ -477,6 +648,247 @@
             <ac:cxnSpMk id="8" creationId="{0D6DDF95-6651-28A3-32FD-B82E769B0328}"/>
           </ac:cxnSpMkLst>
         </pc:cxnChg>
+      </pc:sldChg>
+      <pc:sldChg chg="addSp modSp add">
+        <pc:chgData name="Toby Donaldson" userId="2e6e5431-bb17-4c41-9985-d39c50d83c73" providerId="ADAL" clId="{7F9681A8-EEE2-56F4-9B39-ECCBEE0471AC}" dt="2026-01-23T02:40:43.982" v="616"/>
+        <pc:sldMkLst>
+          <pc:docMk/>
+          <pc:sldMk cId="1378727184" sldId="337"/>
+        </pc:sldMkLst>
+        <pc:spChg chg="add mod">
+          <ac:chgData name="Toby Donaldson" userId="2e6e5431-bb17-4c41-9985-d39c50d83c73" providerId="ADAL" clId="{7F9681A8-EEE2-56F4-9B39-ECCBEE0471AC}" dt="2026-01-23T02:40:43.982" v="616"/>
+          <ac:spMkLst>
+            <pc:docMk/>
+            <pc:sldMk cId="1378727184" sldId="337"/>
+            <ac:spMk id="11" creationId="{72D501E0-62A4-229B-D84A-692EC71754A8}"/>
+          </ac:spMkLst>
+        </pc:spChg>
+      </pc:sldChg>
+      <pc:sldChg chg="addSp delSp modSp add mod">
+        <pc:chgData name="Toby Donaldson" userId="2e6e5431-bb17-4c41-9985-d39c50d83c73" providerId="ADAL" clId="{7F9681A8-EEE2-56F4-9B39-ECCBEE0471AC}" dt="2026-01-23T02:43:26.715" v="712"/>
+        <pc:sldMkLst>
+          <pc:docMk/>
+          <pc:sldMk cId="1310961716" sldId="338"/>
+        </pc:sldMkLst>
+        <pc:spChg chg="mod">
+          <ac:chgData name="Toby Donaldson" userId="2e6e5431-bb17-4c41-9985-d39c50d83c73" providerId="ADAL" clId="{7F9681A8-EEE2-56F4-9B39-ECCBEE0471AC}" dt="2026-01-23T02:43:26.642" v="711" actId="113"/>
+          <ac:spMkLst>
+            <pc:docMk/>
+            <pc:sldMk cId="1310961716" sldId="338"/>
+            <ac:spMk id="6" creationId="{6347BB33-8D2A-D0B9-A06F-99FFE1598207}"/>
+          </ac:spMkLst>
+        </pc:spChg>
+        <pc:spChg chg="del">
+          <ac:chgData name="Toby Donaldson" userId="2e6e5431-bb17-4c41-9985-d39c50d83c73" providerId="ADAL" clId="{7F9681A8-EEE2-56F4-9B39-ECCBEE0471AC}" dt="2026-01-23T02:42:01.086" v="619" actId="21"/>
+          <ac:spMkLst>
+            <pc:docMk/>
+            <pc:sldMk cId="1310961716" sldId="338"/>
+            <ac:spMk id="7" creationId="{1BE75C6D-3357-92EE-3598-D8C7B17D658D}"/>
+          </ac:spMkLst>
+        </pc:spChg>
+        <pc:spChg chg="del">
+          <ac:chgData name="Toby Donaldson" userId="2e6e5431-bb17-4c41-9985-d39c50d83c73" providerId="ADAL" clId="{7F9681A8-EEE2-56F4-9B39-ECCBEE0471AC}" dt="2026-01-23T02:42:01.086" v="619" actId="21"/>
+          <ac:spMkLst>
+            <pc:docMk/>
+            <pc:sldMk cId="1310961716" sldId="338"/>
+            <ac:spMk id="9" creationId="{19462F2D-D690-57A6-9E38-2DB4C28938C9}"/>
+          </ac:spMkLst>
+        </pc:spChg>
+        <pc:spChg chg="del">
+          <ac:chgData name="Toby Donaldson" userId="2e6e5431-bb17-4c41-9985-d39c50d83c73" providerId="ADAL" clId="{7F9681A8-EEE2-56F4-9B39-ECCBEE0471AC}" dt="2026-01-23T02:42:01.086" v="619" actId="21"/>
+          <ac:spMkLst>
+            <pc:docMk/>
+            <pc:sldMk cId="1310961716" sldId="338"/>
+            <ac:spMk id="10" creationId="{A4AA8E70-6EAB-8F0C-FE18-FB453B82A772}"/>
+          </ac:spMkLst>
+        </pc:spChg>
+        <pc:spChg chg="del">
+          <ac:chgData name="Toby Donaldson" userId="2e6e5431-bb17-4c41-9985-d39c50d83c73" providerId="ADAL" clId="{7F9681A8-EEE2-56F4-9B39-ECCBEE0471AC}" dt="2026-01-23T02:42:35.837" v="627" actId="21"/>
+          <ac:spMkLst>
+            <pc:docMk/>
+            <pc:sldMk cId="1310961716" sldId="338"/>
+            <ac:spMk id="11" creationId="{7D9E6C16-3BB1-4741-0587-3562939D47DC}"/>
+          </ac:spMkLst>
+        </pc:spChg>
+        <pc:spChg chg="add mod">
+          <ac:chgData name="Toby Donaldson" userId="2e6e5431-bb17-4c41-9985-d39c50d83c73" providerId="ADAL" clId="{7F9681A8-EEE2-56F4-9B39-ECCBEE0471AC}" dt="2026-01-23T02:42:24.919" v="625" actId="14100"/>
+          <ac:spMkLst>
+            <pc:docMk/>
+            <pc:sldMk cId="1310961716" sldId="338"/>
+            <ac:spMk id="15" creationId="{D68ADA00-73BC-CF39-D352-58656F742057}"/>
+          </ac:spMkLst>
+        </pc:spChg>
+        <pc:spChg chg="add mod">
+          <ac:chgData name="Toby Donaldson" userId="2e6e5431-bb17-4c41-9985-d39c50d83c73" providerId="ADAL" clId="{7F9681A8-EEE2-56F4-9B39-ECCBEE0471AC}" dt="2026-01-23T02:43:26.715" v="712"/>
+          <ac:spMkLst>
+            <pc:docMk/>
+            <pc:sldMk cId="1310961716" sldId="338"/>
+            <ac:spMk id="22" creationId="{1E22FD78-6A59-BC04-E897-677DC5E99045}"/>
+          </ac:spMkLst>
+        </pc:spChg>
+        <pc:cxnChg chg="mod">
+          <ac:chgData name="Toby Donaldson" userId="2e6e5431-bb17-4c41-9985-d39c50d83c73" providerId="ADAL" clId="{7F9681A8-EEE2-56F4-9B39-ECCBEE0471AC}" dt="2026-01-23T02:43:16.620" v="710" actId="14100"/>
+          <ac:cxnSpMkLst>
+            <pc:docMk/>
+            <pc:sldMk cId="1310961716" sldId="338"/>
+            <ac:cxnSpMk id="14" creationId="{F3B72D4E-FFB9-C482-9B96-9746AC9A21F1}"/>
+          </ac:cxnSpMkLst>
+        </pc:cxnChg>
+        <pc:cxnChg chg="mod">
+          <ac:chgData name="Toby Donaldson" userId="2e6e5431-bb17-4c41-9985-d39c50d83c73" providerId="ADAL" clId="{7F9681A8-EEE2-56F4-9B39-ECCBEE0471AC}" dt="2026-01-23T02:43:11.520" v="709" actId="14100"/>
+          <ac:cxnSpMkLst>
+            <pc:docMk/>
+            <pc:sldMk cId="1310961716" sldId="338"/>
+            <ac:cxnSpMk id="16" creationId="{B9E750D7-B536-30F3-F021-7B81C51B0111}"/>
+          </ac:cxnSpMkLst>
+        </pc:cxnChg>
+        <pc:cxnChg chg="del mod">
+          <ac:chgData name="Toby Donaldson" userId="2e6e5431-bb17-4c41-9985-d39c50d83c73" providerId="ADAL" clId="{7F9681A8-EEE2-56F4-9B39-ECCBEE0471AC}" dt="2026-01-23T02:42:33.647" v="626" actId="21"/>
+          <ac:cxnSpMkLst>
+            <pc:docMk/>
+            <pc:sldMk cId="1310961716" sldId="338"/>
+            <ac:cxnSpMk id="18" creationId="{1EF6ADC7-A496-7CF2-C57D-B6BCBDE5A3E7}"/>
+          </ac:cxnSpMkLst>
+        </pc:cxnChg>
+      </pc:sldChg>
+      <pc:sldChg chg="new del">
+        <pc:chgData name="Toby Donaldson" userId="2e6e5431-bb17-4c41-9985-d39c50d83c73" providerId="ADAL" clId="{7F9681A8-EEE2-56F4-9B39-ECCBEE0471AC}" dt="2026-01-23T02:49:16.597" v="837" actId="2696"/>
+        <pc:sldMkLst>
+          <pc:docMk/>
+          <pc:sldMk cId="852334321" sldId="339"/>
+        </pc:sldMkLst>
+      </pc:sldChg>
+      <pc:sldChg chg="add del">
+        <pc:chgData name="Toby Donaldson" userId="2e6e5431-bb17-4c41-9985-d39c50d83c73" providerId="ADAL" clId="{7F9681A8-EEE2-56F4-9B39-ECCBEE0471AC}" dt="2026-01-23T02:43:55.354" v="715" actId="2696"/>
+        <pc:sldMkLst>
+          <pc:docMk/>
+          <pc:sldMk cId="1184401082" sldId="339"/>
+        </pc:sldMkLst>
+      </pc:sldChg>
+      <pc:sldChg chg="modSp add mod">
+        <pc:chgData name="Toby Donaldson" userId="2e6e5431-bb17-4c41-9985-d39c50d83c73" providerId="ADAL" clId="{7F9681A8-EEE2-56F4-9B39-ECCBEE0471AC}" dt="2026-01-23T02:50:08.536" v="948" actId="1076"/>
+        <pc:sldMkLst>
+          <pc:docMk/>
+          <pc:sldMk cId="3315724918" sldId="340"/>
+        </pc:sldMkLst>
+        <pc:spChg chg="mod">
+          <ac:chgData name="Toby Donaldson" userId="2e6e5431-bb17-4c41-9985-d39c50d83c73" providerId="ADAL" clId="{7F9681A8-EEE2-56F4-9B39-ECCBEE0471AC}" dt="2026-01-23T02:49:39.465" v="903" actId="1076"/>
+          <ac:spMkLst>
+            <pc:docMk/>
+            <pc:sldMk cId="3315724918" sldId="340"/>
+            <ac:spMk id="5" creationId="{DA368361-F4B0-489C-ACD1-136154020CFF}"/>
+          </ac:spMkLst>
+        </pc:spChg>
+        <pc:spChg chg="mod">
+          <ac:chgData name="Toby Donaldson" userId="2e6e5431-bb17-4c41-9985-d39c50d83c73" providerId="ADAL" clId="{7F9681A8-EEE2-56F4-9B39-ECCBEE0471AC}" dt="2026-01-23T02:50:08.536" v="948" actId="1076"/>
+          <ac:spMkLst>
+            <pc:docMk/>
+            <pc:sldMk cId="3315724918" sldId="340"/>
+            <ac:spMk id="13" creationId="{F5AC5DD1-263C-753E-B00D-0FC1A67876A6}"/>
+          </ac:spMkLst>
+        </pc:spChg>
+      </pc:sldChg>
+      <pc:sldChg chg="addSp delSp modSp add mod ord">
+        <pc:chgData name="Toby Donaldson" userId="2e6e5431-bb17-4c41-9985-d39c50d83c73" providerId="ADAL" clId="{7F9681A8-EEE2-56F4-9B39-ECCBEE0471AC}" dt="2026-01-23T03:01:47.004" v="1306" actId="1076"/>
+        <pc:sldMkLst>
+          <pc:docMk/>
+          <pc:sldMk cId="2826548480" sldId="341"/>
+        </pc:sldMkLst>
+        <pc:spChg chg="del">
+          <ac:chgData name="Toby Donaldson" userId="2e6e5431-bb17-4c41-9985-d39c50d83c73" providerId="ADAL" clId="{7F9681A8-EEE2-56F4-9B39-ECCBEE0471AC}" dt="2026-01-23T02:51:52.452" v="953" actId="21"/>
+          <ac:spMkLst>
+            <pc:docMk/>
+            <pc:sldMk cId="2826548480" sldId="341"/>
+            <ac:spMk id="3" creationId="{66EFB2C9-9350-781B-A7EC-09C0B621D503}"/>
+          </ac:spMkLst>
+        </pc:spChg>
+        <pc:spChg chg="del mod">
+          <ac:chgData name="Toby Donaldson" userId="2e6e5431-bb17-4c41-9985-d39c50d83c73" providerId="ADAL" clId="{7F9681A8-EEE2-56F4-9B39-ECCBEE0471AC}" dt="2026-01-23T02:52:55.052" v="964" actId="21"/>
+          <ac:spMkLst>
+            <pc:docMk/>
+            <pc:sldMk cId="2826548480" sldId="341"/>
+            <ac:spMk id="5" creationId="{1897C84B-AF13-D42C-A4AA-AF87BA17D9DD}"/>
+          </ac:spMkLst>
+        </pc:spChg>
+        <pc:spChg chg="mod">
+          <ac:chgData name="Toby Donaldson" userId="2e6e5431-bb17-4c41-9985-d39c50d83c73" providerId="ADAL" clId="{7F9681A8-EEE2-56F4-9B39-ECCBEE0471AC}" dt="2026-01-23T03:01:47.004" v="1306" actId="1076"/>
+          <ac:spMkLst>
+            <pc:docMk/>
+            <pc:sldMk cId="2826548480" sldId="341"/>
+            <ac:spMk id="6" creationId="{CCA869DC-312B-0E61-DEB1-BF22F06A16C7}"/>
+          </ac:spMkLst>
+        </pc:spChg>
+        <pc:spChg chg="add mod">
+          <ac:chgData name="Toby Donaldson" userId="2e6e5431-bb17-4c41-9985-d39c50d83c73" providerId="ADAL" clId="{7F9681A8-EEE2-56F4-9B39-ECCBEE0471AC}" dt="2026-01-23T03:01:24.770" v="1305" actId="6549"/>
+          <ac:spMkLst>
+            <pc:docMk/>
+            <pc:sldMk cId="2826548480" sldId="341"/>
+            <ac:spMk id="7" creationId="{5CFAB3EF-8DBF-9A98-7C6B-02A9414924D3}"/>
+          </ac:spMkLst>
+        </pc:spChg>
+        <pc:spChg chg="add mod">
+          <ac:chgData name="Toby Donaldson" userId="2e6e5431-bb17-4c41-9985-d39c50d83c73" providerId="ADAL" clId="{7F9681A8-EEE2-56F4-9B39-ECCBEE0471AC}" dt="2026-01-23T02:52:59.388" v="966"/>
+          <ac:spMkLst>
+            <pc:docMk/>
+            <pc:sldMk cId="2826548480" sldId="341"/>
+            <ac:spMk id="9" creationId="{D091750B-4B60-7F17-7757-4B89F1CB9DB2}"/>
+          </ac:spMkLst>
+        </pc:spChg>
+        <pc:spChg chg="del">
+          <ac:chgData name="Toby Donaldson" userId="2e6e5431-bb17-4c41-9985-d39c50d83c73" providerId="ADAL" clId="{7F9681A8-EEE2-56F4-9B39-ECCBEE0471AC}" dt="2026-01-23T02:51:52.452" v="953" actId="21"/>
+          <ac:spMkLst>
+            <pc:docMk/>
+            <pc:sldMk cId="2826548480" sldId="341"/>
+            <ac:spMk id="12" creationId="{B33955BE-744D-8EF1-487F-3C3EFB32093A}"/>
+          </ac:spMkLst>
+        </pc:spChg>
+        <pc:spChg chg="del">
+          <ac:chgData name="Toby Donaldson" userId="2e6e5431-bb17-4c41-9985-d39c50d83c73" providerId="ADAL" clId="{7F9681A8-EEE2-56F4-9B39-ECCBEE0471AC}" dt="2026-01-23T02:51:56.767" v="954" actId="21"/>
+          <ac:spMkLst>
+            <pc:docMk/>
+            <pc:sldMk cId="2826548480" sldId="341"/>
+            <ac:spMk id="15" creationId="{839D6B54-5995-FFA0-D2BD-11FF3B0E9F2C}"/>
+          </ac:spMkLst>
+        </pc:spChg>
+        <pc:cxnChg chg="del mod">
+          <ac:chgData name="Toby Donaldson" userId="2e6e5431-bb17-4c41-9985-d39c50d83c73" providerId="ADAL" clId="{7F9681A8-EEE2-56F4-9B39-ECCBEE0471AC}" dt="2026-01-23T02:51:52.452" v="953" actId="21"/>
+          <ac:cxnSpMkLst>
+            <pc:docMk/>
+            <pc:sldMk cId="2826548480" sldId="341"/>
+            <ac:cxnSpMk id="8" creationId="{482308AE-1735-3BF2-4F6F-6B8689D2AFBC}"/>
+          </ac:cxnSpMkLst>
+        </pc:cxnChg>
+        <pc:cxnChg chg="del mod">
+          <ac:chgData name="Toby Donaldson" userId="2e6e5431-bb17-4c41-9985-d39c50d83c73" providerId="ADAL" clId="{7F9681A8-EEE2-56F4-9B39-ECCBEE0471AC}" dt="2026-01-23T02:57:21.326" v="1251" actId="21"/>
+          <ac:cxnSpMkLst>
+            <pc:docMk/>
+            <pc:sldMk cId="2826548480" sldId="341"/>
+            <ac:cxnSpMk id="14" creationId="{406B1DEF-CD62-CC71-AFE9-9DAAB07978FE}"/>
+          </ac:cxnSpMkLst>
+        </pc:cxnChg>
+        <pc:cxnChg chg="del mod">
+          <ac:chgData name="Toby Donaldson" userId="2e6e5431-bb17-4c41-9985-d39c50d83c73" providerId="ADAL" clId="{7F9681A8-EEE2-56F4-9B39-ECCBEE0471AC}" dt="2026-01-23T02:51:58.338" v="955" actId="21"/>
+          <ac:cxnSpMkLst>
+            <pc:docMk/>
+            <pc:sldMk cId="2826548480" sldId="341"/>
+            <ac:cxnSpMk id="16" creationId="{E653FED0-15CC-623A-F4FA-6F952603E1FC}"/>
+          </ac:cxnSpMkLst>
+        </pc:cxnChg>
+      </pc:sldChg>
+      <pc:sldChg chg="modSp add mod">
+        <pc:chgData name="Toby Donaldson" userId="2e6e5431-bb17-4c41-9985-d39c50d83c73" providerId="ADAL" clId="{7F9681A8-EEE2-56F4-9B39-ECCBEE0471AC}" dt="2026-01-23T03:03:10.758" v="1335" actId="20577"/>
+        <pc:sldMkLst>
+          <pc:docMk/>
+          <pc:sldMk cId="1118674607" sldId="342"/>
+        </pc:sldMkLst>
+        <pc:spChg chg="mod">
+          <ac:chgData name="Toby Donaldson" userId="2e6e5431-bb17-4c41-9985-d39c50d83c73" providerId="ADAL" clId="{7F9681A8-EEE2-56F4-9B39-ECCBEE0471AC}" dt="2026-01-23T03:03:10.758" v="1335" actId="20577"/>
+          <ac:spMkLst>
+            <pc:docMk/>
+            <pc:sldMk cId="1118674607" sldId="342"/>
+            <ac:spMk id="13" creationId="{6603F97C-11E0-42A2-6011-47B707022333}"/>
+          </ac:spMkLst>
+        </pc:spChg>
       </pc:sldChg>
     </pc:docChg>
   </pc:docChgLst>
@@ -934,7 +1346,7 @@
           <a:p>
             <a:fld id="{F8162804-B246-4973-81E8-228E8D571902}" type="datetimeFigureOut">
               <a:rPr lang="en-AU" smtClean="0"/>
-              <a:t>21/01/2026</a:t>
+              <a:t>22/1/2026</a:t>
             </a:fld>
             <a:endParaRPr lang="en-AU"/>
           </a:p>
@@ -1267,7 +1679,7 @@
           <a:p>
             <a:fld id="{2F9F5347-3E6A-4C40-928A-729612897D4A}" type="slidenum">
               <a:rPr lang="en-AU" smtClean="0"/>
-              <a:t>62</a:t>
+              <a:t>61</a:t>
             </a:fld>
             <a:endParaRPr lang="en-AU"/>
           </a:p>
@@ -1435,7 +1847,7 @@
           <a:p>
             <a:fld id="{05FEF993-8C17-4AA1-A568-B2EE0046F6BB}" type="datetime1">
               <a:rPr lang="en-AU" smtClean="0"/>
-              <a:t>21/01/2026</a:t>
+              <a:t>22/1/2026</a:t>
             </a:fld>
             <a:endParaRPr lang="en-AU"/>
           </a:p>
@@ -1635,7 +2047,7 @@
           <a:p>
             <a:fld id="{E3B588EE-5698-4527-9DB2-ACD518686AB3}" type="datetime1">
               <a:rPr lang="en-AU" smtClean="0"/>
-              <a:t>21/01/2026</a:t>
+              <a:t>22/1/2026</a:t>
             </a:fld>
             <a:endParaRPr lang="en-AU"/>
           </a:p>
@@ -1845,7 +2257,7 @@
           <a:p>
             <a:fld id="{EB1AEAFD-673C-49C9-9E87-345916F4966D}" type="datetime1">
               <a:rPr lang="en-AU" smtClean="0"/>
-              <a:t>21/01/2026</a:t>
+              <a:t>22/1/2026</a:t>
             </a:fld>
             <a:endParaRPr lang="en-AU"/>
           </a:p>
@@ -2045,7 +2457,7 @@
           <a:p>
             <a:fld id="{A343F544-1CF7-4940-8A71-C151BB078596}" type="datetime1">
               <a:rPr lang="en-AU" smtClean="0"/>
-              <a:t>21/01/2026</a:t>
+              <a:t>22/1/2026</a:t>
             </a:fld>
             <a:endParaRPr lang="en-AU"/>
           </a:p>
@@ -2321,7 +2733,7 @@
           <a:p>
             <a:fld id="{EEC9A0B8-47BE-4EBE-895C-4C62B36C50AF}" type="datetime1">
               <a:rPr lang="en-AU" smtClean="0"/>
-              <a:t>21/01/2026</a:t>
+              <a:t>22/1/2026</a:t>
             </a:fld>
             <a:endParaRPr lang="en-AU"/>
           </a:p>
@@ -2589,7 +3001,7 @@
           <a:p>
             <a:fld id="{7217689D-5032-4671-91C5-541D88033229}" type="datetime1">
               <a:rPr lang="en-AU" smtClean="0"/>
-              <a:t>21/01/2026</a:t>
+              <a:t>22/1/2026</a:t>
             </a:fld>
             <a:endParaRPr lang="en-AU"/>
           </a:p>
@@ -3004,7 +3416,7 @@
           <a:p>
             <a:fld id="{467A03C3-44F2-41B6-ADB8-009D9A974BEC}" type="datetime1">
               <a:rPr lang="en-AU" smtClean="0"/>
-              <a:t>21/01/2026</a:t>
+              <a:t>22/1/2026</a:t>
             </a:fld>
             <a:endParaRPr lang="en-AU"/>
           </a:p>
@@ -3146,7 +3558,7 @@
           <a:p>
             <a:fld id="{5AA8176C-6D36-44C4-8474-01BB2AF97904}" type="datetime1">
               <a:rPr lang="en-AU" smtClean="0"/>
-              <a:t>21/01/2026</a:t>
+              <a:t>22/1/2026</a:t>
             </a:fld>
             <a:endParaRPr lang="en-AU"/>
           </a:p>
@@ -3259,7 +3671,7 @@
           <a:p>
             <a:fld id="{ABCF4B4C-1DF1-4DDF-8F39-0671CF1075AF}" type="datetime1">
               <a:rPr lang="en-AU" smtClean="0"/>
-              <a:t>21/01/2026</a:t>
+              <a:t>22/1/2026</a:t>
             </a:fld>
             <a:endParaRPr lang="en-AU"/>
           </a:p>
@@ -3572,7 +3984,7 @@
           <a:p>
             <a:fld id="{CC6863CD-B029-4C34-BC29-C1A363BBC9B9}" type="datetime1">
               <a:rPr lang="en-AU" smtClean="0"/>
-              <a:t>21/01/2026</a:t>
+              <a:t>22/1/2026</a:t>
             </a:fld>
             <a:endParaRPr lang="en-AU"/>
           </a:p>
@@ -3861,7 +4273,7 @@
           <a:p>
             <a:fld id="{6E1F883F-65A2-4D24-B482-47EA72C1614F}" type="datetime1">
               <a:rPr lang="en-AU" smtClean="0"/>
-              <a:t>21/01/2026</a:t>
+              <a:t>22/1/2026</a:t>
             </a:fld>
             <a:endParaRPr lang="en-AU"/>
           </a:p>
@@ -4104,7 +4516,7 @@
           <a:p>
             <a:fld id="{526482F6-BAC0-4446-873D-C3498BDB5CA0}" type="datetime1">
               <a:rPr lang="en-AU" smtClean="0"/>
-              <a:t>21/01/2026</a:t>
+              <a:t>22/1/2026</a:t>
             </a:fld>
             <a:endParaRPr lang="en-AU"/>
           </a:p>
@@ -5375,8 +5787,8 @@
           </a:extLst>
         </p:spPr>
       </p:pic>
-      <mc:AlternateContent xmlns:mc="http://schemas.openxmlformats.org/markup-compatibility/2006">
-        <mc:Choice xmlns:a14="http://schemas.microsoft.com/office/drawing/2010/main" Requires="a14">
+      <mc:AlternateContent xmlns:mc="http://schemas.openxmlformats.org/markup-compatibility/2006" xmlns:a14="http://schemas.microsoft.com/office/drawing/2010/main">
+        <mc:Choice Requires="a14">
           <p:sp>
             <p:nvSpPr>
               <p:cNvPr id="2" name="TextBox 1">
@@ -5501,7 +5913,7 @@
             </p:txBody>
           </p:sp>
         </mc:Choice>
-        <mc:Fallback>
+        <mc:Fallback xmlns="">
           <p:sp>
             <p:nvSpPr>
               <p:cNvPr id="2" name="TextBox 1">
@@ -5587,8 +5999,8 @@
           </a:p>
         </p:txBody>
       </p:sp>
-      <mc:AlternateContent xmlns:mc="http://schemas.openxmlformats.org/markup-compatibility/2006">
-        <mc:Choice xmlns:p14="http://schemas.microsoft.com/office/powerpoint/2010/main" Requires="p14">
+      <mc:AlternateContent xmlns:mc="http://schemas.openxmlformats.org/markup-compatibility/2006" xmlns:p14="http://schemas.microsoft.com/office/powerpoint/2010/main">
+        <mc:Choice Requires="p14">
           <p:contentPart p14:bwMode="auto" r:id="rId4">
             <p14:nvContentPartPr>
               <p14:cNvPr id="6" name="Ink 5">
@@ -5607,7 +6019,7 @@
             </p14:xfrm>
           </p:contentPart>
         </mc:Choice>
-        <mc:Fallback>
+        <mc:Fallback xmlns="">
           <p:pic>
             <p:nvPicPr>
               <p:cNvPr id="6" name="Ink 5">
@@ -8296,8 +8708,8 @@
           </a:fontRef>
         </p:style>
       </p:cxnSp>
-      <mc:AlternateContent xmlns:mc="http://schemas.openxmlformats.org/markup-compatibility/2006">
-        <mc:Choice xmlns:p14="http://schemas.microsoft.com/office/powerpoint/2010/main" Requires="p14">
+      <mc:AlternateContent xmlns:mc="http://schemas.openxmlformats.org/markup-compatibility/2006" xmlns:p14="http://schemas.microsoft.com/office/powerpoint/2010/main">
+        <mc:Choice Requires="p14">
           <p:contentPart p14:bwMode="auto" r:id="rId2">
             <p14:nvContentPartPr>
               <p14:cNvPr id="33" name="Ink 32">
@@ -8316,7 +8728,7 @@
             </p14:xfrm>
           </p:contentPart>
         </mc:Choice>
-        <mc:Fallback>
+        <mc:Fallback xmlns="">
           <p:pic>
             <p:nvPicPr>
               <p:cNvPr id="33" name="Ink 32">
@@ -9873,8 +10285,8 @@
           </a:fontRef>
         </p:style>
       </p:cxnSp>
-      <mc:AlternateContent xmlns:mc="http://schemas.openxmlformats.org/markup-compatibility/2006">
-        <mc:Choice xmlns:p14="http://schemas.microsoft.com/office/powerpoint/2010/main" Requires="p14">
+      <mc:AlternateContent xmlns:mc="http://schemas.openxmlformats.org/markup-compatibility/2006" xmlns:p14="http://schemas.microsoft.com/office/powerpoint/2010/main">
+        <mc:Choice Requires="p14">
           <p:contentPart p14:bwMode="auto" r:id="rId14">
             <p14:nvContentPartPr>
               <p14:cNvPr id="39" name="Ink 38">
@@ -9893,7 +10305,7 @@
             </p14:xfrm>
           </p:contentPart>
         </mc:Choice>
-        <mc:Fallback>
+        <mc:Fallback xmlns="">
           <p:pic>
             <p:nvPicPr>
               <p:cNvPr id="39" name="Ink 38">
@@ -12664,8 +13076,8 @@
           </a:p>
         </p:txBody>
       </p:sp>
-      <mc:AlternateContent xmlns:mc="http://schemas.openxmlformats.org/markup-compatibility/2006">
-        <mc:Choice xmlns:p14="http://schemas.microsoft.com/office/powerpoint/2010/main" Requires="p14">
+      <mc:AlternateContent xmlns:mc="http://schemas.openxmlformats.org/markup-compatibility/2006" xmlns:p14="http://schemas.microsoft.com/office/powerpoint/2010/main">
+        <mc:Choice Requires="p14">
           <p:contentPart p14:bwMode="auto" r:id="rId2">
             <p14:nvContentPartPr>
               <p14:cNvPr id="2" name="Ink 1">
@@ -12684,7 +13096,7 @@
             </p14:xfrm>
           </p:contentPart>
         </mc:Choice>
-        <mc:Fallback>
+        <mc:Fallback xmlns="">
           <p:pic>
             <p:nvPicPr>
               <p:cNvPr id="2" name="Ink 1">
@@ -13400,8 +13812,8 @@
           </a:p>
         </p:txBody>
       </p:sp>
-      <mc:AlternateContent xmlns:mc="http://schemas.openxmlformats.org/markup-compatibility/2006">
-        <mc:Choice xmlns:p14="http://schemas.microsoft.com/office/powerpoint/2010/main" Requires="p14">
+      <mc:AlternateContent xmlns:mc="http://schemas.openxmlformats.org/markup-compatibility/2006" xmlns:p14="http://schemas.microsoft.com/office/powerpoint/2010/main">
+        <mc:Choice Requires="p14">
           <p:contentPart p14:bwMode="auto" r:id="rId2">
             <p14:nvContentPartPr>
               <p14:cNvPr id="3" name="Ink 2">
@@ -13420,7 +13832,7 @@
             </p14:xfrm>
           </p:contentPart>
         </mc:Choice>
-        <mc:Fallback>
+        <mc:Fallback xmlns="">
           <p:pic>
             <p:nvPicPr>
               <p:cNvPr id="3" name="Ink 2">
@@ -15696,8 +16108,8 @@
           </a:fontRef>
         </p:style>
       </p:cxnSp>
-      <mc:AlternateContent xmlns:mc="http://schemas.openxmlformats.org/markup-compatibility/2006">
-        <mc:Choice xmlns:p14="http://schemas.microsoft.com/office/powerpoint/2010/main" Requires="p14">
+      <mc:AlternateContent xmlns:mc="http://schemas.openxmlformats.org/markup-compatibility/2006" xmlns:p14="http://schemas.microsoft.com/office/powerpoint/2010/main">
+        <mc:Choice Requires="p14">
           <p:contentPart p14:bwMode="auto" r:id="rId2">
             <p14:nvContentPartPr>
               <p14:cNvPr id="9" name="Ink 8">
@@ -15716,7 +16128,7 @@
             </p14:xfrm>
           </p:contentPart>
         </mc:Choice>
-        <mc:Fallback>
+        <mc:Fallback xmlns="">
           <p:pic>
             <p:nvPicPr>
               <p:cNvPr id="9" name="Ink 8">
@@ -16894,8 +17306,8 @@
           </a:p>
         </p:txBody>
       </p:sp>
-      <mc:AlternateContent xmlns:mc="http://schemas.openxmlformats.org/markup-compatibility/2006">
-        <mc:Choice xmlns:p14="http://schemas.microsoft.com/office/powerpoint/2010/main" Requires="p14">
+      <mc:AlternateContent xmlns:mc="http://schemas.openxmlformats.org/markup-compatibility/2006" xmlns:p14="http://schemas.microsoft.com/office/powerpoint/2010/main">
+        <mc:Choice Requires="p14">
           <p:contentPart p14:bwMode="auto" r:id="rId2">
             <p14:nvContentPartPr>
               <p14:cNvPr id="27" name="Ink 26">
@@ -16914,7 +17326,7 @@
             </p14:xfrm>
           </p:contentPart>
         </mc:Choice>
-        <mc:Fallback>
+        <mc:Fallback xmlns="">
           <p:pic>
             <p:nvPicPr>
               <p:cNvPr id="27" name="Ink 26">
@@ -17729,8 +18141,8 @@
           </a:p>
         </p:txBody>
       </p:sp>
-      <mc:AlternateContent xmlns:mc="http://schemas.openxmlformats.org/markup-compatibility/2006">
-        <mc:Choice xmlns:p14="http://schemas.microsoft.com/office/powerpoint/2010/main" Requires="p14">
+      <mc:AlternateContent xmlns:mc="http://schemas.openxmlformats.org/markup-compatibility/2006" xmlns:p14="http://schemas.microsoft.com/office/powerpoint/2010/main">
+        <mc:Choice Requires="p14">
           <p:contentPart p14:bwMode="auto" r:id="rId2">
             <p14:nvContentPartPr>
               <p14:cNvPr id="37" name="Ink 36">
@@ -17749,7 +18161,7 @@
             </p14:xfrm>
           </p:contentPart>
         </mc:Choice>
-        <mc:Fallback>
+        <mc:Fallback xmlns="">
           <p:pic>
             <p:nvPicPr>
               <p:cNvPr id="37" name="Ink 36">
@@ -21103,8 +21515,8 @@
           </a:p>
         </p:txBody>
       </p:sp>
-      <mc:AlternateContent xmlns:mc="http://schemas.openxmlformats.org/markup-compatibility/2006">
-        <mc:Choice xmlns:p14="http://schemas.microsoft.com/office/powerpoint/2010/main" Requires="p14">
+      <mc:AlternateContent xmlns:mc="http://schemas.openxmlformats.org/markup-compatibility/2006" xmlns:p14="http://schemas.microsoft.com/office/powerpoint/2010/main">
+        <mc:Choice Requires="p14">
           <p:contentPart p14:bwMode="auto" r:id="rId2">
             <p14:nvContentPartPr>
               <p14:cNvPr id="7" name="Ink 6">
@@ -21123,7 +21535,7 @@
             </p14:xfrm>
           </p:contentPart>
         </mc:Choice>
-        <mc:Fallback>
+        <mc:Fallback xmlns="">
           <p:pic>
             <p:nvPicPr>
               <p:cNvPr id="7" name="Ink 6">
@@ -27033,8 +27445,8 @@
           </a:fontRef>
         </p:style>
       </p:cxnSp>
-      <mc:AlternateContent xmlns:mc="http://schemas.openxmlformats.org/markup-compatibility/2006">
-        <mc:Choice xmlns:p14="http://schemas.microsoft.com/office/powerpoint/2010/main" Requires="p14">
+      <mc:AlternateContent xmlns:mc="http://schemas.openxmlformats.org/markup-compatibility/2006" xmlns:p14="http://schemas.microsoft.com/office/powerpoint/2010/main">
+        <mc:Choice Requires="p14">
           <p:contentPart p14:bwMode="auto" r:id="rId2">
             <p14:nvContentPartPr>
               <p14:cNvPr id="9" name="Ink 8">
@@ -27053,7 +27465,7 @@
             </p14:xfrm>
           </p:contentPart>
         </mc:Choice>
-        <mc:Fallback>
+        <mc:Fallback xmlns="">
           <p:pic>
             <p:nvPicPr>
               <p:cNvPr id="9" name="Ink 8">
@@ -33453,8 +33865,8 @@
           </a:fontRef>
         </p:style>
       </p:cxnSp>
-      <mc:AlternateContent xmlns:mc="http://schemas.openxmlformats.org/markup-compatibility/2006">
-        <mc:Choice xmlns:p14="http://schemas.microsoft.com/office/powerpoint/2010/main" Requires="p14">
+      <mc:AlternateContent xmlns:mc="http://schemas.openxmlformats.org/markup-compatibility/2006" xmlns:p14="http://schemas.microsoft.com/office/powerpoint/2010/main">
+        <mc:Choice Requires="p14">
           <p:contentPart p14:bwMode="auto" r:id="rId2">
             <p14:nvContentPartPr>
               <p14:cNvPr id="3" name="Ink 2">
@@ -33473,7 +33885,7 @@
             </p14:xfrm>
           </p:contentPart>
         </mc:Choice>
-        <mc:Fallback>
+        <mc:Fallback xmlns="">
           <p:pic>
             <p:nvPicPr>
               <p:cNvPr id="3" name="Ink 2">
@@ -34040,7 +34452,7 @@
         <p:spPr>
           <a:xfrm>
             <a:off x="3245974" y="2362474"/>
-            <a:ext cx="7813293" cy="3139321"/>
+            <a:ext cx="6316088" cy="2585323"/>
           </a:xfrm>
           <a:prstGeom prst="rect">
             <a:avLst/>
@@ -34054,69 +34466,60 @@
           <a:lstStyle/>
           <a:p>
             <a:r>
-              <a:rPr lang="en-US" b="1"/>
-              <a:t># set the length of side 1 of the right triangle</a:t>
-            </a:r>
-          </a:p>
-          <a:p>
-            <a:r>
-              <a:rPr lang="en-US"/>
+              <a:rPr lang="en-US" b="1" dirty="0"/>
+              <a:t># set the length of the sides</a:t>
+            </a:r>
+          </a:p>
+          <a:p>
+            <a:r>
+              <a:rPr lang="en-US" dirty="0"/>
               <a:t>side1 = 3</a:t>
             </a:r>
           </a:p>
           <a:p>
-            <a:endParaRPr lang="en-US"/>
-          </a:p>
-          <a:p>
-            <a:r>
-              <a:rPr lang="en-US" b="1"/>
-              <a:t># set the length of side 2 of the right triangle</a:t>
-            </a:r>
-          </a:p>
-          <a:p>
-            <a:r>
-              <a:rPr lang="en-US"/>
+            <a:r>
+              <a:rPr lang="en-US" dirty="0"/>
               <a:t>side2 = 4</a:t>
             </a:r>
           </a:p>
           <a:p>
-            <a:endParaRPr lang="en-US"/>
-          </a:p>
-          <a:p>
-            <a:r>
-              <a:rPr lang="en-US" b="1"/>
-              <a:t># calculate the hypotenuse of the triangle using the Pythagorean theorem</a:t>
-            </a:r>
-          </a:p>
-          <a:p>
-            <a:r>
-              <a:rPr lang="en-US"/>
+            <a:endParaRPr lang="en-US" dirty="0"/>
+          </a:p>
+          <a:p>
+            <a:r>
+              <a:rPr lang="en-US" b="1" dirty="0"/>
+              <a:t># calculate the hypotenuse using the Pythagorean theorem</a:t>
+            </a:r>
+          </a:p>
+          <a:p>
+            <a:r>
+              <a:rPr lang="en-US" dirty="0"/>
               <a:t>hypotenuse = </a:t>
             </a:r>
             <a:r>
-              <a:rPr lang="en-US" err="1"/>
+              <a:rPr lang="en-US" dirty="0" err="1"/>
               <a:t>math.sqrt</a:t>
             </a:r>
             <a:r>
-              <a:rPr lang="en-US"/>
+              <a:rPr lang="en-US" dirty="0"/>
               <a:t>(side1 ** 2 + side2 ** 2)</a:t>
             </a:r>
           </a:p>
           <a:p>
-            <a:endParaRPr lang="en-US"/>
-          </a:p>
-          <a:p>
-            <a:r>
-              <a:rPr lang="en-US" b="1"/>
+            <a:endParaRPr lang="en-US" dirty="0"/>
+          </a:p>
+          <a:p>
+            <a:r>
+              <a:rPr lang="en-US" b="1" dirty="0"/>
               <a:t># print the results</a:t>
             </a:r>
           </a:p>
           <a:p>
             <a:r>
-              <a:rPr lang="en-US"/>
+              <a:rPr lang="en-US" dirty="0"/>
               <a:t>print(hypotenuse)</a:t>
             </a:r>
-            <a:endParaRPr lang="en-AU"/>
+            <a:endParaRPr lang="en-AU" dirty="0"/>
           </a:p>
         </p:txBody>
       </p:sp>
@@ -34291,6 +34694,92 @@
       </p:grpSpPr>
       <p:sp>
         <p:nvSpPr>
+          <p:cNvPr id="5" name="TextBox 4">
+            <a:extLst>
+              <a:ext uri="{FF2B5EF4-FFF2-40B4-BE49-F238E27FC236}">
+                <a16:creationId xmlns:a16="http://schemas.microsoft.com/office/drawing/2014/main" id="{D31B598F-3A54-9082-1C7D-954BF6AD6E07}"/>
+              </a:ext>
+            </a:extLst>
+          </p:cNvPr>
+          <p:cNvSpPr txBox="1"/>
+          <p:nvPr/>
+        </p:nvSpPr>
+        <p:spPr>
+          <a:xfrm>
+            <a:off x="3245974" y="2362474"/>
+            <a:ext cx="6316088" cy="2585323"/>
+          </a:xfrm>
+          <a:prstGeom prst="rect">
+            <a:avLst/>
+          </a:prstGeom>
+          <a:noFill/>
+        </p:spPr>
+        <p:txBody>
+          <a:bodyPr wrap="none" rtlCol="0">
+            <a:spAutoFit/>
+          </a:bodyPr>
+          <a:lstStyle/>
+          <a:p>
+            <a:r>
+              <a:rPr lang="en-US" b="1" dirty="0"/>
+              <a:t># set the length of the sides</a:t>
+            </a:r>
+          </a:p>
+          <a:p>
+            <a:r>
+              <a:rPr lang="en-US" dirty="0"/>
+              <a:t>side1 = 3</a:t>
+            </a:r>
+          </a:p>
+          <a:p>
+            <a:r>
+              <a:rPr lang="en-US" dirty="0"/>
+              <a:t>side2 = 4</a:t>
+            </a:r>
+          </a:p>
+          <a:p>
+            <a:endParaRPr lang="en-US" dirty="0"/>
+          </a:p>
+          <a:p>
+            <a:r>
+              <a:rPr lang="en-US" b="1" dirty="0"/>
+              <a:t># calculate the hypotenuse using the Pythagorean theorem</a:t>
+            </a:r>
+          </a:p>
+          <a:p>
+            <a:r>
+              <a:rPr lang="en-US" dirty="0"/>
+              <a:t>hypotenuse = </a:t>
+            </a:r>
+            <a:r>
+              <a:rPr lang="en-US" dirty="0" err="1"/>
+              <a:t>math.sqrt</a:t>
+            </a:r>
+            <a:r>
+              <a:rPr lang="en-US" dirty="0"/>
+              <a:t>(side1 ** 2 + side2 ** 2)</a:t>
+            </a:r>
+          </a:p>
+          <a:p>
+            <a:endParaRPr lang="en-US" dirty="0"/>
+          </a:p>
+          <a:p>
+            <a:r>
+              <a:rPr lang="en-US" b="1" dirty="0"/>
+              <a:t># print the results</a:t>
+            </a:r>
+          </a:p>
+          <a:p>
+            <a:r>
+              <a:rPr lang="en-US" dirty="0"/>
+              <a:t>print(hypotenuse)</a:t>
+            </a:r>
+            <a:endParaRPr lang="en-AU" dirty="0"/>
+          </a:p>
+        </p:txBody>
+      </p:sp>
+      <p:sp>
+        <p:nvSpPr>
           <p:cNvPr id="2" name="Title 1">
             <a:extLst>
               <a:ext uri="{FF2B5EF4-FFF2-40B4-BE49-F238E27FC236}">
@@ -34350,101 +34839,6 @@
               <a:rPr lang="en-AU" smtClean="0"/>
               <a:t>58</a:t>
             </a:fld>
-            <a:endParaRPr lang="en-AU"/>
-          </a:p>
-        </p:txBody>
-      </p:sp>
-      <p:sp>
-        <p:nvSpPr>
-          <p:cNvPr id="13" name="TextBox 12">
-            <a:extLst>
-              <a:ext uri="{FF2B5EF4-FFF2-40B4-BE49-F238E27FC236}">
-                <a16:creationId xmlns:a16="http://schemas.microsoft.com/office/drawing/2014/main" id="{5C3CB041-437A-DDC4-FD22-B5E3515334BD}"/>
-              </a:ext>
-            </a:extLst>
-          </p:cNvPr>
-          <p:cNvSpPr txBox="1"/>
-          <p:nvPr/>
-        </p:nvSpPr>
-        <p:spPr>
-          <a:xfrm>
-            <a:off x="3245974" y="2362474"/>
-            <a:ext cx="7813293" cy="3139321"/>
-          </a:xfrm>
-          <a:prstGeom prst="rect">
-            <a:avLst/>
-          </a:prstGeom>
-          <a:noFill/>
-        </p:spPr>
-        <p:txBody>
-          <a:bodyPr wrap="none" rtlCol="0">
-            <a:spAutoFit/>
-          </a:bodyPr>
-          <a:lstStyle/>
-          <a:p>
-            <a:r>
-              <a:rPr lang="en-US" b="1"/>
-              <a:t># set the length of side 1 of the right triangle</a:t>
-            </a:r>
-          </a:p>
-          <a:p>
-            <a:r>
-              <a:rPr lang="en-US"/>
-              <a:t>side1 = 3</a:t>
-            </a:r>
-          </a:p>
-          <a:p>
-            <a:endParaRPr lang="en-US"/>
-          </a:p>
-          <a:p>
-            <a:r>
-              <a:rPr lang="en-US" b="1"/>
-              <a:t># set the length of side 2 of the right triangle</a:t>
-            </a:r>
-          </a:p>
-          <a:p>
-            <a:r>
-              <a:rPr lang="en-US"/>
-              <a:t>side2 = 4</a:t>
-            </a:r>
-          </a:p>
-          <a:p>
-            <a:endParaRPr lang="en-US"/>
-          </a:p>
-          <a:p>
-            <a:r>
-              <a:rPr lang="en-US" b="1"/>
-              <a:t># calculate the hypotenuse of the triangle using the Pythagorean theorem</a:t>
-            </a:r>
-          </a:p>
-          <a:p>
-            <a:r>
-              <a:rPr lang="en-US"/>
-              <a:t>hypotenuse = </a:t>
-            </a:r>
-            <a:r>
-              <a:rPr lang="en-US" err="1"/>
-              <a:t>math.sqrt</a:t>
-            </a:r>
-            <a:r>
-              <a:rPr lang="en-US"/>
-              <a:t>(side1 ** 2 + side2 ** 2)</a:t>
-            </a:r>
-          </a:p>
-          <a:p>
-            <a:endParaRPr lang="en-US"/>
-          </a:p>
-          <a:p>
-            <a:r>
-              <a:rPr lang="en-US" b="1"/>
-              <a:t># print the results</a:t>
-            </a:r>
-          </a:p>
-          <a:p>
-            <a:r>
-              <a:rPr lang="en-US"/>
-              <a:t>print(hypotenuse)</a:t>
-            </a:r>
             <a:endParaRPr lang="en-AU"/>
           </a:p>
         </p:txBody>
@@ -34657,7 +35051,7 @@
         </p:nvSpPr>
         <p:spPr>
           <a:xfrm>
-            <a:off x="3255490" y="3259608"/>
+            <a:off x="3245974" y="3521062"/>
             <a:ext cx="248664" cy="225975"/>
           </a:xfrm>
           <a:prstGeom prst="rect">
@@ -34709,59 +35103,7 @@
         </p:nvSpPr>
         <p:spPr>
           <a:xfrm>
-            <a:off x="3255490" y="4068563"/>
-            <a:ext cx="248664" cy="225975"/>
-          </a:xfrm>
-          <a:prstGeom prst="rect">
-            <a:avLst/>
-          </a:prstGeom>
-          <a:noFill/>
-          <a:ln>
-            <a:solidFill>
-              <a:srgbClr val="00B050"/>
-            </a:solidFill>
-          </a:ln>
-        </p:spPr>
-        <p:style>
-          <a:lnRef idx="2">
-            <a:schemeClr val="accent1">
-              <a:shade val="15000"/>
-            </a:schemeClr>
-          </a:lnRef>
-          <a:fillRef idx="1">
-            <a:schemeClr val="accent1"/>
-          </a:fillRef>
-          <a:effectRef idx="0">
-            <a:schemeClr val="accent1"/>
-          </a:effectRef>
-          <a:fontRef idx="minor">
-            <a:schemeClr val="lt1"/>
-          </a:fontRef>
-        </p:style>
-        <p:txBody>
-          <a:bodyPr rtlCol="0" anchor="ctr"/>
-          <a:lstStyle/>
-          <a:p>
-            <a:pPr algn="ctr"/>
-            <a:endParaRPr lang="en-AU"/>
-          </a:p>
-        </p:txBody>
-      </p:sp>
-      <p:sp>
-        <p:nvSpPr>
-          <p:cNvPr id="11" name="Rectangle 10">
-            <a:extLst>
-              <a:ext uri="{FF2B5EF4-FFF2-40B4-BE49-F238E27FC236}">
-                <a16:creationId xmlns:a16="http://schemas.microsoft.com/office/drawing/2014/main" id="{84A3CD62-4B4E-ACDB-6FEA-EAA4001655F7}"/>
-              </a:ext>
-            </a:extLst>
-          </p:cNvPr>
-          <p:cNvSpPr/>
-          <p:nvPr/>
-        </p:nvSpPr>
-        <p:spPr>
-          <a:xfrm>
-            <a:off x="3255490" y="4901481"/>
+            <a:off x="3255490" y="4353980"/>
             <a:ext cx="248664" cy="225975"/>
           </a:xfrm>
           <a:prstGeom prst="rect">
@@ -34851,14 +35193,16 @@
             </a:extLst>
           </p:cNvPr>
           <p:cNvCxnSpPr>
+            <a:cxnSpLocks/>
+            <a:stCxn id="6" idx="3"/>
             <a:endCxn id="9" idx="1"/>
           </p:cNvCxnSpPr>
           <p:nvPr/>
         </p:nvCxnSpPr>
         <p:spPr>
           <a:xfrm flipV="1">
-            <a:off x="2052489" y="3372596"/>
-            <a:ext cx="1203001" cy="230683"/>
+            <a:off x="2052489" y="3634050"/>
+            <a:ext cx="1193485" cy="141618"/>
           </a:xfrm>
           <a:prstGeom prst="straightConnector1">
             <a:avLst/>
@@ -34899,49 +35243,8 @@
         </p:nvCxnSpPr>
         <p:spPr>
           <a:xfrm>
-            <a:off x="2052489" y="4032999"/>
+            <a:off x="2052489" y="4318416"/>
             <a:ext cx="1203001" cy="148552"/>
-          </a:xfrm>
-          <a:prstGeom prst="straightConnector1">
-            <a:avLst/>
-          </a:prstGeom>
-          <a:ln>
-            <a:tailEnd type="triangle"/>
-          </a:ln>
-        </p:spPr>
-        <p:style>
-          <a:lnRef idx="2">
-            <a:schemeClr val="accent1"/>
-          </a:lnRef>
-          <a:fillRef idx="0">
-            <a:schemeClr val="accent1"/>
-          </a:fillRef>
-          <a:effectRef idx="1">
-            <a:schemeClr val="accent1"/>
-          </a:effectRef>
-          <a:fontRef idx="minor">
-            <a:schemeClr val="tx1"/>
-          </a:fontRef>
-        </p:style>
-      </p:cxnSp>
-      <p:cxnSp>
-        <p:nvCxnSpPr>
-          <p:cNvPr id="20" name="Straight Arrow Connector 19">
-            <a:extLst>
-              <a:ext uri="{FF2B5EF4-FFF2-40B4-BE49-F238E27FC236}">
-                <a16:creationId xmlns:a16="http://schemas.microsoft.com/office/drawing/2014/main" id="{9BBDF08C-B6B7-4CD9-7732-FF7548B3F4C0}"/>
-              </a:ext>
-            </a:extLst>
-          </p:cNvPr>
-          <p:cNvCxnSpPr>
-            <a:endCxn id="11" idx="1"/>
-          </p:cNvCxnSpPr>
-          <p:nvPr/>
-        </p:nvCxnSpPr>
-        <p:spPr>
-          <a:xfrm>
-            <a:off x="2052489" y="4367368"/>
-            <a:ext cx="1203001" cy="647101"/>
           </a:xfrm>
           <a:prstGeom prst="straightConnector1">
             <a:avLst/>
@@ -35029,7 +35332,13 @@
   <p:cSld>
     <p:spTree>
       <p:nvGrpSpPr>
-        <p:cNvPr id="1" name=""/>
+        <p:cNvPr id="1" name="">
+          <a:extLst>
+            <a:ext uri="{FF2B5EF4-FFF2-40B4-BE49-F238E27FC236}">
+              <a16:creationId xmlns:a16="http://schemas.microsoft.com/office/drawing/2014/main" id="{641310C2-010C-8ED8-C350-81E27E32ABFE}"/>
+            </a:ext>
+          </a:extLst>
+        </p:cNvPr>
         <p:cNvGrpSpPr/>
         <p:nvPr/>
       </p:nvGrpSpPr>
@@ -35043,10 +35352,96 @@
       </p:grpSpPr>
       <p:sp>
         <p:nvSpPr>
+          <p:cNvPr id="5" name="TextBox 4">
+            <a:extLst>
+              <a:ext uri="{FF2B5EF4-FFF2-40B4-BE49-F238E27FC236}">
+                <a16:creationId xmlns:a16="http://schemas.microsoft.com/office/drawing/2014/main" id="{1EF03FBA-50CB-23E9-1439-55674D1DC3D5}"/>
+              </a:ext>
+            </a:extLst>
+          </p:cNvPr>
+          <p:cNvSpPr txBox="1"/>
+          <p:nvPr/>
+        </p:nvSpPr>
+        <p:spPr>
+          <a:xfrm>
+            <a:off x="3245974" y="2362474"/>
+            <a:ext cx="6316088" cy="2585323"/>
+          </a:xfrm>
+          <a:prstGeom prst="rect">
+            <a:avLst/>
+          </a:prstGeom>
+          <a:noFill/>
+        </p:spPr>
+        <p:txBody>
+          <a:bodyPr wrap="none" rtlCol="0">
+            <a:spAutoFit/>
+          </a:bodyPr>
+          <a:lstStyle/>
+          <a:p>
+            <a:r>
+              <a:rPr lang="en-US" b="1" dirty="0"/>
+              <a:t># set the length of the sides</a:t>
+            </a:r>
+          </a:p>
+          <a:p>
+            <a:r>
+              <a:rPr lang="en-US" dirty="0"/>
+              <a:t>side1 = 3</a:t>
+            </a:r>
+          </a:p>
+          <a:p>
+            <a:r>
+              <a:rPr lang="en-US" dirty="0"/>
+              <a:t>side2 = 4</a:t>
+            </a:r>
+          </a:p>
+          <a:p>
+            <a:endParaRPr lang="en-US" dirty="0"/>
+          </a:p>
+          <a:p>
+            <a:r>
+              <a:rPr lang="en-US" b="1" dirty="0"/>
+              <a:t># calculate the hypotenuse using the Pythagorean theorem</a:t>
+            </a:r>
+          </a:p>
+          <a:p>
+            <a:r>
+              <a:rPr lang="en-US" dirty="0"/>
+              <a:t>hypotenuse = </a:t>
+            </a:r>
+            <a:r>
+              <a:rPr lang="en-US" dirty="0" err="1"/>
+              <a:t>math.sqrt</a:t>
+            </a:r>
+            <a:r>
+              <a:rPr lang="en-US" dirty="0"/>
+              <a:t>(side1 ** 2 + side2 ** 2)</a:t>
+            </a:r>
+          </a:p>
+          <a:p>
+            <a:endParaRPr lang="en-US" dirty="0"/>
+          </a:p>
+          <a:p>
+            <a:r>
+              <a:rPr lang="en-US" b="1" dirty="0"/>
+              <a:t># print the results</a:t>
+            </a:r>
+          </a:p>
+          <a:p>
+            <a:r>
+              <a:rPr lang="en-US" dirty="0"/>
+              <a:t>print(hypotenuse)</a:t>
+            </a:r>
+            <a:endParaRPr lang="en-AU" dirty="0"/>
+          </a:p>
+        </p:txBody>
+      </p:sp>
+      <p:sp>
+        <p:nvSpPr>
           <p:cNvPr id="2" name="Title 1">
             <a:extLst>
               <a:ext uri="{FF2B5EF4-FFF2-40B4-BE49-F238E27FC236}">
-                <a16:creationId xmlns:a16="http://schemas.microsoft.com/office/drawing/2014/main" id="{A5E6C931-848B-61E7-A584-2A3E14781E8C}"/>
+                <a16:creationId xmlns:a16="http://schemas.microsoft.com/office/drawing/2014/main" id="{37965047-BA8D-73C9-0787-1F0733FD2F53}"/>
               </a:ext>
             </a:extLst>
           </p:cNvPr>
@@ -35082,7 +35477,7 @@
           <p:cNvPr id="4" name="Slide Number Placeholder 3">
             <a:extLst>
               <a:ext uri="{FF2B5EF4-FFF2-40B4-BE49-F238E27FC236}">
-                <a16:creationId xmlns:a16="http://schemas.microsoft.com/office/drawing/2014/main" id="{6271E41C-B6E7-E15D-D7C1-06E4E8E5DA76}"/>
+                <a16:creationId xmlns:a16="http://schemas.microsoft.com/office/drawing/2014/main" id="{68929D8A-0357-746F-6729-0E8A682179CA}"/>
               </a:ext>
             </a:extLst>
           </p:cNvPr>
@@ -35108,112 +35503,10 @@
       </p:sp>
       <p:sp>
         <p:nvSpPr>
-          <p:cNvPr id="13" name="TextBox 12">
-            <a:extLst>
-              <a:ext uri="{FF2B5EF4-FFF2-40B4-BE49-F238E27FC236}">
-                <a16:creationId xmlns:a16="http://schemas.microsoft.com/office/drawing/2014/main" id="{5C3CB041-437A-DDC4-FD22-B5E3515334BD}"/>
-              </a:ext>
-            </a:extLst>
-          </p:cNvPr>
-          <p:cNvSpPr txBox="1"/>
-          <p:nvPr/>
-        </p:nvSpPr>
-        <p:spPr>
-          <a:xfrm>
-            <a:off x="3245974" y="2362474"/>
-            <a:ext cx="5170711" cy="3416320"/>
-          </a:xfrm>
-          <a:prstGeom prst="rect">
-            <a:avLst/>
-          </a:prstGeom>
-          <a:noFill/>
-        </p:spPr>
-        <p:txBody>
-          <a:bodyPr wrap="none" rtlCol="0">
-            <a:spAutoFit/>
-          </a:bodyPr>
-          <a:lstStyle/>
-          <a:p>
-            <a:r>
-              <a:rPr lang="en-US" b="1"/>
-              <a:t># set the length of side 1 of the right triangle</a:t>
-            </a:r>
-          </a:p>
-          <a:p>
-            <a:r>
-              <a:rPr lang="en-US"/>
-              <a:t>side1 = 3</a:t>
-            </a:r>
-          </a:p>
-          <a:p>
-            <a:endParaRPr lang="en-US"/>
-          </a:p>
-          <a:p>
-            <a:r>
-              <a:rPr lang="en-US" b="1"/>
-              <a:t># set the length of side 2 of the right triangle</a:t>
-            </a:r>
-          </a:p>
-          <a:p>
-            <a:r>
-              <a:rPr lang="en-US"/>
-              <a:t>side2 = 4</a:t>
-            </a:r>
-          </a:p>
-          <a:p>
-            <a:endParaRPr lang="en-US"/>
-          </a:p>
-          <a:p>
-            <a:r>
-              <a:rPr lang="en-US" b="1"/>
-              <a:t># calculate the hypotenuse of the triangle using </a:t>
-            </a:r>
-            <a:br>
-              <a:rPr lang="en-US" b="1"/>
-            </a:br>
-            <a:r>
-              <a:rPr lang="en-US" b="1"/>
-              <a:t># the Pythagorean theorem</a:t>
-            </a:r>
-          </a:p>
-          <a:p>
-            <a:r>
-              <a:rPr lang="en-US"/>
-              <a:t>hypotenuse = </a:t>
-            </a:r>
-            <a:r>
-              <a:rPr lang="en-US" err="1"/>
-              <a:t>math.sqrt</a:t>
-            </a:r>
-            <a:r>
-              <a:rPr lang="en-US"/>
-              <a:t>(side1 ** 2 + side2 ** 2)</a:t>
-            </a:r>
-          </a:p>
-          <a:p>
-            <a:endParaRPr lang="en-US"/>
-          </a:p>
-          <a:p>
-            <a:r>
-              <a:rPr lang="en-US" b="1"/>
-              <a:t># print the results</a:t>
-            </a:r>
-          </a:p>
-          <a:p>
-            <a:r>
-              <a:rPr lang="en-US"/>
-              <a:t>print(hypotenuse)</a:t>
-            </a:r>
-            <a:endParaRPr lang="en-AU"/>
-          </a:p>
-        </p:txBody>
-      </p:sp>
-      <p:sp>
-        <p:nvSpPr>
           <p:cNvPr id="3" name="TextBox 2">
             <a:extLst>
               <a:ext uri="{FF2B5EF4-FFF2-40B4-BE49-F238E27FC236}">
-                <a16:creationId xmlns:a16="http://schemas.microsoft.com/office/drawing/2014/main" id="{6D93479A-CA2F-FB20-C0DB-0A9F7CF2E14F}"/>
+                <a16:creationId xmlns:a16="http://schemas.microsoft.com/office/drawing/2014/main" id="{27671920-73E4-8C00-4DD7-DBEC053DC4BD}"/>
               </a:ext>
             </a:extLst>
           </p:cNvPr>
@@ -35263,7 +35556,7 @@
           <p:cNvPr id="8" name="Straight Arrow Connector 7">
             <a:extLst>
               <a:ext uri="{FF2B5EF4-FFF2-40B4-BE49-F238E27FC236}">
-                <a16:creationId xmlns:a16="http://schemas.microsoft.com/office/drawing/2014/main" id="{6981BB04-4450-2F6F-4355-503A5A6C203A}"/>
+                <a16:creationId xmlns:a16="http://schemas.microsoft.com/office/drawing/2014/main" id="{1E97C8B5-540D-E0FC-7EF6-C39A728DAC06}"/>
               </a:ext>
             </a:extLst>
           </p:cNvPr>
@@ -35305,7 +35598,7 @@
           <p:cNvPr id="6" name="TextBox 5">
             <a:extLst>
               <a:ext uri="{FF2B5EF4-FFF2-40B4-BE49-F238E27FC236}">
-                <a16:creationId xmlns:a16="http://schemas.microsoft.com/office/drawing/2014/main" id="{A12ABABE-BECA-70AE-2A2A-C72BE9908691}"/>
+                <a16:creationId xmlns:a16="http://schemas.microsoft.com/office/drawing/2014/main" id="{A3ACD3E1-7FB5-C351-9A7D-EB57AB7686C8}"/>
               </a:ext>
             </a:extLst>
           </p:cNvPr>
@@ -35355,7 +35648,7 @@
           <p:cNvPr id="7" name="Rectangle 6">
             <a:extLst>
               <a:ext uri="{FF2B5EF4-FFF2-40B4-BE49-F238E27FC236}">
-                <a16:creationId xmlns:a16="http://schemas.microsoft.com/office/drawing/2014/main" id="{2DD4A06E-6EA9-9E5B-B036-171F18A00701}"/>
+                <a16:creationId xmlns:a16="http://schemas.microsoft.com/office/drawing/2014/main" id="{C206DEA2-C122-6839-477A-06E163992E6B}"/>
               </a:ext>
             </a:extLst>
           </p:cNvPr>
@@ -35407,7 +35700,7 @@
           <p:cNvPr id="9" name="Rectangle 8">
             <a:extLst>
               <a:ext uri="{FF2B5EF4-FFF2-40B4-BE49-F238E27FC236}">
-                <a16:creationId xmlns:a16="http://schemas.microsoft.com/office/drawing/2014/main" id="{6293C046-2D75-7FE3-9E50-29B3A64E49E9}"/>
+                <a16:creationId xmlns:a16="http://schemas.microsoft.com/office/drawing/2014/main" id="{18642900-4668-7FDD-CFEB-1268C41FCC8B}"/>
               </a:ext>
             </a:extLst>
           </p:cNvPr>
@@ -35416,7 +35709,7 @@
         </p:nvSpPr>
         <p:spPr>
           <a:xfrm>
-            <a:off x="3255490" y="3259608"/>
+            <a:off x="3245974" y="3521062"/>
             <a:ext cx="248664" cy="225975"/>
           </a:xfrm>
           <a:prstGeom prst="rect">
@@ -35459,7 +35752,7 @@
           <p:cNvPr id="10" name="Rectangle 9">
             <a:extLst>
               <a:ext uri="{FF2B5EF4-FFF2-40B4-BE49-F238E27FC236}">
-                <a16:creationId xmlns:a16="http://schemas.microsoft.com/office/drawing/2014/main" id="{0794CACD-4DEF-540D-8F5F-500376C6830C}"/>
+                <a16:creationId xmlns:a16="http://schemas.microsoft.com/office/drawing/2014/main" id="{9492FAE8-08DF-46FC-DB10-6E3FBE605BA4}"/>
               </a:ext>
             </a:extLst>
           </p:cNvPr>
@@ -35468,7 +35761,7 @@
         </p:nvSpPr>
         <p:spPr>
           <a:xfrm>
-            <a:off x="3255490" y="4068563"/>
+            <a:off x="3255490" y="4353980"/>
             <a:ext cx="248664" cy="225975"/>
           </a:xfrm>
           <a:prstGeom prst="rect">
@@ -35506,64 +35799,12 @@
           </a:p>
         </p:txBody>
       </p:sp>
-      <p:sp>
-        <p:nvSpPr>
-          <p:cNvPr id="11" name="Rectangle 10">
-            <a:extLst>
-              <a:ext uri="{FF2B5EF4-FFF2-40B4-BE49-F238E27FC236}">
-                <a16:creationId xmlns:a16="http://schemas.microsoft.com/office/drawing/2014/main" id="{84A3CD62-4B4E-ACDB-6FEA-EAA4001655F7}"/>
-              </a:ext>
-            </a:extLst>
-          </p:cNvPr>
-          <p:cNvSpPr/>
-          <p:nvPr/>
-        </p:nvSpPr>
-        <p:spPr>
-          <a:xfrm>
-            <a:off x="3245974" y="5175451"/>
-            <a:ext cx="248664" cy="225975"/>
-          </a:xfrm>
-          <a:prstGeom prst="rect">
-            <a:avLst/>
-          </a:prstGeom>
-          <a:noFill/>
-          <a:ln>
-            <a:solidFill>
-              <a:srgbClr val="00B050"/>
-            </a:solidFill>
-          </a:ln>
-        </p:spPr>
-        <p:style>
-          <a:lnRef idx="2">
-            <a:schemeClr val="accent1">
-              <a:shade val="15000"/>
-            </a:schemeClr>
-          </a:lnRef>
-          <a:fillRef idx="1">
-            <a:schemeClr val="accent1"/>
-          </a:fillRef>
-          <a:effectRef idx="0">
-            <a:schemeClr val="accent1"/>
-          </a:effectRef>
-          <a:fontRef idx="minor">
-            <a:schemeClr val="lt1"/>
-          </a:fontRef>
-        </p:style>
-        <p:txBody>
-          <a:bodyPr rtlCol="0" anchor="ctr"/>
-          <a:lstStyle/>
-          <a:p>
-            <a:pPr algn="ctr"/>
-            <a:endParaRPr lang="en-AU"/>
-          </a:p>
-        </p:txBody>
-      </p:sp>
       <p:cxnSp>
         <p:nvCxnSpPr>
           <p:cNvPr id="14" name="Straight Arrow Connector 13">
             <a:extLst>
               <a:ext uri="{FF2B5EF4-FFF2-40B4-BE49-F238E27FC236}">
-                <a16:creationId xmlns:a16="http://schemas.microsoft.com/office/drawing/2014/main" id="{59199772-8F5B-23FD-4FE3-996B8B7B7B9E}"/>
+                <a16:creationId xmlns:a16="http://schemas.microsoft.com/office/drawing/2014/main" id="{EABC49CD-C9DC-FA48-1876-8FCC954186DA}"/>
               </a:ext>
             </a:extLst>
           </p:cNvPr>
@@ -35605,19 +35846,21 @@
           <p:cNvPr id="16" name="Straight Arrow Connector 15">
             <a:extLst>
               <a:ext uri="{FF2B5EF4-FFF2-40B4-BE49-F238E27FC236}">
-                <a16:creationId xmlns:a16="http://schemas.microsoft.com/office/drawing/2014/main" id="{254A7D66-1489-634B-A237-D1F984E45AA2}"/>
+                <a16:creationId xmlns:a16="http://schemas.microsoft.com/office/drawing/2014/main" id="{5D56B51D-8B22-3873-4570-B568C165196E}"/>
               </a:ext>
             </a:extLst>
           </p:cNvPr>
           <p:cNvCxnSpPr>
+            <a:cxnSpLocks/>
+            <a:stCxn id="6" idx="3"/>
             <a:endCxn id="9" idx="1"/>
           </p:cNvCxnSpPr>
           <p:nvPr/>
         </p:nvCxnSpPr>
         <p:spPr>
           <a:xfrm flipV="1">
-            <a:off x="2052489" y="3372596"/>
-            <a:ext cx="1203001" cy="230683"/>
+            <a:off x="2052489" y="3634050"/>
+            <a:ext cx="1193485" cy="141618"/>
           </a:xfrm>
           <a:prstGeom prst="straightConnector1">
             <a:avLst/>
@@ -35646,7 +35889,7 @@
           <p:cNvPr id="18" name="Straight Arrow Connector 17">
             <a:extLst>
               <a:ext uri="{FF2B5EF4-FFF2-40B4-BE49-F238E27FC236}">
-                <a16:creationId xmlns:a16="http://schemas.microsoft.com/office/drawing/2014/main" id="{6C740A70-9DFE-4149-A53D-FE0C0CA96BBF}"/>
+                <a16:creationId xmlns:a16="http://schemas.microsoft.com/office/drawing/2014/main" id="{21CD210F-2BE8-7BC1-274C-984F82138A1D}"/>
               </a:ext>
             </a:extLst>
           </p:cNvPr>
@@ -35658,7 +35901,7 @@
         </p:nvCxnSpPr>
         <p:spPr>
           <a:xfrm>
-            <a:off x="2052489" y="4032999"/>
+            <a:off x="2052489" y="4318416"/>
             <a:ext cx="1203001" cy="148552"/>
           </a:xfrm>
           <a:prstGeom prst="straightConnector1">
@@ -35683,54 +35926,12 @@
           </a:fontRef>
         </p:style>
       </p:cxnSp>
-      <p:cxnSp>
-        <p:nvCxnSpPr>
-          <p:cNvPr id="20" name="Straight Arrow Connector 19">
-            <a:extLst>
-              <a:ext uri="{FF2B5EF4-FFF2-40B4-BE49-F238E27FC236}">
-                <a16:creationId xmlns:a16="http://schemas.microsoft.com/office/drawing/2014/main" id="{9BBDF08C-B6B7-4CD9-7732-FF7548B3F4C0}"/>
-              </a:ext>
-            </a:extLst>
-          </p:cNvPr>
-          <p:cNvCxnSpPr>
-            <a:cxnSpLocks/>
-            <a:endCxn id="11" idx="1"/>
-          </p:cNvCxnSpPr>
-          <p:nvPr/>
-        </p:nvCxnSpPr>
-        <p:spPr>
-          <a:xfrm>
-            <a:off x="2052489" y="4294538"/>
-            <a:ext cx="1193485" cy="993901"/>
-          </a:xfrm>
-          <a:prstGeom prst="straightConnector1">
-            <a:avLst/>
-          </a:prstGeom>
-          <a:ln>
-            <a:tailEnd type="triangle"/>
-          </a:ln>
-        </p:spPr>
-        <p:style>
-          <a:lnRef idx="2">
-            <a:schemeClr val="accent1"/>
-          </a:lnRef>
-          <a:fillRef idx="0">
-            <a:schemeClr val="accent1"/>
-          </a:fillRef>
-          <a:effectRef idx="1">
-            <a:schemeClr val="accent1"/>
-          </a:effectRef>
-          <a:fontRef idx="minor">
-            <a:schemeClr val="tx1"/>
-          </a:fontRef>
-        </p:style>
-      </p:cxnSp>
       <p:sp>
         <p:nvSpPr>
           <p:cNvPr id="12" name="TextBox 11">
             <a:extLst>
               <a:ext uri="{FF2B5EF4-FFF2-40B4-BE49-F238E27FC236}">
-                <a16:creationId xmlns:a16="http://schemas.microsoft.com/office/drawing/2014/main" id="{431A6EBB-A203-8787-4E34-76813F5D9DB4}"/>
+                <a16:creationId xmlns:a16="http://schemas.microsoft.com/office/drawing/2014/main" id="{51BDA7EB-BFF1-B2B2-F3C9-39C7CDCAC48B}"/>
               </a:ext>
             </a:extLst>
           </p:cNvPr>
@@ -35739,8 +35940,8 @@
         </p:nvSpPr>
         <p:spPr>
           <a:xfrm>
-            <a:off x="7852593" y="5040130"/>
-            <a:ext cx="1988524" cy="923330"/>
+            <a:off x="8138916" y="503536"/>
+            <a:ext cx="2920352" cy="923330"/>
           </a:xfrm>
           <a:prstGeom prst="rect">
             <a:avLst/>
@@ -35761,19 +35962,11 @@
             <a:pPr algn="ctr"/>
             <a:r>
               <a:rPr lang="en-CA" b="1"/>
-              <a:t>Good comments </a:t>
-            </a:r>
-            <a:r>
-              <a:rPr lang="en-CA"/>
-              <a:t>make your code more </a:t>
-            </a:r>
-            <a:r>
-              <a:rPr lang="en-CA" b="1"/>
-              <a:t>readable</a:t>
-            </a:r>
-            <a:r>
-              <a:rPr lang="en-CA"/>
-              <a:t>.</a:t>
+              <a:t>Python ignores source code comments </a:t>
+            </a:r>
+            <a:r>
+              <a:rPr lang="en-CA"/>
+              <a:t>… it just skips over them. </a:t>
             </a:r>
             <a:endParaRPr lang="en-AU"/>
           </a:p>
@@ -35781,104 +35974,10 @@
       </p:sp>
       <p:sp>
         <p:nvSpPr>
-          <p:cNvPr id="17" name="Rectangle 16">
-            <a:extLst>
-              <a:ext uri="{FF2B5EF4-FFF2-40B4-BE49-F238E27FC236}">
-                <a16:creationId xmlns:a16="http://schemas.microsoft.com/office/drawing/2014/main" id="{D207C1FB-ADA0-6329-828E-B7D650F04ADE}"/>
-              </a:ext>
-            </a:extLst>
-          </p:cNvPr>
-          <p:cNvSpPr/>
-          <p:nvPr/>
-        </p:nvSpPr>
-        <p:spPr>
-          <a:xfrm>
-            <a:off x="3259277" y="4366495"/>
-            <a:ext cx="248664" cy="225975"/>
-          </a:xfrm>
-          <a:prstGeom prst="rect">
-            <a:avLst/>
-          </a:prstGeom>
-          <a:noFill/>
-          <a:ln>
-            <a:solidFill>
-              <a:srgbClr val="00B050"/>
-            </a:solidFill>
-          </a:ln>
-        </p:spPr>
-        <p:style>
-          <a:lnRef idx="2">
-            <a:schemeClr val="accent1">
-              <a:shade val="15000"/>
-            </a:schemeClr>
-          </a:lnRef>
-          <a:fillRef idx="1">
-            <a:schemeClr val="accent1"/>
-          </a:fillRef>
-          <a:effectRef idx="0">
-            <a:schemeClr val="accent1"/>
-          </a:effectRef>
-          <a:fontRef idx="minor">
-            <a:schemeClr val="lt1"/>
-          </a:fontRef>
-        </p:style>
-        <p:txBody>
-          <a:bodyPr rtlCol="0" anchor="ctr"/>
-          <a:lstStyle/>
-          <a:p>
-            <a:pPr algn="ctr"/>
-            <a:endParaRPr lang="en-AU"/>
-          </a:p>
-        </p:txBody>
-      </p:sp>
-      <p:cxnSp>
-        <p:nvCxnSpPr>
-          <p:cNvPr id="19" name="Straight Arrow Connector 18">
-            <a:extLst>
-              <a:ext uri="{FF2B5EF4-FFF2-40B4-BE49-F238E27FC236}">
-                <a16:creationId xmlns:a16="http://schemas.microsoft.com/office/drawing/2014/main" id="{4CB2B625-699B-8688-900F-C4AA06BD02B6}"/>
-              </a:ext>
-            </a:extLst>
-          </p:cNvPr>
-          <p:cNvCxnSpPr>
-            <a:cxnSpLocks/>
-            <a:endCxn id="17" idx="1"/>
-          </p:cNvCxnSpPr>
-          <p:nvPr/>
-        </p:nvCxnSpPr>
-        <p:spPr>
-          <a:xfrm>
-            <a:off x="2047731" y="4163769"/>
-            <a:ext cx="1211546" cy="315714"/>
-          </a:xfrm>
-          <a:prstGeom prst="straightConnector1">
-            <a:avLst/>
-          </a:prstGeom>
-          <a:ln>
-            <a:tailEnd type="triangle"/>
-          </a:ln>
-        </p:spPr>
-        <p:style>
-          <a:lnRef idx="2">
-            <a:schemeClr val="accent1"/>
-          </a:lnRef>
-          <a:fillRef idx="0">
-            <a:schemeClr val="accent1"/>
-          </a:fillRef>
-          <a:effectRef idx="1">
-            <a:schemeClr val="accent1"/>
-          </a:effectRef>
-          <a:fontRef idx="minor">
-            <a:schemeClr val="tx1"/>
-          </a:fontRef>
-        </p:style>
-      </p:cxnSp>
-      <p:sp>
-        <p:nvSpPr>
-          <p:cNvPr id="15" name="TextBox 14">
-            <a:extLst>
-              <a:ext uri="{FF2B5EF4-FFF2-40B4-BE49-F238E27FC236}">
-                <a16:creationId xmlns:a16="http://schemas.microsoft.com/office/drawing/2014/main" id="{BE934AA0-733F-CA0C-7880-EABCB78809EA}"/>
+          <p:cNvPr id="11" name="TextBox 10">
+            <a:extLst>
+              <a:ext uri="{FF2B5EF4-FFF2-40B4-BE49-F238E27FC236}">
+                <a16:creationId xmlns:a16="http://schemas.microsoft.com/office/drawing/2014/main" id="{72D501E0-62A4-229B-D84A-692EC71754A8}"/>
               </a:ext>
             </a:extLst>
           </p:cNvPr>
@@ -35887,8 +35986,8 @@
         </p:nvSpPr>
         <p:spPr>
           <a:xfrm>
-            <a:off x="8138916" y="503536"/>
-            <a:ext cx="2920352" cy="923330"/>
+            <a:off x="7852593" y="5040130"/>
+            <a:ext cx="1988524" cy="923330"/>
           </a:xfrm>
           <a:prstGeom prst="rect">
             <a:avLst/>
@@ -35909,11 +36008,19 @@
             <a:pPr algn="ctr"/>
             <a:r>
               <a:rPr lang="en-CA" b="1"/>
-              <a:t>Python ignores source code comments </a:t>
-            </a:r>
-            <a:r>
-              <a:rPr lang="en-CA"/>
-              <a:t>… it just skips over them. </a:t>
+              <a:t>Good comments </a:t>
+            </a:r>
+            <a:r>
+              <a:rPr lang="en-CA"/>
+              <a:t>make your code more </a:t>
+            </a:r>
+            <a:r>
+              <a:rPr lang="en-CA" b="1"/>
+              <a:t>readable</a:t>
+            </a:r>
+            <a:r>
+              <a:rPr lang="en-CA"/>
+              <a:t>.</a:t>
             </a:r>
             <a:endParaRPr lang="en-AU"/>
           </a:p>
@@ -35922,7 +36029,7 @@
     </p:spTree>
     <p:extLst>
       <p:ext uri="{BB962C8B-B14F-4D97-AF65-F5344CB8AC3E}">
-        <p14:creationId xmlns:p14="http://schemas.microsoft.com/office/powerpoint/2010/main" val="2186739661"/>
+        <p14:creationId xmlns:p14="http://schemas.microsoft.com/office/powerpoint/2010/main" val="1378727184"/>
       </p:ext>
     </p:extLst>
   </p:cSld>
@@ -36170,7 +36277,13 @@
   <p:cSld>
     <p:spTree>
       <p:nvGrpSpPr>
-        <p:cNvPr id="1" name=""/>
+        <p:cNvPr id="1" name="">
+          <a:extLst>
+            <a:ext uri="{FF2B5EF4-FFF2-40B4-BE49-F238E27FC236}">
+              <a16:creationId xmlns:a16="http://schemas.microsoft.com/office/drawing/2014/main" id="{80414888-274C-7EEB-C37E-45A2D269C862}"/>
+            </a:ext>
+          </a:extLst>
+        </p:cNvPr>
         <p:cNvGrpSpPr/>
         <p:nvPr/>
       </p:nvGrpSpPr>
@@ -36184,10 +36297,96 @@
       </p:grpSpPr>
       <p:sp>
         <p:nvSpPr>
+          <p:cNvPr id="5" name="TextBox 4">
+            <a:extLst>
+              <a:ext uri="{FF2B5EF4-FFF2-40B4-BE49-F238E27FC236}">
+                <a16:creationId xmlns:a16="http://schemas.microsoft.com/office/drawing/2014/main" id="{4460720A-E894-8330-6A1A-7DE1D1928D7B}"/>
+              </a:ext>
+            </a:extLst>
+          </p:cNvPr>
+          <p:cNvSpPr txBox="1"/>
+          <p:nvPr/>
+        </p:nvSpPr>
+        <p:spPr>
+          <a:xfrm>
+            <a:off x="3245974" y="2362474"/>
+            <a:ext cx="6316088" cy="2585323"/>
+          </a:xfrm>
+          <a:prstGeom prst="rect">
+            <a:avLst/>
+          </a:prstGeom>
+          <a:noFill/>
+        </p:spPr>
+        <p:txBody>
+          <a:bodyPr wrap="none" rtlCol="0">
+            <a:spAutoFit/>
+          </a:bodyPr>
+          <a:lstStyle/>
+          <a:p>
+            <a:r>
+              <a:rPr lang="en-US" b="1" dirty="0"/>
+              <a:t># set the length of the sides</a:t>
+            </a:r>
+          </a:p>
+          <a:p>
+            <a:r>
+              <a:rPr lang="en-US" dirty="0"/>
+              <a:t>side1 = 3</a:t>
+            </a:r>
+          </a:p>
+          <a:p>
+            <a:r>
+              <a:rPr lang="en-US" dirty="0"/>
+              <a:t>side2 = 4</a:t>
+            </a:r>
+          </a:p>
+          <a:p>
+            <a:endParaRPr lang="en-US" dirty="0"/>
+          </a:p>
+          <a:p>
+            <a:r>
+              <a:rPr lang="en-US" b="1" dirty="0"/>
+              <a:t># calculate the hypotenuse using the Pythagorean theorem</a:t>
+            </a:r>
+          </a:p>
+          <a:p>
+            <a:r>
+              <a:rPr lang="en-US" dirty="0"/>
+              <a:t>hypotenuse = </a:t>
+            </a:r>
+            <a:r>
+              <a:rPr lang="en-US" dirty="0" err="1"/>
+              <a:t>math.sqrt</a:t>
+            </a:r>
+            <a:r>
+              <a:rPr lang="en-US" dirty="0"/>
+              <a:t>(side1 ** 2 + side2 ** 2)</a:t>
+            </a:r>
+          </a:p>
+          <a:p>
+            <a:endParaRPr lang="en-US" dirty="0"/>
+          </a:p>
+          <a:p>
+            <a:r>
+              <a:rPr lang="en-US" b="1" dirty="0"/>
+              <a:t># print the results</a:t>
+            </a:r>
+          </a:p>
+          <a:p>
+            <a:r>
+              <a:rPr lang="en-US" dirty="0"/>
+              <a:t>print(hypotenuse)</a:t>
+            </a:r>
+            <a:endParaRPr lang="en-AU" dirty="0"/>
+          </a:p>
+        </p:txBody>
+      </p:sp>
+      <p:sp>
+        <p:nvSpPr>
           <p:cNvPr id="2" name="Title 1">
             <a:extLst>
               <a:ext uri="{FF2B5EF4-FFF2-40B4-BE49-F238E27FC236}">
-                <a16:creationId xmlns:a16="http://schemas.microsoft.com/office/drawing/2014/main" id="{A5E6C931-848B-61E7-A584-2A3E14781E8C}"/>
+                <a16:creationId xmlns:a16="http://schemas.microsoft.com/office/drawing/2014/main" id="{F6579A30-4788-9444-EB5C-10695CA06C01}"/>
               </a:ext>
             </a:extLst>
           </p:cNvPr>
@@ -36223,7 +36422,7 @@
           <p:cNvPr id="4" name="Slide Number Placeholder 3">
             <a:extLst>
               <a:ext uri="{FF2B5EF4-FFF2-40B4-BE49-F238E27FC236}">
-                <a16:creationId xmlns:a16="http://schemas.microsoft.com/office/drawing/2014/main" id="{6271E41C-B6E7-E15D-D7C1-06E4E8E5DA76}"/>
+                <a16:creationId xmlns:a16="http://schemas.microsoft.com/office/drawing/2014/main" id="{862D9D70-6ABB-AB1D-F0C3-8B4EC1D1FFC7}"/>
               </a:ext>
             </a:extLst>
           </p:cNvPr>
@@ -36249,112 +36448,10 @@
       </p:sp>
       <p:sp>
         <p:nvSpPr>
-          <p:cNvPr id="13" name="TextBox 12">
-            <a:extLst>
-              <a:ext uri="{FF2B5EF4-FFF2-40B4-BE49-F238E27FC236}">
-                <a16:creationId xmlns:a16="http://schemas.microsoft.com/office/drawing/2014/main" id="{5C3CB041-437A-DDC4-FD22-B5E3515334BD}"/>
-              </a:ext>
-            </a:extLst>
-          </p:cNvPr>
-          <p:cNvSpPr txBox="1"/>
-          <p:nvPr/>
-        </p:nvSpPr>
-        <p:spPr>
-          <a:xfrm>
-            <a:off x="3245974" y="2362474"/>
-            <a:ext cx="5170711" cy="3416320"/>
-          </a:xfrm>
-          <a:prstGeom prst="rect">
-            <a:avLst/>
-          </a:prstGeom>
-          <a:noFill/>
-        </p:spPr>
-        <p:txBody>
-          <a:bodyPr wrap="none" rtlCol="0">
-            <a:spAutoFit/>
-          </a:bodyPr>
-          <a:lstStyle/>
-          <a:p>
-            <a:r>
-              <a:rPr lang="en-US" b="1"/>
-              <a:t># set the length of side 1 of the right triangle</a:t>
-            </a:r>
-          </a:p>
-          <a:p>
-            <a:r>
-              <a:rPr lang="en-US"/>
-              <a:t>side1 = 3</a:t>
-            </a:r>
-          </a:p>
-          <a:p>
-            <a:endParaRPr lang="en-US"/>
-          </a:p>
-          <a:p>
-            <a:r>
-              <a:rPr lang="en-US" b="1"/>
-              <a:t># set the length of side 2 of the right triangle</a:t>
-            </a:r>
-          </a:p>
-          <a:p>
-            <a:r>
-              <a:rPr lang="en-US"/>
-              <a:t>side2 = 4</a:t>
-            </a:r>
-          </a:p>
-          <a:p>
-            <a:endParaRPr lang="en-US"/>
-          </a:p>
-          <a:p>
-            <a:r>
-              <a:rPr lang="en-US" b="1"/>
-              <a:t># calculate the hypotenuse of the triangle using </a:t>
-            </a:r>
-            <a:br>
-              <a:rPr lang="en-US" b="1"/>
-            </a:br>
-            <a:r>
-              <a:rPr lang="en-US" b="1"/>
-              <a:t># the Pythagorean theorem</a:t>
-            </a:r>
-          </a:p>
-          <a:p>
-            <a:r>
-              <a:rPr lang="en-US"/>
-              <a:t>hypotenuse = </a:t>
-            </a:r>
-            <a:r>
-              <a:rPr lang="en-US" err="1"/>
-              <a:t>math.sqrt</a:t>
-            </a:r>
-            <a:r>
-              <a:rPr lang="en-US"/>
-              <a:t>(side1 ** 2 + side2 ** 2)</a:t>
-            </a:r>
-          </a:p>
-          <a:p>
-            <a:endParaRPr lang="en-US"/>
-          </a:p>
-          <a:p>
-            <a:r>
-              <a:rPr lang="en-US" b="1"/>
-              <a:t># print the results</a:t>
-            </a:r>
-          </a:p>
-          <a:p>
-            <a:r>
-              <a:rPr lang="en-US"/>
-              <a:t>print(hypotenuse)</a:t>
-            </a:r>
-            <a:endParaRPr lang="en-AU"/>
-          </a:p>
-        </p:txBody>
-      </p:sp>
-      <p:sp>
-        <p:nvSpPr>
           <p:cNvPr id="3" name="TextBox 2">
             <a:extLst>
               <a:ext uri="{FF2B5EF4-FFF2-40B4-BE49-F238E27FC236}">
-                <a16:creationId xmlns:a16="http://schemas.microsoft.com/office/drawing/2014/main" id="{6D93479A-CA2F-FB20-C0DB-0A9F7CF2E14F}"/>
+                <a16:creationId xmlns:a16="http://schemas.microsoft.com/office/drawing/2014/main" id="{F0DE0AC0-C92B-FFB8-BD1E-5B2042FD4D1A}"/>
               </a:ext>
             </a:extLst>
           </p:cNvPr>
@@ -36404,7 +36501,7 @@
           <p:cNvPr id="8" name="Straight Arrow Connector 7">
             <a:extLst>
               <a:ext uri="{FF2B5EF4-FFF2-40B4-BE49-F238E27FC236}">
-                <a16:creationId xmlns:a16="http://schemas.microsoft.com/office/drawing/2014/main" id="{6981BB04-4450-2F6F-4355-503A5A6C203A}"/>
+                <a16:creationId xmlns:a16="http://schemas.microsoft.com/office/drawing/2014/main" id="{8CCC8857-9143-2332-0082-2C1D0EFA3E93}"/>
               </a:ext>
             </a:extLst>
           </p:cNvPr>
@@ -36443,10 +36540,10 @@
       </p:cxnSp>
       <p:sp>
         <p:nvSpPr>
-          <p:cNvPr id="12" name="TextBox 11">
-            <a:extLst>
-              <a:ext uri="{FF2B5EF4-FFF2-40B4-BE49-F238E27FC236}">
-                <a16:creationId xmlns:a16="http://schemas.microsoft.com/office/drawing/2014/main" id="{431A6EBB-A203-8787-4E34-76813F5D9DB4}"/>
+          <p:cNvPr id="6" name="TextBox 5">
+            <a:extLst>
+              <a:ext uri="{FF2B5EF4-FFF2-40B4-BE49-F238E27FC236}">
+                <a16:creationId xmlns:a16="http://schemas.microsoft.com/office/drawing/2014/main" id="{6347BB33-8D2A-D0B9-A06F-99FFE1598207}"/>
               </a:ext>
             </a:extLst>
           </p:cNvPr>
@@ -36455,8 +36552,8 @@
         </p:nvSpPr>
         <p:spPr>
           <a:xfrm>
-            <a:off x="465666" y="2163839"/>
-            <a:ext cx="1988524" cy="923330"/>
+            <a:off x="126124" y="3175503"/>
+            <a:ext cx="2133600" cy="923330"/>
           </a:xfrm>
           <a:prstGeom prst="rect">
             <a:avLst/>
@@ -36476,305 +36573,39 @@
           <a:p>
             <a:pPr algn="ctr"/>
             <a:r>
-              <a:rPr lang="en-CA" b="1"/>
-              <a:t>Good comments </a:t>
-            </a:r>
-            <a:r>
-              <a:rPr lang="en-CA"/>
-              <a:t>make your code more </a:t>
-            </a:r>
-            <a:r>
-              <a:rPr lang="en-CA" b="1"/>
-              <a:t>readable</a:t>
-            </a:r>
-            <a:r>
-              <a:rPr lang="en-CA"/>
+              <a:rPr lang="en-CA" dirty="0"/>
+              <a:t>Variable names should generally be </a:t>
+            </a:r>
+            <a:r>
+              <a:rPr lang="en-CA" b="1" dirty="0"/>
+              <a:t>self-descriptive</a:t>
+            </a:r>
+            <a:r>
+              <a:rPr lang="en-CA" dirty="0"/>
               <a:t>.</a:t>
             </a:r>
-            <a:endParaRPr lang="en-AU"/>
-          </a:p>
-        </p:txBody>
-      </p:sp>
-      <p:sp>
-        <p:nvSpPr>
-          <p:cNvPr id="15" name="TextBox 14">
-            <a:extLst>
-              <a:ext uri="{FF2B5EF4-FFF2-40B4-BE49-F238E27FC236}">
-                <a16:creationId xmlns:a16="http://schemas.microsoft.com/office/drawing/2014/main" id="{E92F2C95-4E44-8150-7503-55166FD05140}"/>
-              </a:ext>
-            </a:extLst>
-          </p:cNvPr>
-          <p:cNvSpPr txBox="1"/>
-          <p:nvPr/>
-        </p:nvSpPr>
-        <p:spPr>
-          <a:xfrm>
-            <a:off x="9481408" y="2362474"/>
-            <a:ext cx="2369577" cy="1200329"/>
-          </a:xfrm>
-          <a:prstGeom prst="rect">
-            <a:avLst/>
-          </a:prstGeom>
-          <a:solidFill>
-            <a:schemeClr val="accent2">
-              <a:lumMod val="40000"/>
-              <a:lumOff val="60000"/>
-            </a:schemeClr>
-          </a:solidFill>
-        </p:spPr>
-        <p:txBody>
-          <a:bodyPr wrap="square" rtlCol="0">
-            <a:spAutoFit/>
-          </a:bodyPr>
-          <a:lstStyle/>
-          <a:p>
-            <a:pPr algn="ctr"/>
-            <a:r>
-              <a:rPr lang="en-CA"/>
-              <a:t>These comments are </a:t>
-            </a:r>
-            <a:r>
-              <a:rPr lang="en-CA" b="1"/>
-              <a:t>questionable</a:t>
-            </a:r>
-            <a:r>
-              <a:rPr lang="en-CA"/>
-              <a:t>: the code is already pretty clear.</a:t>
-            </a:r>
-            <a:endParaRPr lang="en-AU"/>
-          </a:p>
-        </p:txBody>
-      </p:sp>
-      <p:sp>
-        <p:nvSpPr>
-          <p:cNvPr id="21" name="Rectangle 20">
-            <a:extLst>
-              <a:ext uri="{FF2B5EF4-FFF2-40B4-BE49-F238E27FC236}">
-                <a16:creationId xmlns:a16="http://schemas.microsoft.com/office/drawing/2014/main" id="{286214AB-C7A1-060C-58B0-2EB7C8546BB4}"/>
-              </a:ext>
-            </a:extLst>
-          </p:cNvPr>
-          <p:cNvSpPr/>
-          <p:nvPr/>
-        </p:nvSpPr>
-        <p:spPr>
-          <a:xfrm>
-            <a:off x="3270249" y="2399529"/>
-            <a:ext cx="4597212" cy="563109"/>
-          </a:xfrm>
-          <a:prstGeom prst="rect">
-            <a:avLst/>
-          </a:prstGeom>
-          <a:noFill/>
-          <a:ln>
-            <a:solidFill>
-              <a:srgbClr val="00B050"/>
-            </a:solidFill>
-          </a:ln>
-        </p:spPr>
-        <p:style>
-          <a:lnRef idx="2">
-            <a:schemeClr val="accent1">
-              <a:shade val="15000"/>
-            </a:schemeClr>
-          </a:lnRef>
-          <a:fillRef idx="1">
-            <a:schemeClr val="accent1"/>
-          </a:fillRef>
-          <a:effectRef idx="0">
-            <a:schemeClr val="accent1"/>
-          </a:effectRef>
-          <a:fontRef idx="minor">
-            <a:schemeClr val="lt1"/>
-          </a:fontRef>
-        </p:style>
-        <p:txBody>
-          <a:bodyPr rtlCol="0" anchor="ctr"/>
-          <a:lstStyle/>
-          <a:p>
-            <a:pPr algn="ctr"/>
-            <a:endParaRPr lang="en-AU"/>
-          </a:p>
-        </p:txBody>
-      </p:sp>
-      <p:sp>
-        <p:nvSpPr>
-          <p:cNvPr id="22" name="Rectangle 21">
-            <a:extLst>
-              <a:ext uri="{FF2B5EF4-FFF2-40B4-BE49-F238E27FC236}">
-                <a16:creationId xmlns:a16="http://schemas.microsoft.com/office/drawing/2014/main" id="{1F01744D-64D4-FDEA-99EB-411094AB7619}"/>
-              </a:ext>
-            </a:extLst>
-          </p:cNvPr>
-          <p:cNvSpPr/>
-          <p:nvPr/>
-        </p:nvSpPr>
-        <p:spPr>
-          <a:xfrm>
-            <a:off x="3270249" y="3232447"/>
-            <a:ext cx="4597212" cy="563109"/>
-          </a:xfrm>
-          <a:prstGeom prst="rect">
-            <a:avLst/>
-          </a:prstGeom>
-          <a:noFill/>
-          <a:ln>
-            <a:solidFill>
-              <a:srgbClr val="00B050"/>
-            </a:solidFill>
-          </a:ln>
-        </p:spPr>
-        <p:style>
-          <a:lnRef idx="2">
-            <a:schemeClr val="accent1">
-              <a:shade val="15000"/>
-            </a:schemeClr>
-          </a:lnRef>
-          <a:fillRef idx="1">
-            <a:schemeClr val="accent1"/>
-          </a:fillRef>
-          <a:effectRef idx="0">
-            <a:schemeClr val="accent1"/>
-          </a:effectRef>
-          <a:fontRef idx="minor">
-            <a:schemeClr val="lt1"/>
-          </a:fontRef>
-        </p:style>
-        <p:txBody>
-          <a:bodyPr rtlCol="0" anchor="ctr"/>
-          <a:lstStyle/>
-          <a:p>
-            <a:pPr algn="ctr"/>
-            <a:endParaRPr lang="en-AU"/>
-          </a:p>
-        </p:txBody>
-      </p:sp>
-      <p:sp>
-        <p:nvSpPr>
-          <p:cNvPr id="23" name="Rectangle 22">
-            <a:extLst>
-              <a:ext uri="{FF2B5EF4-FFF2-40B4-BE49-F238E27FC236}">
-                <a16:creationId xmlns:a16="http://schemas.microsoft.com/office/drawing/2014/main" id="{B8953D3C-02E6-8A4B-35B8-462588357060}"/>
-              </a:ext>
-            </a:extLst>
-          </p:cNvPr>
-          <p:cNvSpPr/>
-          <p:nvPr/>
-        </p:nvSpPr>
-        <p:spPr>
-          <a:xfrm>
-            <a:off x="3245974" y="5139242"/>
-            <a:ext cx="4597212" cy="563109"/>
-          </a:xfrm>
-          <a:prstGeom prst="rect">
-            <a:avLst/>
-          </a:prstGeom>
-          <a:noFill/>
-          <a:ln>
-            <a:solidFill>
-              <a:srgbClr val="00B050"/>
-            </a:solidFill>
-          </a:ln>
-        </p:spPr>
-        <p:style>
-          <a:lnRef idx="2">
-            <a:schemeClr val="accent1">
-              <a:shade val="15000"/>
-            </a:schemeClr>
-          </a:lnRef>
-          <a:fillRef idx="1">
-            <a:schemeClr val="accent1"/>
-          </a:fillRef>
-          <a:effectRef idx="0">
-            <a:schemeClr val="accent1"/>
-          </a:effectRef>
-          <a:fontRef idx="minor">
-            <a:schemeClr val="lt1"/>
-          </a:fontRef>
-        </p:style>
-        <p:txBody>
-          <a:bodyPr rtlCol="0" anchor="ctr"/>
-          <a:lstStyle/>
-          <a:p>
-            <a:pPr algn="ctr"/>
-            <a:endParaRPr lang="en-AU"/>
-          </a:p>
-        </p:txBody>
-      </p:sp>
-      <p:sp>
-        <p:nvSpPr>
-          <p:cNvPr id="24" name="TextBox 23">
-            <a:extLst>
-              <a:ext uri="{FF2B5EF4-FFF2-40B4-BE49-F238E27FC236}">
-                <a16:creationId xmlns:a16="http://schemas.microsoft.com/office/drawing/2014/main" id="{7DB721F2-2E0A-64ED-6547-A519EF5B3697}"/>
-              </a:ext>
-            </a:extLst>
-          </p:cNvPr>
-          <p:cNvSpPr txBox="1"/>
-          <p:nvPr/>
-        </p:nvSpPr>
-        <p:spPr>
-          <a:xfrm>
-            <a:off x="9481407" y="4359412"/>
-            <a:ext cx="2369577" cy="1200329"/>
-          </a:xfrm>
-          <a:prstGeom prst="rect">
-            <a:avLst/>
-          </a:prstGeom>
-          <a:solidFill>
-            <a:schemeClr val="accent2">
-              <a:lumMod val="40000"/>
-              <a:lumOff val="60000"/>
-            </a:schemeClr>
-          </a:solidFill>
-        </p:spPr>
-        <p:txBody>
-          <a:bodyPr wrap="square" rtlCol="0">
-            <a:spAutoFit/>
-          </a:bodyPr>
-          <a:lstStyle/>
-          <a:p>
-            <a:pPr algn="ctr"/>
-            <a:r>
-              <a:rPr lang="en-CA"/>
-              <a:t>The variables have </a:t>
-            </a:r>
-            <a:r>
-              <a:rPr lang="en-CA" b="1"/>
-              <a:t>self-descriptive names</a:t>
-            </a:r>
-            <a:r>
-              <a:rPr lang="en-CA"/>
-              <a:t>, which helps a lot with </a:t>
-            </a:r>
-            <a:r>
-              <a:rPr lang="en-CA" b="1"/>
-              <a:t>readability.</a:t>
-            </a:r>
-            <a:endParaRPr lang="en-AU"/>
+            <a:endParaRPr lang="en-AU" dirty="0"/>
           </a:p>
         </p:txBody>
       </p:sp>
       <p:cxnSp>
         <p:nvCxnSpPr>
-          <p:cNvPr id="26" name="Straight Arrow Connector 25">
-            <a:extLst>
-              <a:ext uri="{FF2B5EF4-FFF2-40B4-BE49-F238E27FC236}">
-                <a16:creationId xmlns:a16="http://schemas.microsoft.com/office/drawing/2014/main" id="{C366BC28-BACF-3B85-F793-5EBC821E260F}"/>
+          <p:cNvPr id="14" name="Straight Arrow Connector 13">
+            <a:extLst>
+              <a:ext uri="{FF2B5EF4-FFF2-40B4-BE49-F238E27FC236}">
+                <a16:creationId xmlns:a16="http://schemas.microsoft.com/office/drawing/2014/main" id="{F3B72D4E-FFB9-C482-9B96-9746AC9A21F1}"/>
               </a:ext>
             </a:extLst>
           </p:cNvPr>
           <p:cNvCxnSpPr>
             <a:cxnSpLocks/>
-            <a:stCxn id="24" idx="0"/>
-            <a:endCxn id="15" idx="2"/>
           </p:cNvCxnSpPr>
           <p:nvPr/>
         </p:nvCxnSpPr>
         <p:spPr>
           <a:xfrm flipV="1">
-            <a:off x="10666196" y="3562803"/>
-            <a:ext cx="1" cy="796609"/>
+            <a:off x="2259724" y="2995448"/>
+            <a:ext cx="872359" cy="215442"/>
           </a:xfrm>
           <a:prstGeom prst="straightConnector1">
             <a:avLst/>
@@ -36800,22 +36631,23 @@
       </p:cxnSp>
       <p:cxnSp>
         <p:nvCxnSpPr>
-          <p:cNvPr id="29" name="Straight Arrow Connector 28">
-            <a:extLst>
-              <a:ext uri="{FF2B5EF4-FFF2-40B4-BE49-F238E27FC236}">
-                <a16:creationId xmlns:a16="http://schemas.microsoft.com/office/drawing/2014/main" id="{3A8F9002-A448-D9B2-2D8E-3286A793562A}"/>
+          <p:cNvPr id="16" name="Straight Arrow Connector 15">
+            <a:extLst>
+              <a:ext uri="{FF2B5EF4-FFF2-40B4-BE49-F238E27FC236}">
+                <a16:creationId xmlns:a16="http://schemas.microsoft.com/office/drawing/2014/main" id="{B9E750D7-B536-30F3-F021-7B81C51B0111}"/>
               </a:ext>
             </a:extLst>
           </p:cNvPr>
           <p:cNvCxnSpPr>
-            <a:endCxn id="21" idx="3"/>
+            <a:cxnSpLocks/>
+            <a:stCxn id="6" idx="3"/>
           </p:cNvCxnSpPr>
           <p:nvPr/>
         </p:nvCxnSpPr>
         <p:spPr>
-          <a:xfrm flipH="1">
-            <a:off x="7867461" y="2625504"/>
-            <a:ext cx="1613946" cy="55580"/>
+          <a:xfrm flipV="1">
+            <a:off x="2259724" y="3634050"/>
+            <a:ext cx="986250" cy="3118"/>
           </a:xfrm>
           <a:prstGeom prst="straightConnector1">
             <a:avLst/>
@@ -36839,93 +36671,12 @@
           </a:fontRef>
         </p:style>
       </p:cxnSp>
-      <p:cxnSp>
-        <p:nvCxnSpPr>
-          <p:cNvPr id="31" name="Straight Arrow Connector 30">
-            <a:extLst>
-              <a:ext uri="{FF2B5EF4-FFF2-40B4-BE49-F238E27FC236}">
-                <a16:creationId xmlns:a16="http://schemas.microsoft.com/office/drawing/2014/main" id="{1100C525-50A7-733C-8BE1-2972CBA67814}"/>
-              </a:ext>
-            </a:extLst>
-          </p:cNvPr>
-          <p:cNvCxnSpPr>
-            <a:stCxn id="15" idx="1"/>
-            <a:endCxn id="22" idx="3"/>
-          </p:cNvCxnSpPr>
-          <p:nvPr/>
-        </p:nvCxnSpPr>
-        <p:spPr>
-          <a:xfrm flipH="1">
-            <a:off x="7867461" y="2962639"/>
-            <a:ext cx="1613947" cy="551363"/>
-          </a:xfrm>
-          <a:prstGeom prst="straightConnector1">
-            <a:avLst/>
-          </a:prstGeom>
-          <a:ln>
-            <a:tailEnd type="triangle"/>
-          </a:ln>
-        </p:spPr>
-        <p:style>
-          <a:lnRef idx="2">
-            <a:schemeClr val="accent1"/>
-          </a:lnRef>
-          <a:fillRef idx="0">
-            <a:schemeClr val="accent1"/>
-          </a:fillRef>
-          <a:effectRef idx="1">
-            <a:schemeClr val="accent1"/>
-          </a:effectRef>
-          <a:fontRef idx="minor">
-            <a:schemeClr val="tx1"/>
-          </a:fontRef>
-        </p:style>
-      </p:cxnSp>
-      <p:cxnSp>
-        <p:nvCxnSpPr>
-          <p:cNvPr id="33" name="Straight Arrow Connector 32">
-            <a:extLst>
-              <a:ext uri="{FF2B5EF4-FFF2-40B4-BE49-F238E27FC236}">
-                <a16:creationId xmlns:a16="http://schemas.microsoft.com/office/drawing/2014/main" id="{342A6E73-574F-7C5D-4A5A-816945E2863E}"/>
-              </a:ext>
-            </a:extLst>
-          </p:cNvPr>
-          <p:cNvCxnSpPr/>
-          <p:nvPr/>
-        </p:nvCxnSpPr>
-        <p:spPr>
-          <a:xfrm flipH="1">
-            <a:off x="7867461" y="3382193"/>
-            <a:ext cx="1613946" cy="1858938"/>
-          </a:xfrm>
-          <a:prstGeom prst="straightConnector1">
-            <a:avLst/>
-          </a:prstGeom>
-          <a:ln>
-            <a:tailEnd type="triangle"/>
-          </a:ln>
-        </p:spPr>
-        <p:style>
-          <a:lnRef idx="2">
-            <a:schemeClr val="accent1"/>
-          </a:lnRef>
-          <a:fillRef idx="0">
-            <a:schemeClr val="accent1"/>
-          </a:fillRef>
-          <a:effectRef idx="1">
-            <a:schemeClr val="accent1"/>
-          </a:effectRef>
-          <a:fontRef idx="minor">
-            <a:schemeClr val="tx1"/>
-          </a:fontRef>
-        </p:style>
-      </p:cxnSp>
-      <p:sp>
-        <p:nvSpPr>
-          <p:cNvPr id="6" name="TextBox 5">
-            <a:extLst>
-              <a:ext uri="{FF2B5EF4-FFF2-40B4-BE49-F238E27FC236}">
-                <a16:creationId xmlns:a16="http://schemas.microsoft.com/office/drawing/2014/main" id="{8AED4BCC-5322-034C-4295-990D254C4CB1}"/>
+      <p:sp>
+        <p:nvSpPr>
+          <p:cNvPr id="12" name="TextBox 11">
+            <a:extLst>
+              <a:ext uri="{FF2B5EF4-FFF2-40B4-BE49-F238E27FC236}">
+                <a16:creationId xmlns:a16="http://schemas.microsoft.com/office/drawing/2014/main" id="{6BB24E22-6D67-93B4-5C06-24DC186C5F19}"/>
               </a:ext>
             </a:extLst>
           </p:cNvPr>
@@ -36966,10 +36717,54 @@
           </a:p>
         </p:txBody>
       </p:sp>
+      <p:sp>
+        <p:nvSpPr>
+          <p:cNvPr id="15" name="Left Brace 14">
+            <a:extLst>
+              <a:ext uri="{FF2B5EF4-FFF2-40B4-BE49-F238E27FC236}">
+                <a16:creationId xmlns:a16="http://schemas.microsoft.com/office/drawing/2014/main" id="{D68ADA00-73BC-CF39-D352-58656F742057}"/>
+              </a:ext>
+            </a:extLst>
+          </p:cNvPr>
+          <p:cNvSpPr/>
+          <p:nvPr/>
+        </p:nvSpPr>
+        <p:spPr>
+          <a:xfrm>
+            <a:off x="3132083" y="2742107"/>
+            <a:ext cx="123408" cy="471901"/>
+          </a:xfrm>
+          <a:prstGeom prst="leftBrace">
+            <a:avLst/>
+          </a:prstGeom>
+        </p:spPr>
+        <p:style>
+          <a:lnRef idx="2">
+            <a:schemeClr val="accent1"/>
+          </a:lnRef>
+          <a:fillRef idx="0">
+            <a:schemeClr val="accent1"/>
+          </a:fillRef>
+          <a:effectRef idx="1">
+            <a:schemeClr val="accent1"/>
+          </a:effectRef>
+          <a:fontRef idx="minor">
+            <a:schemeClr val="tx1"/>
+          </a:fontRef>
+        </p:style>
+        <p:txBody>
+          <a:bodyPr rtlCol="0" anchor="ctr"/>
+          <a:lstStyle/>
+          <a:p>
+            <a:pPr algn="ctr"/>
+            <a:endParaRPr lang="en-US"/>
+          </a:p>
+        </p:txBody>
+      </p:sp>
     </p:spTree>
     <p:extLst>
       <p:ext uri="{BB962C8B-B14F-4D97-AF65-F5344CB8AC3E}">
-        <p14:creationId xmlns:p14="http://schemas.microsoft.com/office/powerpoint/2010/main" val="711128939"/>
+        <p14:creationId xmlns:p14="http://schemas.microsoft.com/office/powerpoint/2010/main" val="1310961716"/>
       </p:ext>
     </p:extLst>
   </p:cSld>
@@ -36998,42 +36793,6 @@
       </p:grpSpPr>
       <p:sp>
         <p:nvSpPr>
-          <p:cNvPr id="2" name="Title 1">
-            <a:extLst>
-              <a:ext uri="{FF2B5EF4-FFF2-40B4-BE49-F238E27FC236}">
-                <a16:creationId xmlns:a16="http://schemas.microsoft.com/office/drawing/2014/main" id="{A5E6C931-848B-61E7-A584-2A3E14781E8C}"/>
-              </a:ext>
-            </a:extLst>
-          </p:cNvPr>
-          <p:cNvSpPr>
-            <a:spLocks noGrp="1"/>
-          </p:cNvSpPr>
-          <p:nvPr>
-            <p:ph type="title"/>
-          </p:nvPr>
-        </p:nvSpPr>
-        <p:spPr>
-          <a:xfrm>
-            <a:off x="465666" y="203993"/>
-            <a:ext cx="2884116" cy="1325563"/>
-          </a:xfrm>
-        </p:spPr>
-        <p:txBody>
-          <a:bodyPr>
-            <a:normAutofit fontScale="90000"/>
-          </a:bodyPr>
-          <a:lstStyle/>
-          <a:p>
-            <a:r>
-              <a:rPr lang="en-CA"/>
-              <a:t>Source Code Comments</a:t>
-            </a:r>
-            <a:endParaRPr lang="en-AU"/>
-          </a:p>
-        </p:txBody>
-      </p:sp>
-      <p:sp>
-        <p:nvSpPr>
           <p:cNvPr id="4" name="Slide Number Placeholder 3">
             <a:extLst>
               <a:ext uri="{FF2B5EF4-FFF2-40B4-BE49-F238E27FC236}">
@@ -37063,499 +36822,6 @@
       </p:sp>
       <p:sp>
         <p:nvSpPr>
-          <p:cNvPr id="13" name="TextBox 12">
-            <a:extLst>
-              <a:ext uri="{FF2B5EF4-FFF2-40B4-BE49-F238E27FC236}">
-                <a16:creationId xmlns:a16="http://schemas.microsoft.com/office/drawing/2014/main" id="{5C3CB041-437A-DDC4-FD22-B5E3515334BD}"/>
-              </a:ext>
-            </a:extLst>
-          </p:cNvPr>
-          <p:cNvSpPr txBox="1"/>
-          <p:nvPr/>
-        </p:nvSpPr>
-        <p:spPr>
-          <a:xfrm>
-            <a:off x="3245974" y="2362474"/>
-            <a:ext cx="5170711" cy="3416320"/>
-          </a:xfrm>
-          <a:prstGeom prst="rect">
-            <a:avLst/>
-          </a:prstGeom>
-          <a:noFill/>
-        </p:spPr>
-        <p:txBody>
-          <a:bodyPr wrap="none" rtlCol="0">
-            <a:spAutoFit/>
-          </a:bodyPr>
-          <a:lstStyle/>
-          <a:p>
-            <a:r>
-              <a:rPr lang="en-US" b="1"/>
-              <a:t># set the length of side 1 of the right triangle</a:t>
-            </a:r>
-          </a:p>
-          <a:p>
-            <a:r>
-              <a:rPr lang="en-US"/>
-              <a:t>side1 = 3</a:t>
-            </a:r>
-          </a:p>
-          <a:p>
-            <a:endParaRPr lang="en-US"/>
-          </a:p>
-          <a:p>
-            <a:r>
-              <a:rPr lang="en-US" b="1"/>
-              <a:t># set the length of side 2 of the right triangle</a:t>
-            </a:r>
-          </a:p>
-          <a:p>
-            <a:r>
-              <a:rPr lang="en-US"/>
-              <a:t>side2 = 4</a:t>
-            </a:r>
-          </a:p>
-          <a:p>
-            <a:endParaRPr lang="en-US"/>
-          </a:p>
-          <a:p>
-            <a:r>
-              <a:rPr lang="en-US" b="1"/>
-              <a:t># calculate the hypotenuse of the triangle using </a:t>
-            </a:r>
-            <a:br>
-              <a:rPr lang="en-US" b="1"/>
-            </a:br>
-            <a:r>
-              <a:rPr lang="en-US" b="1"/>
-              <a:t># the Pythagorean theorem</a:t>
-            </a:r>
-          </a:p>
-          <a:p>
-            <a:r>
-              <a:rPr lang="en-US"/>
-              <a:t>hypotenuse = </a:t>
-            </a:r>
-            <a:r>
-              <a:rPr lang="en-US" err="1"/>
-              <a:t>math.sqrt</a:t>
-            </a:r>
-            <a:r>
-              <a:rPr lang="en-US"/>
-              <a:t>(side1 ** 2 + side2 ** 2)</a:t>
-            </a:r>
-          </a:p>
-          <a:p>
-            <a:endParaRPr lang="en-US"/>
-          </a:p>
-          <a:p>
-            <a:r>
-              <a:rPr lang="en-US" b="1"/>
-              <a:t># print the results</a:t>
-            </a:r>
-          </a:p>
-          <a:p>
-            <a:r>
-              <a:rPr lang="en-US"/>
-              <a:t>print(hypotenuse)</a:t>
-            </a:r>
-            <a:endParaRPr lang="en-AU"/>
-          </a:p>
-        </p:txBody>
-      </p:sp>
-      <p:sp>
-        <p:nvSpPr>
-          <p:cNvPr id="3" name="TextBox 2">
-            <a:extLst>
-              <a:ext uri="{FF2B5EF4-FFF2-40B4-BE49-F238E27FC236}">
-                <a16:creationId xmlns:a16="http://schemas.microsoft.com/office/drawing/2014/main" id="{6D93479A-CA2F-FB20-C0DB-0A9F7CF2E14F}"/>
-              </a:ext>
-            </a:extLst>
-          </p:cNvPr>
-          <p:cNvSpPr txBox="1"/>
-          <p:nvPr/>
-        </p:nvSpPr>
-        <p:spPr>
-          <a:xfrm>
-            <a:off x="4137284" y="503537"/>
-            <a:ext cx="3214129" cy="1200329"/>
-          </a:xfrm>
-          <a:prstGeom prst="rect">
-            <a:avLst/>
-          </a:prstGeom>
-          <a:solidFill>
-            <a:schemeClr val="accent2">
-              <a:lumMod val="40000"/>
-              <a:lumOff val="60000"/>
-            </a:schemeClr>
-          </a:solidFill>
-        </p:spPr>
-        <p:txBody>
-          <a:bodyPr wrap="square" rtlCol="0">
-            <a:spAutoFit/>
-          </a:bodyPr>
-          <a:lstStyle/>
-          <a:p>
-            <a:pPr algn="ctr"/>
-            <a:r>
-              <a:rPr lang="en-CA"/>
-              <a:t>A </a:t>
-            </a:r>
-            <a:r>
-              <a:rPr lang="en-CA" b="1"/>
-              <a:t>source code comment </a:t>
-            </a:r>
-            <a:r>
-              <a:rPr lang="en-CA"/>
-              <a:t>is a note that a programmer writes in their program that is just for them or other humans.</a:t>
-            </a:r>
-            <a:endParaRPr lang="en-AU"/>
-          </a:p>
-        </p:txBody>
-      </p:sp>
-      <p:cxnSp>
-        <p:nvCxnSpPr>
-          <p:cNvPr id="8" name="Straight Arrow Connector 7">
-            <a:extLst>
-              <a:ext uri="{FF2B5EF4-FFF2-40B4-BE49-F238E27FC236}">
-                <a16:creationId xmlns:a16="http://schemas.microsoft.com/office/drawing/2014/main" id="{6981BB04-4450-2F6F-4355-503A5A6C203A}"/>
-              </a:ext>
-            </a:extLst>
-          </p:cNvPr>
-          <p:cNvCxnSpPr>
-            <a:cxnSpLocks/>
-            <a:endCxn id="3" idx="3"/>
-          </p:cNvCxnSpPr>
-          <p:nvPr/>
-        </p:nvCxnSpPr>
-        <p:spPr>
-          <a:xfrm flipH="1">
-            <a:off x="7351413" y="1103701"/>
-            <a:ext cx="787503" cy="1"/>
-          </a:xfrm>
-          <a:prstGeom prst="straightConnector1">
-            <a:avLst/>
-          </a:prstGeom>
-          <a:ln>
-            <a:tailEnd type="triangle"/>
-          </a:ln>
-        </p:spPr>
-        <p:style>
-          <a:lnRef idx="2">
-            <a:schemeClr val="accent1"/>
-          </a:lnRef>
-          <a:fillRef idx="0">
-            <a:schemeClr val="accent1"/>
-          </a:fillRef>
-          <a:effectRef idx="1">
-            <a:schemeClr val="accent1"/>
-          </a:effectRef>
-          <a:fontRef idx="minor">
-            <a:schemeClr val="tx1"/>
-          </a:fontRef>
-        </p:style>
-      </p:cxnSp>
-      <p:sp>
-        <p:nvSpPr>
-          <p:cNvPr id="12" name="TextBox 11">
-            <a:extLst>
-              <a:ext uri="{FF2B5EF4-FFF2-40B4-BE49-F238E27FC236}">
-                <a16:creationId xmlns:a16="http://schemas.microsoft.com/office/drawing/2014/main" id="{431A6EBB-A203-8787-4E34-76813F5D9DB4}"/>
-              </a:ext>
-            </a:extLst>
-          </p:cNvPr>
-          <p:cNvSpPr txBox="1"/>
-          <p:nvPr/>
-        </p:nvSpPr>
-        <p:spPr>
-          <a:xfrm>
-            <a:off x="465666" y="2163839"/>
-            <a:ext cx="1988524" cy="923330"/>
-          </a:xfrm>
-          <a:prstGeom prst="rect">
-            <a:avLst/>
-          </a:prstGeom>
-          <a:solidFill>
-            <a:schemeClr val="accent2">
-              <a:lumMod val="40000"/>
-              <a:lumOff val="60000"/>
-            </a:schemeClr>
-          </a:solidFill>
-        </p:spPr>
-        <p:txBody>
-          <a:bodyPr wrap="square" rtlCol="0">
-            <a:spAutoFit/>
-          </a:bodyPr>
-          <a:lstStyle/>
-          <a:p>
-            <a:pPr algn="ctr"/>
-            <a:r>
-              <a:rPr lang="en-CA" b="1"/>
-              <a:t>Good comments </a:t>
-            </a:r>
-            <a:r>
-              <a:rPr lang="en-CA"/>
-              <a:t>make your code more </a:t>
-            </a:r>
-            <a:r>
-              <a:rPr lang="en-CA" b="1"/>
-              <a:t>readable</a:t>
-            </a:r>
-            <a:r>
-              <a:rPr lang="en-CA"/>
-              <a:t>.</a:t>
-            </a:r>
-            <a:endParaRPr lang="en-AU"/>
-          </a:p>
-        </p:txBody>
-      </p:sp>
-      <p:sp>
-        <p:nvSpPr>
-          <p:cNvPr id="15" name="TextBox 14">
-            <a:extLst>
-              <a:ext uri="{FF2B5EF4-FFF2-40B4-BE49-F238E27FC236}">
-                <a16:creationId xmlns:a16="http://schemas.microsoft.com/office/drawing/2014/main" id="{E92F2C95-4E44-8150-7503-55166FD05140}"/>
-              </a:ext>
-            </a:extLst>
-          </p:cNvPr>
-          <p:cNvSpPr txBox="1"/>
-          <p:nvPr/>
-        </p:nvSpPr>
-        <p:spPr>
-          <a:xfrm>
-            <a:off x="9481408" y="2362474"/>
-            <a:ext cx="2369577" cy="1477328"/>
-          </a:xfrm>
-          <a:prstGeom prst="rect">
-            <a:avLst/>
-          </a:prstGeom>
-          <a:solidFill>
-            <a:schemeClr val="accent2">
-              <a:lumMod val="40000"/>
-              <a:lumOff val="60000"/>
-            </a:schemeClr>
-          </a:solidFill>
-        </p:spPr>
-        <p:txBody>
-          <a:bodyPr wrap="square" rtlCol="0">
-            <a:spAutoFit/>
-          </a:bodyPr>
-          <a:lstStyle/>
-          <a:p>
-            <a:pPr algn="ctr"/>
-            <a:r>
-              <a:rPr lang="en-CA"/>
-              <a:t>This comment is more useful, since it explains the expression inside </a:t>
-            </a:r>
-            <a:r>
-              <a:rPr lang="en-CA" err="1"/>
-              <a:t>math.sqrt</a:t>
-            </a:r>
-            <a:endParaRPr lang="en-AU"/>
-          </a:p>
-        </p:txBody>
-      </p:sp>
-      <p:sp>
-        <p:nvSpPr>
-          <p:cNvPr id="22" name="Rectangle 21">
-            <a:extLst>
-              <a:ext uri="{FF2B5EF4-FFF2-40B4-BE49-F238E27FC236}">
-                <a16:creationId xmlns:a16="http://schemas.microsoft.com/office/drawing/2014/main" id="{1F01744D-64D4-FDEA-99EB-411094AB7619}"/>
-              </a:ext>
-            </a:extLst>
-          </p:cNvPr>
-          <p:cNvSpPr/>
-          <p:nvPr/>
-        </p:nvSpPr>
-        <p:spPr>
-          <a:xfrm>
-            <a:off x="3245973" y="3981368"/>
-            <a:ext cx="5050645" cy="961824"/>
-          </a:xfrm>
-          <a:prstGeom prst="rect">
-            <a:avLst/>
-          </a:prstGeom>
-          <a:noFill/>
-          <a:ln>
-            <a:solidFill>
-              <a:srgbClr val="00B050"/>
-            </a:solidFill>
-          </a:ln>
-        </p:spPr>
-        <p:style>
-          <a:lnRef idx="2">
-            <a:schemeClr val="accent1">
-              <a:shade val="15000"/>
-            </a:schemeClr>
-          </a:lnRef>
-          <a:fillRef idx="1">
-            <a:schemeClr val="accent1"/>
-          </a:fillRef>
-          <a:effectRef idx="0">
-            <a:schemeClr val="accent1"/>
-          </a:effectRef>
-          <a:fontRef idx="minor">
-            <a:schemeClr val="lt1"/>
-          </a:fontRef>
-        </p:style>
-        <p:txBody>
-          <a:bodyPr rtlCol="0" anchor="ctr"/>
-          <a:lstStyle/>
-          <a:p>
-            <a:pPr algn="ctr"/>
-            <a:endParaRPr lang="en-AU"/>
-          </a:p>
-        </p:txBody>
-      </p:sp>
-      <p:cxnSp>
-        <p:nvCxnSpPr>
-          <p:cNvPr id="31" name="Straight Arrow Connector 30">
-            <a:extLst>
-              <a:ext uri="{FF2B5EF4-FFF2-40B4-BE49-F238E27FC236}">
-                <a16:creationId xmlns:a16="http://schemas.microsoft.com/office/drawing/2014/main" id="{1100C525-50A7-733C-8BE1-2972CBA67814}"/>
-              </a:ext>
-            </a:extLst>
-          </p:cNvPr>
-          <p:cNvCxnSpPr>
-            <a:cxnSpLocks/>
-            <a:stCxn id="15" idx="1"/>
-          </p:cNvCxnSpPr>
-          <p:nvPr/>
-        </p:nvCxnSpPr>
-        <p:spPr>
-          <a:xfrm flipH="1">
-            <a:off x="8296618" y="3101138"/>
-            <a:ext cx="1184790" cy="823325"/>
-          </a:xfrm>
-          <a:prstGeom prst="straightConnector1">
-            <a:avLst/>
-          </a:prstGeom>
-          <a:ln>
-            <a:tailEnd type="triangle"/>
-          </a:ln>
-        </p:spPr>
-        <p:style>
-          <a:lnRef idx="2">
-            <a:schemeClr val="accent1"/>
-          </a:lnRef>
-          <a:fillRef idx="0">
-            <a:schemeClr val="accent1"/>
-          </a:fillRef>
-          <a:effectRef idx="1">
-            <a:schemeClr val="accent1"/>
-          </a:effectRef>
-          <a:fontRef idx="minor">
-            <a:schemeClr val="tx1"/>
-          </a:fontRef>
-        </p:style>
-      </p:cxnSp>
-      <p:sp>
-        <p:nvSpPr>
-          <p:cNvPr id="6" name="TextBox 5">
-            <a:extLst>
-              <a:ext uri="{FF2B5EF4-FFF2-40B4-BE49-F238E27FC236}">
-                <a16:creationId xmlns:a16="http://schemas.microsoft.com/office/drawing/2014/main" id="{432A2FDA-9F3E-BDA1-7228-3285824944C9}"/>
-              </a:ext>
-            </a:extLst>
-          </p:cNvPr>
-          <p:cNvSpPr txBox="1"/>
-          <p:nvPr/>
-        </p:nvSpPr>
-        <p:spPr>
-          <a:xfrm>
-            <a:off x="8138916" y="503536"/>
-            <a:ext cx="2920352" cy="923330"/>
-          </a:xfrm>
-          <a:prstGeom prst="rect">
-            <a:avLst/>
-          </a:prstGeom>
-          <a:solidFill>
-            <a:schemeClr val="accent2">
-              <a:lumMod val="40000"/>
-              <a:lumOff val="60000"/>
-            </a:schemeClr>
-          </a:solidFill>
-        </p:spPr>
-        <p:txBody>
-          <a:bodyPr wrap="square" rtlCol="0">
-            <a:spAutoFit/>
-          </a:bodyPr>
-          <a:lstStyle/>
-          <a:p>
-            <a:pPr algn="ctr"/>
-            <a:r>
-              <a:rPr lang="en-CA" b="1"/>
-              <a:t>Python ignores source code comments </a:t>
-            </a:r>
-            <a:r>
-              <a:rPr lang="en-CA"/>
-              <a:t>… it just skips over them. </a:t>
-            </a:r>
-            <a:endParaRPr lang="en-AU"/>
-          </a:p>
-        </p:txBody>
-      </p:sp>
-    </p:spTree>
-    <p:extLst>
-      <p:ext uri="{BB962C8B-B14F-4D97-AF65-F5344CB8AC3E}">
-        <p14:creationId xmlns:p14="http://schemas.microsoft.com/office/powerpoint/2010/main" val="3381048815"/>
-      </p:ext>
-    </p:extLst>
-  </p:cSld>
-  <p:clrMapOvr>
-    <a:masterClrMapping/>
-  </p:clrMapOvr>
-</p:sld>
-</file>
-
-<file path=ppt/slides/slide62.xml><?xml version="1.0" encoding="utf-8"?>
-<p:sld xmlns:a="http://schemas.openxmlformats.org/drawingml/2006/main" xmlns:r="http://schemas.openxmlformats.org/officeDocument/2006/relationships" xmlns:p="http://schemas.openxmlformats.org/presentationml/2006/main">
-  <p:cSld>
-    <p:spTree>
-      <p:nvGrpSpPr>
-        <p:cNvPr id="1" name=""/>
-        <p:cNvGrpSpPr/>
-        <p:nvPr/>
-      </p:nvGrpSpPr>
-      <p:grpSpPr>
-        <a:xfrm>
-          <a:off x="0" y="0"/>
-          <a:ext cx="0" cy="0"/>
-          <a:chOff x="0" y="0"/>
-          <a:chExt cx="0" cy="0"/>
-        </a:xfrm>
-      </p:grpSpPr>
-      <p:sp>
-        <p:nvSpPr>
-          <p:cNvPr id="4" name="Slide Number Placeholder 3">
-            <a:extLst>
-              <a:ext uri="{FF2B5EF4-FFF2-40B4-BE49-F238E27FC236}">
-                <a16:creationId xmlns:a16="http://schemas.microsoft.com/office/drawing/2014/main" id="{6271E41C-B6E7-E15D-D7C1-06E4E8E5DA76}"/>
-              </a:ext>
-            </a:extLst>
-          </p:cNvPr>
-          <p:cNvSpPr>
-            <a:spLocks noGrp="1"/>
-          </p:cNvSpPr>
-          <p:nvPr>
-            <p:ph type="sldNum" sz="quarter" idx="12"/>
-          </p:nvPr>
-        </p:nvSpPr>
-        <p:spPr/>
-        <p:txBody>
-          <a:bodyPr/>
-          <a:lstStyle/>
-          <a:p>
-            <a:fld id="{CBA0A0CD-12E5-4065-8C87-26D031211F61}" type="slidenum">
-              <a:rPr lang="en-AU" smtClean="0"/>
-              <a:t>62</a:t>
-            </a:fld>
-            <a:endParaRPr lang="en-AU"/>
-          </a:p>
-        </p:txBody>
-      </p:sp>
-      <p:sp>
-        <p:nvSpPr>
           <p:cNvPr id="9" name="TextBox 8">
             <a:extLst>
               <a:ext uri="{FF2B5EF4-FFF2-40B4-BE49-F238E27FC236}">
@@ -37636,7 +36902,7 @@
         <p:spPr>
           <a:xfrm>
             <a:off x="6621579" y="190172"/>
-            <a:ext cx="5170711" cy="3416320"/>
+            <a:ext cx="5170711" cy="2862322"/>
           </a:xfrm>
           <a:prstGeom prst="rect">
             <a:avLst/>
@@ -37655,76 +36921,67 @@
           <a:lstStyle/>
           <a:p>
             <a:r>
-              <a:rPr lang="en-US" b="1"/>
-              <a:t># set the length of side 1 of the right triangle</a:t>
-            </a:r>
-          </a:p>
-          <a:p>
-            <a:r>
-              <a:rPr lang="en-US"/>
+              <a:rPr lang="en-US" b="1" dirty="0"/>
+              <a:t># set the length of the sides</a:t>
+            </a:r>
+          </a:p>
+          <a:p>
+            <a:r>
+              <a:rPr lang="en-US" dirty="0"/>
               <a:t>a = 3</a:t>
             </a:r>
           </a:p>
           <a:p>
-            <a:endParaRPr lang="en-US"/>
-          </a:p>
-          <a:p>
-            <a:r>
-              <a:rPr lang="en-US" b="1"/>
-              <a:t># set the length of side 2 of the right triangle</a:t>
-            </a:r>
-          </a:p>
-          <a:p>
-            <a:r>
-              <a:rPr lang="en-US"/>
+            <a:r>
+              <a:rPr lang="en-US" dirty="0"/>
               <a:t>b = 4</a:t>
             </a:r>
           </a:p>
           <a:p>
-            <a:endParaRPr lang="en-US"/>
-          </a:p>
-          <a:p>
-            <a:r>
-              <a:rPr lang="en-US" b="1"/>
+            <a:endParaRPr lang="en-US" dirty="0"/>
+          </a:p>
+          <a:p>
+            <a:r>
+              <a:rPr lang="en-US" b="1" dirty="0"/>
               <a:t># calculate the hypotenuse of the triangle using </a:t>
             </a:r>
             <a:br>
-              <a:rPr lang="en-US" b="1"/>
+              <a:rPr lang="en-US" b="1" dirty="0"/>
             </a:br>
             <a:r>
-              <a:rPr lang="en-US" b="1"/>
+              <a:rPr lang="en-US" b="1" dirty="0"/>
               <a:t># the Pythagorean theorem</a:t>
             </a:r>
           </a:p>
           <a:p>
             <a:r>
-              <a:rPr lang="en-US"/>
+              <a:rPr lang="en-US" dirty="0"/>
               <a:t>h = </a:t>
             </a:r>
             <a:r>
-              <a:rPr lang="en-US" err="1"/>
+              <a:rPr lang="en-US" dirty="0" err="1"/>
               <a:t>math.sqrt</a:t>
             </a:r>
             <a:r>
-              <a:rPr lang="en-US"/>
+              <a:rPr lang="en-US" dirty="0"/>
               <a:t>(a ** 2 + b ** 2)</a:t>
             </a:r>
           </a:p>
           <a:p>
-            <a:endParaRPr lang="en-US"/>
-          </a:p>
-          <a:p>
-            <a:r>
-              <a:rPr lang="en-US" b="1"/>
+            <a:endParaRPr lang="en-US" dirty="0"/>
+          </a:p>
+          <a:p>
+            <a:r>
+              <a:rPr lang="en-US" b="1" dirty="0"/>
               <a:t># print the results</a:t>
             </a:r>
           </a:p>
           <a:p>
             <a:r>
-              <a:rPr lang="en-US"/>
+              <a:rPr lang="en-US" dirty="0"/>
               <a:t>print(h)</a:t>
             </a:r>
-            <a:endParaRPr lang="en-AU"/>
+            <a:endParaRPr lang="en-AU" dirty="0"/>
           </a:p>
         </p:txBody>
       </p:sp>
@@ -37810,9 +37067,9 @@
         <p:grpSpPr>
           <a:xfrm>
             <a:off x="80197" y="0"/>
-            <a:ext cx="5683993" cy="3606492"/>
+            <a:ext cx="5683993" cy="3052494"/>
             <a:chOff x="-118979" y="0"/>
-            <a:chExt cx="5683993" cy="3606492"/>
+            <a:chExt cx="5683993" cy="3052494"/>
           </a:xfrm>
         </p:grpSpPr>
         <p:sp>
@@ -37830,7 +37087,7 @@
           <p:spPr>
             <a:xfrm>
               <a:off x="394303" y="190172"/>
-              <a:ext cx="5170711" cy="3416320"/>
+              <a:ext cx="5170711" cy="2862322"/>
             </a:xfrm>
             <a:prstGeom prst="rect">
               <a:avLst/>
@@ -37849,76 +37106,67 @@
             <a:lstStyle/>
             <a:p>
               <a:r>
-                <a:rPr lang="en-US" b="1"/>
-                <a:t># set the length of side 1 of the right triangle</a:t>
+                <a:rPr lang="en-US" b="1" dirty="0"/>
+                <a:t># set the length of the sides</a:t>
               </a:r>
             </a:p>
             <a:p>
               <a:r>
-                <a:rPr lang="en-US"/>
+                <a:rPr lang="en-US" dirty="0"/>
                 <a:t>side1 = 3</a:t>
               </a:r>
             </a:p>
             <a:p>
-              <a:endParaRPr lang="en-US"/>
-            </a:p>
-            <a:p>
               <a:r>
-                <a:rPr lang="en-US" b="1"/>
-                <a:t># set the length of side 2 of the right triangle</a:t>
-              </a:r>
-            </a:p>
-            <a:p>
-              <a:r>
-                <a:rPr lang="en-US"/>
+                <a:rPr lang="en-US" dirty="0"/>
                 <a:t>side2 = 4</a:t>
               </a:r>
             </a:p>
             <a:p>
-              <a:endParaRPr lang="en-US"/>
+              <a:endParaRPr lang="en-US" dirty="0"/>
             </a:p>
             <a:p>
               <a:r>
-                <a:rPr lang="en-US" b="1"/>
+                <a:rPr lang="en-US" b="1" dirty="0"/>
                 <a:t># calculate the hypotenuse of the triangle using </a:t>
               </a:r>
               <a:br>
-                <a:rPr lang="en-US" b="1"/>
+                <a:rPr lang="en-US" b="1" dirty="0"/>
               </a:br>
               <a:r>
-                <a:rPr lang="en-US" b="1"/>
+                <a:rPr lang="en-US" b="1" dirty="0"/>
                 <a:t># the Pythagorean theorem</a:t>
               </a:r>
             </a:p>
             <a:p>
               <a:r>
-                <a:rPr lang="en-US"/>
+                <a:rPr lang="en-US" dirty="0"/>
                 <a:t>hypotenuse = </a:t>
               </a:r>
               <a:r>
-                <a:rPr lang="en-US" err="1"/>
+                <a:rPr lang="en-US" dirty="0" err="1"/>
                 <a:t>math.sqrt</a:t>
               </a:r>
               <a:r>
-                <a:rPr lang="en-US"/>
+                <a:rPr lang="en-US" dirty="0"/>
                 <a:t>(side1 ** 2 + side2 ** 2)</a:t>
               </a:r>
             </a:p>
             <a:p>
-              <a:endParaRPr lang="en-US"/>
+              <a:endParaRPr lang="en-US" dirty="0"/>
             </a:p>
             <a:p>
               <a:r>
-                <a:rPr lang="en-US" b="1"/>
+                <a:rPr lang="en-US" b="1" dirty="0"/>
                 <a:t># print the results</a:t>
               </a:r>
             </a:p>
             <a:p>
               <a:r>
-                <a:rPr lang="en-US"/>
+                <a:rPr lang="en-US" dirty="0"/>
                 <a:t>print(hypotenuse)</a:t>
               </a:r>
-              <a:endParaRPr lang="en-AU"/>
+              <a:endParaRPr lang="en-AU" dirty="0"/>
             </a:p>
           </p:txBody>
         </p:sp>
@@ -38113,7 +37361,7 @@
         </p:nvSpPr>
         <p:spPr>
           <a:xfrm>
-            <a:off x="4702569" y="4011924"/>
+            <a:off x="4679359" y="3627991"/>
             <a:ext cx="2833282" cy="646331"/>
           </a:xfrm>
           <a:prstGeom prst="rect">
@@ -38145,6 +37393,378 @@
     <p:extLst>
       <p:ext uri="{BB962C8B-B14F-4D97-AF65-F5344CB8AC3E}">
         <p14:creationId xmlns:p14="http://schemas.microsoft.com/office/powerpoint/2010/main" val="2722314743"/>
+      </p:ext>
+    </p:extLst>
+  </p:cSld>
+  <p:clrMapOvr>
+    <a:masterClrMapping/>
+  </p:clrMapOvr>
+</p:sld>
+</file>
+
+<file path=ppt/slides/slide62.xml><?xml version="1.0" encoding="utf-8"?>
+<p:sld xmlns:a="http://schemas.openxmlformats.org/drawingml/2006/main" xmlns:r="http://schemas.openxmlformats.org/officeDocument/2006/relationships" xmlns:p="http://schemas.openxmlformats.org/presentationml/2006/main">
+  <p:cSld>
+    <p:spTree>
+      <p:nvGrpSpPr>
+        <p:cNvPr id="1" name="">
+          <a:extLst>
+            <a:ext uri="{FF2B5EF4-FFF2-40B4-BE49-F238E27FC236}">
+              <a16:creationId xmlns:a16="http://schemas.microsoft.com/office/drawing/2014/main" id="{FCB625FC-E160-E3AA-915D-17039B5D4783}"/>
+            </a:ext>
+          </a:extLst>
+        </p:cNvPr>
+        <p:cNvGrpSpPr/>
+        <p:nvPr/>
+      </p:nvGrpSpPr>
+      <p:grpSpPr>
+        <a:xfrm>
+          <a:off x="0" y="0"/>
+          <a:ext cx="0" cy="0"/>
+          <a:chOff x="0" y="0"/>
+          <a:chExt cx="0" cy="0"/>
+        </a:xfrm>
+      </p:grpSpPr>
+      <p:sp>
+        <p:nvSpPr>
+          <p:cNvPr id="2" name="Title 1">
+            <a:extLst>
+              <a:ext uri="{FF2B5EF4-FFF2-40B4-BE49-F238E27FC236}">
+                <a16:creationId xmlns:a16="http://schemas.microsoft.com/office/drawing/2014/main" id="{6ADDD90A-77AF-FDD4-97FD-3D6137F9521A}"/>
+              </a:ext>
+            </a:extLst>
+          </p:cNvPr>
+          <p:cNvSpPr>
+            <a:spLocks noGrp="1"/>
+          </p:cNvSpPr>
+          <p:nvPr>
+            <p:ph type="title"/>
+          </p:nvPr>
+        </p:nvSpPr>
+        <p:spPr>
+          <a:xfrm>
+            <a:off x="465666" y="203993"/>
+            <a:ext cx="2884116" cy="1325563"/>
+          </a:xfrm>
+        </p:spPr>
+        <p:txBody>
+          <a:bodyPr>
+            <a:normAutofit fontScale="90000"/>
+          </a:bodyPr>
+          <a:lstStyle/>
+          <a:p>
+            <a:r>
+              <a:rPr lang="en-CA"/>
+              <a:t>Source Code Comments</a:t>
+            </a:r>
+            <a:endParaRPr lang="en-AU"/>
+          </a:p>
+        </p:txBody>
+      </p:sp>
+      <p:sp>
+        <p:nvSpPr>
+          <p:cNvPr id="4" name="Slide Number Placeholder 3">
+            <a:extLst>
+              <a:ext uri="{FF2B5EF4-FFF2-40B4-BE49-F238E27FC236}">
+                <a16:creationId xmlns:a16="http://schemas.microsoft.com/office/drawing/2014/main" id="{EF9F0FC8-0457-AF20-6C03-C58CDDF4E984}"/>
+              </a:ext>
+            </a:extLst>
+          </p:cNvPr>
+          <p:cNvSpPr>
+            <a:spLocks noGrp="1"/>
+          </p:cNvSpPr>
+          <p:nvPr>
+            <p:ph type="sldNum" sz="quarter" idx="12"/>
+          </p:nvPr>
+        </p:nvSpPr>
+        <p:spPr/>
+        <p:txBody>
+          <a:bodyPr/>
+          <a:lstStyle/>
+          <a:p>
+            <a:fld id="{CBA0A0CD-12E5-4065-8C87-26D031211F61}" type="slidenum">
+              <a:rPr lang="en-AU" smtClean="0"/>
+              <a:t>62</a:t>
+            </a:fld>
+            <a:endParaRPr lang="en-AU"/>
+          </a:p>
+        </p:txBody>
+      </p:sp>
+      <p:sp>
+        <p:nvSpPr>
+          <p:cNvPr id="6" name="TextBox 5">
+            <a:extLst>
+              <a:ext uri="{FF2B5EF4-FFF2-40B4-BE49-F238E27FC236}">
+                <a16:creationId xmlns:a16="http://schemas.microsoft.com/office/drawing/2014/main" id="{CCA869DC-312B-0E61-DEB1-BF22F06A16C7}"/>
+              </a:ext>
+            </a:extLst>
+          </p:cNvPr>
+          <p:cNvSpPr txBox="1"/>
+          <p:nvPr/>
+        </p:nvSpPr>
+        <p:spPr>
+          <a:xfrm>
+            <a:off x="598639" y="3062718"/>
+            <a:ext cx="2312276" cy="923330"/>
+          </a:xfrm>
+          <a:prstGeom prst="rect">
+            <a:avLst/>
+          </a:prstGeom>
+          <a:solidFill>
+            <a:schemeClr val="accent2">
+              <a:lumMod val="40000"/>
+              <a:lumOff val="60000"/>
+            </a:schemeClr>
+          </a:solidFill>
+        </p:spPr>
+        <p:txBody>
+          <a:bodyPr wrap="square" rtlCol="0">
+            <a:spAutoFit/>
+          </a:bodyPr>
+          <a:lstStyle/>
+          <a:p>
+            <a:pPr algn="ctr"/>
+            <a:r>
+              <a:rPr lang="en-CA" dirty="0"/>
+              <a:t>There are many ways to document and format a program.</a:t>
+            </a:r>
+            <a:endParaRPr lang="en-AU" dirty="0"/>
+          </a:p>
+        </p:txBody>
+      </p:sp>
+      <p:sp>
+        <p:nvSpPr>
+          <p:cNvPr id="7" name="TextBox 6">
+            <a:extLst>
+              <a:ext uri="{FF2B5EF4-FFF2-40B4-BE49-F238E27FC236}">
+                <a16:creationId xmlns:a16="http://schemas.microsoft.com/office/drawing/2014/main" id="{5CFAB3EF-8DBF-9A98-7C6B-02A9414924D3}"/>
+              </a:ext>
+            </a:extLst>
+          </p:cNvPr>
+          <p:cNvSpPr txBox="1"/>
+          <p:nvPr/>
+        </p:nvSpPr>
+        <p:spPr>
+          <a:xfrm>
+            <a:off x="3810461" y="203993"/>
+            <a:ext cx="7782900" cy="6186309"/>
+          </a:xfrm>
+          <a:prstGeom prst="rect">
+            <a:avLst/>
+          </a:prstGeom>
+          <a:noFill/>
+        </p:spPr>
+        <p:txBody>
+          <a:bodyPr wrap="none" rtlCol="0">
+            <a:spAutoFit/>
+          </a:bodyPr>
+          <a:lstStyle/>
+          <a:p>
+            <a:r>
+              <a:rPr lang="en-CA" dirty="0">
+                <a:latin typeface="Consolas" panose="020B0609020204030204" pitchFamily="49" charset="0"/>
+                <a:cs typeface="Consolas" panose="020B0609020204030204" pitchFamily="49" charset="0"/>
+              </a:rPr>
+              <a:t>#</a:t>
+            </a:r>
+          </a:p>
+          <a:p>
+            <a:r>
+              <a:rPr lang="en-CA" dirty="0">
+                <a:latin typeface="Consolas" panose="020B0609020204030204" pitchFamily="49" charset="0"/>
+                <a:cs typeface="Consolas" panose="020B0609020204030204" pitchFamily="49" charset="0"/>
+              </a:rPr>
+              <a:t># This program calculates the hypotenuse of a right triangle</a:t>
+            </a:r>
+          </a:p>
+          <a:p>
+            <a:r>
+              <a:rPr lang="en-CA" dirty="0">
+                <a:latin typeface="Consolas" panose="020B0609020204030204" pitchFamily="49" charset="0"/>
+                <a:cs typeface="Consolas" panose="020B0609020204030204" pitchFamily="49" charset="0"/>
+              </a:rPr>
+              <a:t># given the lengths of the two sides (side1 and side2).</a:t>
+            </a:r>
+          </a:p>
+          <a:p>
+            <a:r>
+              <a:rPr lang="en-CA" dirty="0">
+                <a:latin typeface="Consolas" panose="020B0609020204030204" pitchFamily="49" charset="0"/>
+                <a:cs typeface="Consolas" panose="020B0609020204030204" pitchFamily="49" charset="0"/>
+              </a:rPr>
+              <a:t>#</a:t>
+            </a:r>
+          </a:p>
+          <a:p>
+            <a:r>
+              <a:rPr lang="en-CA" dirty="0">
+                <a:latin typeface="Consolas" panose="020B0609020204030204" pitchFamily="49" charset="0"/>
+                <a:cs typeface="Consolas" panose="020B0609020204030204" pitchFamily="49" charset="0"/>
+              </a:rPr>
+              <a:t>#     |\</a:t>
+            </a:r>
+          </a:p>
+          <a:p>
+            <a:r>
+              <a:rPr lang="en-CA" dirty="0">
+                <a:latin typeface="Consolas" panose="020B0609020204030204" pitchFamily="49" charset="0"/>
+                <a:cs typeface="Consolas" panose="020B0609020204030204" pitchFamily="49" charset="0"/>
+              </a:rPr>
+              <a:t>#     | \</a:t>
+            </a:r>
+          </a:p>
+          <a:p>
+            <a:r>
+              <a:rPr lang="en-CA" dirty="0">
+                <a:latin typeface="Consolas" panose="020B0609020204030204" pitchFamily="49" charset="0"/>
+                <a:cs typeface="Consolas" panose="020B0609020204030204" pitchFamily="49" charset="0"/>
+              </a:rPr>
+              <a:t>#     |  \          Pythagorean theorem</a:t>
+            </a:r>
+          </a:p>
+          <a:p>
+            <a:r>
+              <a:rPr lang="en-CA" dirty="0">
+                <a:latin typeface="Consolas" panose="020B0609020204030204" pitchFamily="49" charset="0"/>
+                <a:cs typeface="Consolas" panose="020B0609020204030204" pitchFamily="49" charset="0"/>
+              </a:rPr>
+              <a:t>#   a |   \  hypotenuse = sqrt(a ** 2 + b ** 2)</a:t>
+            </a:r>
+          </a:p>
+          <a:p>
+            <a:r>
+              <a:rPr lang="en-CA" dirty="0">
+                <a:latin typeface="Consolas" panose="020B0609020204030204" pitchFamily="49" charset="0"/>
+                <a:cs typeface="Consolas" panose="020B0609020204030204" pitchFamily="49" charset="0"/>
+              </a:rPr>
+              <a:t>#     |    \      </a:t>
+            </a:r>
+          </a:p>
+          <a:p>
+            <a:r>
+              <a:rPr lang="en-CA" dirty="0">
+                <a:latin typeface="Consolas" panose="020B0609020204030204" pitchFamily="49" charset="0"/>
+                <a:cs typeface="Consolas" panose="020B0609020204030204" pitchFamily="49" charset="0"/>
+              </a:rPr>
+              <a:t>#     |     \</a:t>
+            </a:r>
+          </a:p>
+          <a:p>
+            <a:r>
+              <a:rPr lang="en-CA" dirty="0">
+                <a:latin typeface="Consolas" panose="020B0609020204030204" pitchFamily="49" charset="0"/>
+                <a:cs typeface="Consolas" panose="020B0609020204030204" pitchFamily="49" charset="0"/>
+              </a:rPr>
+              <a:t>#     +------+</a:t>
+            </a:r>
+          </a:p>
+          <a:p>
+            <a:r>
+              <a:rPr lang="en-CA" dirty="0">
+                <a:latin typeface="Consolas" panose="020B0609020204030204" pitchFamily="49" charset="0"/>
+                <a:cs typeface="Consolas" panose="020B0609020204030204" pitchFamily="49" charset="0"/>
+              </a:rPr>
+              <a:t>#        b</a:t>
+            </a:r>
+          </a:p>
+          <a:p>
+            <a:r>
+              <a:rPr lang="en-CA" dirty="0">
+                <a:latin typeface="Consolas" panose="020B0609020204030204" pitchFamily="49" charset="0"/>
+                <a:cs typeface="Consolas" panose="020B0609020204030204" pitchFamily="49" charset="0"/>
+              </a:rPr>
+              <a:t>#</a:t>
+            </a:r>
+          </a:p>
+          <a:p>
+            <a:endParaRPr lang="en-CA" dirty="0">
+              <a:latin typeface="Consolas" panose="020B0609020204030204" pitchFamily="49" charset="0"/>
+              <a:cs typeface="Consolas" panose="020B0609020204030204" pitchFamily="49" charset="0"/>
+            </a:endParaRPr>
+          </a:p>
+          <a:p>
+            <a:r>
+              <a:rPr lang="en-CA" dirty="0">
+                <a:latin typeface="Consolas" panose="020B0609020204030204" pitchFamily="49" charset="0"/>
+                <a:cs typeface="Consolas" panose="020B0609020204030204" pitchFamily="49" charset="0"/>
+              </a:rPr>
+              <a:t>import math</a:t>
+            </a:r>
+          </a:p>
+          <a:p>
+            <a:br>
+              <a:rPr lang="en-CA" dirty="0">
+                <a:latin typeface="Consolas" panose="020B0609020204030204" pitchFamily="49" charset="0"/>
+                <a:cs typeface="Consolas" panose="020B0609020204030204" pitchFamily="49" charset="0"/>
+              </a:rPr>
+            </a:br>
+            <a:r>
+              <a:rPr lang="en-CA" dirty="0">
+                <a:latin typeface="Consolas" panose="020B0609020204030204" pitchFamily="49" charset="0"/>
+                <a:cs typeface="Consolas" panose="020B0609020204030204" pitchFamily="49" charset="0"/>
+              </a:rPr>
+              <a:t>a = 3</a:t>
+            </a:r>
+          </a:p>
+          <a:p>
+            <a:r>
+              <a:rPr lang="en-CA" dirty="0">
+                <a:latin typeface="Consolas" panose="020B0609020204030204" pitchFamily="49" charset="0"/>
+                <a:cs typeface="Consolas" panose="020B0609020204030204" pitchFamily="49" charset="0"/>
+              </a:rPr>
+              <a:t>b = 4</a:t>
+            </a:r>
+          </a:p>
+          <a:p>
+            <a:br>
+              <a:rPr lang="en-CA" dirty="0">
+                <a:latin typeface="Consolas" panose="020B0609020204030204" pitchFamily="49" charset="0"/>
+                <a:cs typeface="Consolas" panose="020B0609020204030204" pitchFamily="49" charset="0"/>
+              </a:rPr>
+            </a:br>
+            <a:r>
+              <a:rPr lang="en-CA" dirty="0">
+                <a:latin typeface="Consolas" panose="020B0609020204030204" pitchFamily="49" charset="0"/>
+                <a:cs typeface="Consolas" panose="020B0609020204030204" pitchFamily="49" charset="0"/>
+              </a:rPr>
+              <a:t>hypotenuse = </a:t>
+            </a:r>
+            <a:r>
+              <a:rPr lang="en-CA" dirty="0" err="1">
+                <a:latin typeface="Consolas" panose="020B0609020204030204" pitchFamily="49" charset="0"/>
+                <a:cs typeface="Consolas" panose="020B0609020204030204" pitchFamily="49" charset="0"/>
+              </a:rPr>
+              <a:t>math.sqrt</a:t>
+            </a:r>
+            <a:r>
+              <a:rPr lang="en-CA" dirty="0">
+                <a:latin typeface="Consolas" panose="020B0609020204030204" pitchFamily="49" charset="0"/>
+                <a:cs typeface="Consolas" panose="020B0609020204030204" pitchFamily="49" charset="0"/>
+              </a:rPr>
+              <a:t>(a ** 2 + b ** 2)</a:t>
+            </a:r>
+          </a:p>
+          <a:p>
+            <a:br>
+              <a:rPr lang="en-CA" dirty="0">
+                <a:latin typeface="Consolas" panose="020B0609020204030204" pitchFamily="49" charset="0"/>
+                <a:cs typeface="Consolas" panose="020B0609020204030204" pitchFamily="49" charset="0"/>
+              </a:rPr>
+            </a:br>
+            <a:r>
+              <a:rPr lang="en-CA" dirty="0">
+                <a:latin typeface="Consolas" panose="020B0609020204030204" pitchFamily="49" charset="0"/>
+                <a:cs typeface="Consolas" panose="020B0609020204030204" pitchFamily="49" charset="0"/>
+              </a:rPr>
+              <a:t>print(hypotenuse)</a:t>
+            </a:r>
+          </a:p>
+        </p:txBody>
+      </p:sp>
+    </p:spTree>
+    <p:extLst>
+      <p:ext uri="{BB962C8B-B14F-4D97-AF65-F5344CB8AC3E}">
+        <p14:creationId xmlns:p14="http://schemas.microsoft.com/office/powerpoint/2010/main" val="2826548480"/>
       </p:ext>
     </p:extLst>
   </p:cSld>
@@ -38251,7 +37871,7 @@
         <p:spPr>
           <a:xfrm>
             <a:off x="3245974" y="2362474"/>
-            <a:ext cx="5170711" cy="2308324"/>
+            <a:ext cx="7689862" cy="1477328"/>
           </a:xfrm>
           <a:prstGeom prst="rect">
             <a:avLst/>
@@ -38265,45 +37885,28 @@
           <a:lstStyle/>
           <a:p>
             <a:r>
-              <a:rPr lang="en-US" b="1"/>
-              <a:t># set the length of side 1 of the right triangle</a:t>
-            </a:r>
-            <a:endParaRPr lang="en-US"/>
-          </a:p>
-          <a:p>
-            <a:endParaRPr lang="en-US"/>
-          </a:p>
-          <a:p>
-            <a:r>
-              <a:rPr lang="en-US" b="1"/>
-              <a:t># set the length of side 2 of the right triangle</a:t>
-            </a:r>
-            <a:endParaRPr lang="en-US"/>
-          </a:p>
-          <a:p>
-            <a:endParaRPr lang="en-US"/>
-          </a:p>
-          <a:p>
-            <a:r>
-              <a:rPr lang="en-US" b="1"/>
-              <a:t># calculate the hypotenuse of the triangle using </a:t>
+              <a:rPr lang="en-US" b="1" dirty="0"/>
+              <a:t>set the length of the sides</a:t>
+            </a:r>
+            <a:endParaRPr lang="en-US" dirty="0"/>
+          </a:p>
+          <a:p>
+            <a:endParaRPr lang="en-US" dirty="0"/>
+          </a:p>
+          <a:p>
+            <a:r>
+              <a:rPr lang="en-US" b="1" dirty="0"/>
+              <a:t>calculate the hypotenuse of the triangle using  the Pythagorean theorem</a:t>
             </a:r>
             <a:br>
-              <a:rPr lang="en-US" b="1"/>
+              <a:rPr lang="en-US" b="1" dirty="0"/>
             </a:br>
-            <a:r>
-              <a:rPr lang="en-US" b="1"/>
-              <a:t># the Pythagorean theorem</a:t>
-            </a:r>
-            <a:br>
-              <a:rPr lang="en-US" b="1"/>
-            </a:br>
-            <a:endParaRPr lang="en-US"/>
-          </a:p>
-          <a:p>
-            <a:r>
-              <a:rPr lang="en-US" b="1"/>
-              <a:t># print the results</a:t>
+            <a:endParaRPr lang="en-US" dirty="0"/>
+          </a:p>
+          <a:p>
+            <a:r>
+              <a:rPr lang="en-US" b="1" dirty="0"/>
+              <a:t> print the results</a:t>
             </a:r>
           </a:p>
         </p:txBody>
@@ -38343,8 +37946,8 @@
           <a:p>
             <a:pPr algn="ctr"/>
             <a:r>
-              <a:rPr lang="en-AU"/>
-              <a:t>A good way to write some programs is to write down each step in comments first, and then fill in the code …</a:t>
+              <a:rPr lang="en-AU" dirty="0"/>
+              <a:t>A good way to write some programs is to write down each step, write them as comments first, and then fill in the code …</a:t>
             </a:r>
           </a:p>
         </p:txBody>
@@ -38363,7 +37966,7 @@
         </p:nvSpPr>
         <p:spPr>
           <a:xfrm>
-            <a:off x="8765050" y="2967335"/>
+            <a:off x="7279104" y="3713081"/>
             <a:ext cx="3250305" cy="923330"/>
           </a:xfrm>
           <a:prstGeom prst="rect">
@@ -38416,7 +38019,13 @@
   <p:cSld>
     <p:spTree>
       <p:nvGrpSpPr>
-        <p:cNvPr id="1" name=""/>
+        <p:cNvPr id="1" name="">
+          <a:extLst>
+            <a:ext uri="{FF2B5EF4-FFF2-40B4-BE49-F238E27FC236}">
+              <a16:creationId xmlns:a16="http://schemas.microsoft.com/office/drawing/2014/main" id="{7DD12245-B5B5-EB0E-DD0E-D43F4F09585C}"/>
+            </a:ext>
+          </a:extLst>
+        </p:cNvPr>
         <p:cNvGrpSpPr/>
         <p:nvPr/>
       </p:nvGrpSpPr>
@@ -38433,7 +38042,7 @@
           <p:cNvPr id="2" name="Title 1">
             <a:extLst>
               <a:ext uri="{FF2B5EF4-FFF2-40B4-BE49-F238E27FC236}">
-                <a16:creationId xmlns:a16="http://schemas.microsoft.com/office/drawing/2014/main" id="{A5E6C931-848B-61E7-A584-2A3E14781E8C}"/>
+                <a16:creationId xmlns:a16="http://schemas.microsoft.com/office/drawing/2014/main" id="{B9534BC8-5793-CC2B-D665-0D5B2786A9B5}"/>
               </a:ext>
             </a:extLst>
           </p:cNvPr>
@@ -38469,7 +38078,7 @@
           <p:cNvPr id="4" name="Slide Number Placeholder 3">
             <a:extLst>
               <a:ext uri="{FF2B5EF4-FFF2-40B4-BE49-F238E27FC236}">
-                <a16:creationId xmlns:a16="http://schemas.microsoft.com/office/drawing/2014/main" id="{6271E41C-B6E7-E15D-D7C1-06E4E8E5DA76}"/>
+                <a16:creationId xmlns:a16="http://schemas.microsoft.com/office/drawing/2014/main" id="{DEAD024D-97C7-ADC4-20C3-3AAC0DF1AA9A}"/>
               </a:ext>
             </a:extLst>
           </p:cNvPr>
@@ -38498,7 +38107,7 @@
           <p:cNvPr id="13" name="TextBox 12">
             <a:extLst>
               <a:ext uri="{FF2B5EF4-FFF2-40B4-BE49-F238E27FC236}">
-                <a16:creationId xmlns:a16="http://schemas.microsoft.com/office/drawing/2014/main" id="{5C3CB041-437A-DDC4-FD22-B5E3515334BD}"/>
+                <a16:creationId xmlns:a16="http://schemas.microsoft.com/office/drawing/2014/main" id="{6603F97C-11E0-42A2-6011-47B707022333}"/>
               </a:ext>
             </a:extLst>
           </p:cNvPr>
@@ -38508,7 +38117,7 @@
         <p:spPr>
           <a:xfrm>
             <a:off x="3245974" y="2362474"/>
-            <a:ext cx="5170711" cy="2862322"/>
+            <a:ext cx="5025667" cy="1754326"/>
           </a:xfrm>
           <a:prstGeom prst="rect">
             <a:avLst/>
@@ -38516,60 +38125,41 @@
           <a:noFill/>
         </p:spPr>
         <p:txBody>
-          <a:bodyPr wrap="none" rtlCol="0">
+          <a:bodyPr wrap="square" rtlCol="0">
             <a:spAutoFit/>
           </a:bodyPr>
           <a:lstStyle/>
           <a:p>
             <a:r>
-              <a:rPr lang="en-US" b="1"/>
-              <a:t># set the length of side 1 of the right triangle</a:t>
-            </a:r>
-          </a:p>
-          <a:p>
-            <a:r>
-              <a:rPr lang="en-US"/>
-              <a:t>side1 = 3</a:t>
-            </a:r>
-          </a:p>
-          <a:p>
-            <a:endParaRPr lang="en-US"/>
-          </a:p>
-          <a:p>
-            <a:r>
-              <a:rPr lang="en-US" b="1"/>
-              <a:t># set the length of side 2 of the right triangle</a:t>
-            </a:r>
-            <a:endParaRPr lang="en-US"/>
-          </a:p>
-          <a:p>
-            <a:endParaRPr lang="en-US"/>
-          </a:p>
-          <a:p>
-            <a:r>
-              <a:rPr lang="en-US" b="1"/>
-              <a:t># calculate the hypotenuse of the triangle using </a:t>
+              <a:rPr lang="en-US" b="1" dirty="0"/>
+              <a:t># set the length of the sides</a:t>
+            </a:r>
+            <a:endParaRPr lang="en-US" dirty="0"/>
+          </a:p>
+          <a:p>
+            <a:endParaRPr lang="en-US" dirty="0"/>
+          </a:p>
+          <a:p>
+            <a:r>
+              <a:rPr lang="en-US" b="1" dirty="0"/>
+              <a:t># calculate the hypotenuse of the triangle </a:t>
+            </a:r>
+          </a:p>
+          <a:p>
+            <a:r>
+              <a:rPr lang="en-US" b="1" dirty="0"/>
+              <a:t># using  the Pythagorean theorem</a:t>
             </a:r>
             <a:br>
-              <a:rPr lang="en-US" b="1"/>
+              <a:rPr lang="en-US" b="1" dirty="0"/>
             </a:br>
-            <a:r>
-              <a:rPr lang="en-US" b="1"/>
-              <a:t># the Pythagorean theorem</a:t>
-            </a:r>
-            <a:endParaRPr lang="en-US"/>
-          </a:p>
-          <a:p>
-            <a:endParaRPr lang="en-US"/>
-          </a:p>
-          <a:p>
-            <a:r>
-              <a:rPr lang="en-US" b="1"/>
-              <a:t># print the results</a:t>
-            </a:r>
-          </a:p>
-          <a:p>
-            <a:endParaRPr lang="en-AU"/>
+            <a:endParaRPr lang="en-US" dirty="0"/>
+          </a:p>
+          <a:p>
+            <a:r>
+              <a:rPr lang="en-US" b="1" dirty="0"/>
+              <a:t> # print the results</a:t>
+            </a:r>
           </a:p>
         </p:txBody>
       </p:sp>
@@ -38578,7 +38168,7 @@
           <p:cNvPr id="5" name="TextBox 4">
             <a:extLst>
               <a:ext uri="{FF2B5EF4-FFF2-40B4-BE49-F238E27FC236}">
-                <a16:creationId xmlns:a16="http://schemas.microsoft.com/office/drawing/2014/main" id="{E44F6A4F-48D2-9A0B-B9D7-889B8BBBF9EB}"/>
+                <a16:creationId xmlns:a16="http://schemas.microsoft.com/office/drawing/2014/main" id="{FF85DD47-E7C3-DAF7-5B6A-FD80221B5A45}"/>
               </a:ext>
             </a:extLst>
           </p:cNvPr>
@@ -38608,8 +38198,57 @@
           <a:p>
             <a:pPr algn="ctr"/>
             <a:r>
+              <a:rPr lang="en-AU" dirty="0"/>
+              <a:t>A good way to write some programs is to write down each step, write them as comments first, and then fill in the code …</a:t>
+            </a:r>
+          </a:p>
+        </p:txBody>
+      </p:sp>
+      <p:sp>
+        <p:nvSpPr>
+          <p:cNvPr id="3" name="TextBox 2">
+            <a:extLst>
+              <a:ext uri="{FF2B5EF4-FFF2-40B4-BE49-F238E27FC236}">
+                <a16:creationId xmlns:a16="http://schemas.microsoft.com/office/drawing/2014/main" id="{5ABA55B0-3B9E-F875-92BD-8B5821F7CB34}"/>
+              </a:ext>
+            </a:extLst>
+          </p:cNvPr>
+          <p:cNvSpPr txBox="1"/>
+          <p:nvPr/>
+        </p:nvSpPr>
+        <p:spPr>
+          <a:xfrm>
+            <a:off x="7279104" y="3713081"/>
+            <a:ext cx="3250305" cy="923330"/>
+          </a:xfrm>
+          <a:prstGeom prst="rect">
+            <a:avLst/>
+          </a:prstGeom>
+          <a:solidFill>
+            <a:schemeClr val="accent2">
+              <a:lumMod val="40000"/>
+              <a:lumOff val="60000"/>
+            </a:schemeClr>
+          </a:solidFill>
+        </p:spPr>
+        <p:txBody>
+          <a:bodyPr wrap="square" rtlCol="0">
+            <a:spAutoFit/>
+          </a:bodyPr>
+          <a:lstStyle/>
+          <a:p>
+            <a:pPr algn="ctr"/>
+            <a:r>
               <a:rPr lang="en-AU"/>
-              <a:t>A good way to write some programs is to write down each step in comments first, and then fill in the code …</a:t>
+              <a:t>This is </a:t>
+            </a:r>
+            <a:r>
+              <a:rPr lang="en-AU" b="1"/>
+              <a:t>pseudocode</a:t>
+            </a:r>
+            <a:r>
+              <a:rPr lang="en-AU"/>
+              <a:t>: a program written in an English-like form that’s easy for humans to read.</a:t>
             </a:r>
           </a:p>
         </p:txBody>
@@ -38617,7 +38256,7 @@
     </p:spTree>
     <p:extLst>
       <p:ext uri="{BB962C8B-B14F-4D97-AF65-F5344CB8AC3E}">
-        <p14:creationId xmlns:p14="http://schemas.microsoft.com/office/powerpoint/2010/main" val="155828000"/>
+        <p14:creationId xmlns:p14="http://schemas.microsoft.com/office/powerpoint/2010/main" val="1118674607"/>
       </p:ext>
     </p:extLst>
   </p:cSld>
@@ -38724,7 +38363,7 @@
         <p:spPr>
           <a:xfrm>
             <a:off x="3245974" y="2362474"/>
-            <a:ext cx="5170711" cy="2862322"/>
+            <a:ext cx="5277916" cy="2585323"/>
           </a:xfrm>
           <a:prstGeom prst="rect">
             <a:avLst/>
@@ -38732,61 +38371,56 @@
           <a:noFill/>
         </p:spPr>
         <p:txBody>
-          <a:bodyPr wrap="none" rtlCol="0">
+          <a:bodyPr wrap="square" rtlCol="0">
             <a:spAutoFit/>
           </a:bodyPr>
           <a:lstStyle/>
           <a:p>
             <a:r>
-              <a:rPr lang="en-US" b="1"/>
-              <a:t># set the length of side 1 of the right triangle</a:t>
-            </a:r>
-          </a:p>
-          <a:p>
-            <a:r>
-              <a:rPr lang="en-US"/>
+              <a:rPr lang="en-US" b="1" dirty="0"/>
+              <a:t># set the length of the sides</a:t>
+            </a:r>
+          </a:p>
+          <a:p>
+            <a:r>
+              <a:rPr lang="en-US" dirty="0"/>
               <a:t>side1 = 3</a:t>
             </a:r>
           </a:p>
           <a:p>
-            <a:endParaRPr lang="en-US"/>
-          </a:p>
-          <a:p>
-            <a:r>
-              <a:rPr lang="en-US" b="1"/>
-              <a:t># set the length of side 2 of the right triangle</a:t>
-            </a:r>
-          </a:p>
-          <a:p>
-            <a:r>
-              <a:rPr lang="en-US"/>
+            <a:r>
+              <a:rPr lang="en-US" dirty="0"/>
               <a:t>side2 = 4</a:t>
             </a:r>
           </a:p>
           <a:p>
-            <a:endParaRPr lang="en-US"/>
-          </a:p>
-          <a:p>
-            <a:r>
-              <a:rPr lang="en-US" b="1"/>
+            <a:endParaRPr lang="en-US" dirty="0"/>
+          </a:p>
+          <a:p>
+            <a:r>
+              <a:rPr lang="en-US" b="1" dirty="0"/>
               <a:t># calculate the hypotenuse of the triangle using </a:t>
             </a:r>
             <a:br>
-              <a:rPr lang="en-US" b="1"/>
+              <a:rPr lang="en-US" b="1" dirty="0"/>
             </a:br>
             <a:r>
-              <a:rPr lang="en-US" b="1"/>
+              <a:rPr lang="en-US" b="1" dirty="0"/>
               <a:t># the Pythagorean theorem</a:t>
             </a:r>
-          </a:p>
-          <a:p>
-            <a:endParaRPr lang="en-US"/>
-          </a:p>
-          <a:p>
-            <a:r>
-              <a:rPr lang="en-US" b="1"/>
+            <a:endParaRPr lang="en-US" dirty="0"/>
+          </a:p>
+          <a:p>
+            <a:endParaRPr lang="en-US" dirty="0"/>
+          </a:p>
+          <a:p>
+            <a:r>
+              <a:rPr lang="en-US" b="1" dirty="0"/>
               <a:t># print the results</a:t>
             </a:r>
+          </a:p>
+          <a:p>
+            <a:endParaRPr lang="en-AU" dirty="0"/>
           </a:p>
         </p:txBody>
       </p:sp>
@@ -38834,7 +38468,7 @@
     </p:spTree>
     <p:extLst>
       <p:ext uri="{BB962C8B-B14F-4D97-AF65-F5344CB8AC3E}">
-        <p14:creationId xmlns:p14="http://schemas.microsoft.com/office/powerpoint/2010/main" val="3184009082"/>
+        <p14:creationId xmlns:p14="http://schemas.microsoft.com/office/powerpoint/2010/main" val="155828000"/>
       </p:ext>
     </p:extLst>
   </p:cSld>
@@ -38947,7 +38581,7 @@
         <p:spPr>
           <a:xfrm>
             <a:off x="3245974" y="2362474"/>
-            <a:ext cx="5170711" cy="3139321"/>
+            <a:ext cx="5170711" cy="2585323"/>
           </a:xfrm>
           <a:prstGeom prst="rect">
             <a:avLst/>
@@ -38961,67 +38595,58 @@
           <a:lstStyle/>
           <a:p>
             <a:r>
-              <a:rPr lang="en-US" b="1"/>
-              <a:t># set the length of side 1 of the right triangle</a:t>
-            </a:r>
-          </a:p>
-          <a:p>
-            <a:r>
-              <a:rPr lang="en-US"/>
+              <a:rPr lang="en-US" b="1" dirty="0"/>
+              <a:t># set the length of the sides</a:t>
+            </a:r>
+          </a:p>
+          <a:p>
+            <a:r>
+              <a:rPr lang="en-US" dirty="0"/>
               <a:t>side1 = 3</a:t>
             </a:r>
           </a:p>
           <a:p>
-            <a:endParaRPr lang="en-US"/>
-          </a:p>
-          <a:p>
-            <a:r>
-              <a:rPr lang="en-US" b="1"/>
-              <a:t># set the length of side 2 of the right triangle</a:t>
-            </a:r>
-          </a:p>
-          <a:p>
-            <a:r>
-              <a:rPr lang="en-US"/>
+            <a:r>
+              <a:rPr lang="en-US" dirty="0"/>
               <a:t>side2 = 4</a:t>
             </a:r>
           </a:p>
           <a:p>
-            <a:endParaRPr lang="en-US"/>
-          </a:p>
-          <a:p>
-            <a:r>
-              <a:rPr lang="en-US" b="1"/>
+            <a:endParaRPr lang="en-US" dirty="0"/>
+          </a:p>
+          <a:p>
+            <a:r>
+              <a:rPr lang="en-US" b="1" dirty="0"/>
               <a:t># calculate the hypotenuse of the triangle using </a:t>
             </a:r>
             <a:br>
-              <a:rPr lang="en-US" b="1"/>
+              <a:rPr lang="en-US" b="1" dirty="0"/>
             </a:br>
             <a:r>
-              <a:rPr lang="en-US" b="1"/>
+              <a:rPr lang="en-US" b="1" dirty="0"/>
               <a:t># the Pythagorean theorem</a:t>
             </a:r>
           </a:p>
           <a:p>
             <a:r>
-              <a:rPr lang="en-US"/>
+              <a:rPr lang="en-US" dirty="0"/>
               <a:t>hypotenuse = </a:t>
             </a:r>
             <a:r>
-              <a:rPr lang="en-US" err="1"/>
+              <a:rPr lang="en-US" dirty="0" err="1"/>
               <a:t>math.sqrt</a:t>
             </a:r>
             <a:r>
-              <a:rPr lang="en-US"/>
+              <a:rPr lang="en-US" dirty="0"/>
               <a:t>(side1 ** 2 + side2 ** 2)</a:t>
             </a:r>
           </a:p>
           <a:p>
-            <a:endParaRPr lang="en-US"/>
-          </a:p>
-          <a:p>
-            <a:r>
-              <a:rPr lang="en-US" b="1"/>
+            <a:endParaRPr lang="en-US" dirty="0"/>
+          </a:p>
+          <a:p>
+            <a:r>
+              <a:rPr lang="en-US" b="1" dirty="0"/>
               <a:t># print the results</a:t>
             </a:r>
           </a:p>
@@ -39178,7 +38803,7 @@
         <p:spPr>
           <a:xfrm>
             <a:off x="3245974" y="2362474"/>
-            <a:ext cx="5170711" cy="3416320"/>
+            <a:ext cx="5170711" cy="2862322"/>
           </a:xfrm>
           <a:prstGeom prst="rect">
             <a:avLst/>
@@ -39192,76 +38817,67 @@
           <a:lstStyle/>
           <a:p>
             <a:r>
-              <a:rPr lang="en-US" b="1"/>
-              <a:t># set the length of side 1 of the right triangle</a:t>
-            </a:r>
-          </a:p>
-          <a:p>
-            <a:r>
-              <a:rPr lang="en-US"/>
+              <a:rPr lang="en-US" b="1" dirty="0"/>
+              <a:t># set the length of the sides</a:t>
+            </a:r>
+          </a:p>
+          <a:p>
+            <a:r>
+              <a:rPr lang="en-US" dirty="0"/>
               <a:t>side1 = 3</a:t>
             </a:r>
           </a:p>
           <a:p>
-            <a:endParaRPr lang="en-US"/>
-          </a:p>
-          <a:p>
-            <a:r>
-              <a:rPr lang="en-US" b="1"/>
-              <a:t># set the length of side 2 of the right triangle</a:t>
-            </a:r>
-          </a:p>
-          <a:p>
-            <a:r>
-              <a:rPr lang="en-US"/>
+            <a:r>
+              <a:rPr lang="en-US" dirty="0"/>
               <a:t>side2 = 4</a:t>
             </a:r>
           </a:p>
           <a:p>
-            <a:endParaRPr lang="en-US"/>
-          </a:p>
-          <a:p>
-            <a:r>
-              <a:rPr lang="en-US" b="1"/>
+            <a:endParaRPr lang="en-US" dirty="0"/>
+          </a:p>
+          <a:p>
+            <a:r>
+              <a:rPr lang="en-US" b="1" dirty="0"/>
               <a:t># calculate the hypotenuse of the triangle using </a:t>
             </a:r>
             <a:br>
-              <a:rPr lang="en-US" b="1"/>
+              <a:rPr lang="en-US" b="1" dirty="0"/>
             </a:br>
             <a:r>
-              <a:rPr lang="en-US" b="1"/>
+              <a:rPr lang="en-US" b="1" dirty="0"/>
               <a:t># the Pythagorean theorem</a:t>
             </a:r>
           </a:p>
           <a:p>
             <a:r>
-              <a:rPr lang="en-US"/>
+              <a:rPr lang="en-US" dirty="0"/>
               <a:t>hypotenuse = </a:t>
             </a:r>
             <a:r>
-              <a:rPr lang="en-US" err="1"/>
+              <a:rPr lang="en-US" dirty="0" err="1"/>
               <a:t>math.sqrt</a:t>
             </a:r>
             <a:r>
-              <a:rPr lang="en-US"/>
+              <a:rPr lang="en-US" dirty="0"/>
               <a:t>(side1 ** 2 + side2 ** 2)</a:t>
             </a:r>
           </a:p>
           <a:p>
-            <a:endParaRPr lang="en-US"/>
-          </a:p>
-          <a:p>
-            <a:r>
-              <a:rPr lang="en-US" b="1"/>
+            <a:endParaRPr lang="en-US" dirty="0"/>
+          </a:p>
+          <a:p>
+            <a:r>
+              <a:rPr lang="en-US" b="1" dirty="0"/>
               <a:t># print the results</a:t>
             </a:r>
           </a:p>
           <a:p>
             <a:r>
-              <a:rPr lang="en-US"/>
+              <a:rPr lang="en-US" dirty="0"/>
               <a:t>print(hypotenuse)</a:t>
             </a:r>
-            <a:endParaRPr lang="en-AU"/>
+            <a:endParaRPr lang="en-AU" dirty="0"/>
           </a:p>
         </p:txBody>
       </p:sp>
@@ -39310,6 +38926,220 @@
     <p:extLst>
       <p:ext uri="{BB962C8B-B14F-4D97-AF65-F5344CB8AC3E}">
         <p14:creationId xmlns:p14="http://schemas.microsoft.com/office/powerpoint/2010/main" val="3885649669"/>
+      </p:ext>
+    </p:extLst>
+  </p:cSld>
+  <p:clrMapOvr>
+    <a:masterClrMapping/>
+  </p:clrMapOvr>
+</p:sld>
+</file>
+
+<file path=ppt/slides/slide68.xml><?xml version="1.0" encoding="utf-8"?>
+<p:sld xmlns:a="http://schemas.openxmlformats.org/drawingml/2006/main" xmlns:r="http://schemas.openxmlformats.org/officeDocument/2006/relationships" xmlns:p="http://schemas.openxmlformats.org/presentationml/2006/main">
+  <p:cSld>
+    <p:spTree>
+      <p:nvGrpSpPr>
+        <p:cNvPr id="1" name="">
+          <a:extLst>
+            <a:ext uri="{FF2B5EF4-FFF2-40B4-BE49-F238E27FC236}">
+              <a16:creationId xmlns:a16="http://schemas.microsoft.com/office/drawing/2014/main" id="{11D3E9BE-9B15-B2BF-F4A3-9D3EF07456FD}"/>
+            </a:ext>
+          </a:extLst>
+        </p:cNvPr>
+        <p:cNvGrpSpPr/>
+        <p:nvPr/>
+      </p:nvGrpSpPr>
+      <p:grpSpPr>
+        <a:xfrm>
+          <a:off x="0" y="0"/>
+          <a:ext cx="0" cy="0"/>
+          <a:chOff x="0" y="0"/>
+          <a:chExt cx="0" cy="0"/>
+        </a:xfrm>
+      </p:grpSpPr>
+      <p:sp>
+        <p:nvSpPr>
+          <p:cNvPr id="2" name="Title 1">
+            <a:extLst>
+              <a:ext uri="{FF2B5EF4-FFF2-40B4-BE49-F238E27FC236}">
+                <a16:creationId xmlns:a16="http://schemas.microsoft.com/office/drawing/2014/main" id="{9E9F1A83-DDA5-9F02-B3B1-A1AF57640C2D}"/>
+              </a:ext>
+            </a:extLst>
+          </p:cNvPr>
+          <p:cNvSpPr>
+            <a:spLocks noGrp="1"/>
+          </p:cNvSpPr>
+          <p:nvPr>
+            <p:ph type="title"/>
+          </p:nvPr>
+        </p:nvSpPr>
+        <p:spPr>
+          <a:xfrm>
+            <a:off x="465666" y="203993"/>
+            <a:ext cx="2884116" cy="1325563"/>
+          </a:xfrm>
+        </p:spPr>
+        <p:txBody>
+          <a:bodyPr>
+            <a:normAutofit fontScale="90000"/>
+          </a:bodyPr>
+          <a:lstStyle/>
+          <a:p>
+            <a:r>
+              <a:rPr lang="en-CA"/>
+              <a:t>Source Code Comments</a:t>
+            </a:r>
+            <a:endParaRPr lang="en-AU"/>
+          </a:p>
+        </p:txBody>
+      </p:sp>
+      <p:sp>
+        <p:nvSpPr>
+          <p:cNvPr id="4" name="Slide Number Placeholder 3">
+            <a:extLst>
+              <a:ext uri="{FF2B5EF4-FFF2-40B4-BE49-F238E27FC236}">
+                <a16:creationId xmlns:a16="http://schemas.microsoft.com/office/drawing/2014/main" id="{22B1D4AA-2700-3A74-95F4-020D5A8BE39C}"/>
+              </a:ext>
+            </a:extLst>
+          </p:cNvPr>
+          <p:cNvSpPr>
+            <a:spLocks noGrp="1"/>
+          </p:cNvSpPr>
+          <p:nvPr>
+            <p:ph type="sldNum" sz="quarter" idx="12"/>
+          </p:nvPr>
+        </p:nvSpPr>
+        <p:spPr/>
+        <p:txBody>
+          <a:bodyPr/>
+          <a:lstStyle/>
+          <a:p>
+            <a:fld id="{CBA0A0CD-12E5-4065-8C87-26D031211F61}" type="slidenum">
+              <a:rPr lang="en-AU" smtClean="0"/>
+              <a:t>68</a:t>
+            </a:fld>
+            <a:endParaRPr lang="en-AU"/>
+          </a:p>
+        </p:txBody>
+      </p:sp>
+      <p:sp>
+        <p:nvSpPr>
+          <p:cNvPr id="13" name="TextBox 12">
+            <a:extLst>
+              <a:ext uri="{FF2B5EF4-FFF2-40B4-BE49-F238E27FC236}">
+                <a16:creationId xmlns:a16="http://schemas.microsoft.com/office/drawing/2014/main" id="{F5AC5DD1-263C-753E-B00D-0FC1A67876A6}"/>
+              </a:ext>
+            </a:extLst>
+          </p:cNvPr>
+          <p:cNvSpPr txBox="1"/>
+          <p:nvPr/>
+        </p:nvSpPr>
+        <p:spPr>
+          <a:xfrm>
+            <a:off x="3667877" y="2509619"/>
+            <a:ext cx="2179443" cy="2308324"/>
+          </a:xfrm>
+          <a:prstGeom prst="rect">
+            <a:avLst/>
+          </a:prstGeom>
+          <a:noFill/>
+        </p:spPr>
+        <p:txBody>
+          <a:bodyPr wrap="none" rtlCol="0">
+            <a:spAutoFit/>
+          </a:bodyPr>
+          <a:lstStyle/>
+          <a:p>
+            <a:r>
+              <a:rPr lang="en-US" b="1" dirty="0"/>
+              <a:t># get input</a:t>
+            </a:r>
+          </a:p>
+          <a:p>
+            <a:r>
+              <a:rPr lang="en-US" dirty="0"/>
+              <a:t>…</a:t>
+            </a:r>
+          </a:p>
+          <a:p>
+            <a:endParaRPr lang="en-US" dirty="0"/>
+          </a:p>
+          <a:p>
+            <a:r>
+              <a:rPr lang="en-US" b="1" dirty="0"/>
+              <a:t># process the input</a:t>
+            </a:r>
+          </a:p>
+          <a:p>
+            <a:r>
+              <a:rPr lang="en-US" dirty="0"/>
+              <a:t>…</a:t>
+            </a:r>
+          </a:p>
+          <a:p>
+            <a:endParaRPr lang="en-US" dirty="0"/>
+          </a:p>
+          <a:p>
+            <a:r>
+              <a:rPr lang="en-US" b="1" dirty="0"/>
+              <a:t># print the results</a:t>
+            </a:r>
+          </a:p>
+          <a:p>
+            <a:r>
+              <a:rPr lang="en-US" dirty="0"/>
+              <a:t>…</a:t>
+            </a:r>
+            <a:endParaRPr lang="en-AU" dirty="0"/>
+          </a:p>
+        </p:txBody>
+      </p:sp>
+      <p:sp>
+        <p:nvSpPr>
+          <p:cNvPr id="5" name="TextBox 4">
+            <a:extLst>
+              <a:ext uri="{FF2B5EF4-FFF2-40B4-BE49-F238E27FC236}">
+                <a16:creationId xmlns:a16="http://schemas.microsoft.com/office/drawing/2014/main" id="{DA368361-F4B0-489C-ACD1-136154020CFF}"/>
+              </a:ext>
+            </a:extLst>
+          </p:cNvPr>
+          <p:cNvSpPr txBox="1"/>
+          <p:nvPr/>
+        </p:nvSpPr>
+        <p:spPr>
+          <a:xfrm>
+            <a:off x="3545323" y="1299684"/>
+            <a:ext cx="2424553" cy="646331"/>
+          </a:xfrm>
+          <a:prstGeom prst="rect">
+            <a:avLst/>
+          </a:prstGeom>
+          <a:solidFill>
+            <a:schemeClr val="accent2">
+              <a:lumMod val="40000"/>
+              <a:lumOff val="60000"/>
+            </a:schemeClr>
+          </a:solidFill>
+        </p:spPr>
+        <p:txBody>
+          <a:bodyPr wrap="square" rtlCol="0">
+            <a:spAutoFit/>
+          </a:bodyPr>
+          <a:lstStyle/>
+          <a:p>
+            <a:pPr algn="ctr"/>
+            <a:r>
+              <a:rPr lang="en-AU" dirty="0"/>
+              <a:t>Many programs have this general form …</a:t>
+            </a:r>
+          </a:p>
+        </p:txBody>
+      </p:sp>
+    </p:spTree>
+    <p:extLst>
+      <p:ext uri="{BB962C8B-B14F-4D97-AF65-F5344CB8AC3E}">
+        <p14:creationId xmlns:p14="http://schemas.microsoft.com/office/powerpoint/2010/main" val="3315724918"/>
       </p:ext>
     </p:extLst>
   </p:cSld>
@@ -39988,8 +39818,8 @@
           </a:p>
         </p:txBody>
       </p:sp>
-      <mc:AlternateContent xmlns:mc="http://schemas.openxmlformats.org/markup-compatibility/2006">
-        <mc:Choice xmlns:p14="http://schemas.microsoft.com/office/powerpoint/2010/main" Requires="p14">
+      <mc:AlternateContent xmlns:mc="http://schemas.openxmlformats.org/markup-compatibility/2006" xmlns:p14="http://schemas.microsoft.com/office/powerpoint/2010/main">
+        <mc:Choice Requires="p14">
           <p:contentPart p14:bwMode="auto" r:id="rId3">
             <p14:nvContentPartPr>
               <p14:cNvPr id="5" name="Ink 4">
@@ -40008,7 +39838,7 @@
             </p14:xfrm>
           </p:contentPart>
         </mc:Choice>
-        <mc:Fallback>
+        <mc:Fallback xmlns="">
           <p:pic>
             <p:nvPicPr>
               <p:cNvPr id="5" name="Ink 4">
